--- a/example/DOM.pptx
+++ b/example/DOM.pptx
@@ -2,7 +2,7 @@
 <file path=ppt/presentation.xml><?xml version="1.0" encoding="utf-8"?>
 <p:presentation xmlns:a="http://schemas.openxmlformats.org/drawingml/2006/main" xmlns:r="http://schemas.openxmlformats.org/officeDocument/2006/relationships" xmlns:p="http://schemas.openxmlformats.org/presentationml/2006/main" saveSubsetFonts="1">
   <p:sldMasterIdLst>
-    <p:sldMasterId id="2147483648" r:id="rId1"/>
+    <p:sldMasterId id="2147483660" r:id="rId1"/>
   </p:sldMasterIdLst>
   <p:sldIdLst>
     <p:sldId id="256" r:id="rId2"/>
@@ -12,9 +12,9 @@
   <p:notesSz cx="6858000" cy="9144000"/>
   <p:defaultTextStyle>
     <a:defPPr>
-      <a:defRPr lang="es-PE"/>
+      <a:defRPr lang="en-US"/>
     </a:defPPr>
-    <a:lvl1pPr marL="0" algn="l" defTabSz="914400" rtl="0" eaLnBrk="1" latinLnBrk="0" hangingPunct="1">
+    <a:lvl1pPr marL="0" algn="l" defTabSz="457200" rtl="0" eaLnBrk="1" latinLnBrk="0" hangingPunct="1">
       <a:defRPr sz="1800" kern="1200">
         <a:solidFill>
           <a:schemeClr val="tx1"/>
@@ -24,7 +24,7 @@
         <a:cs typeface="+mn-cs"/>
       </a:defRPr>
     </a:lvl1pPr>
-    <a:lvl2pPr marL="457200" algn="l" defTabSz="914400" rtl="0" eaLnBrk="1" latinLnBrk="0" hangingPunct="1">
+    <a:lvl2pPr marL="457200" algn="l" defTabSz="457200" rtl="0" eaLnBrk="1" latinLnBrk="0" hangingPunct="1">
       <a:defRPr sz="1800" kern="1200">
         <a:solidFill>
           <a:schemeClr val="tx1"/>
@@ -34,7 +34,7 @@
         <a:cs typeface="+mn-cs"/>
       </a:defRPr>
     </a:lvl2pPr>
-    <a:lvl3pPr marL="914400" algn="l" defTabSz="914400" rtl="0" eaLnBrk="1" latinLnBrk="0" hangingPunct="1">
+    <a:lvl3pPr marL="914400" algn="l" defTabSz="457200" rtl="0" eaLnBrk="1" latinLnBrk="0" hangingPunct="1">
       <a:defRPr sz="1800" kern="1200">
         <a:solidFill>
           <a:schemeClr val="tx1"/>
@@ -44,7 +44,7 @@
         <a:cs typeface="+mn-cs"/>
       </a:defRPr>
     </a:lvl3pPr>
-    <a:lvl4pPr marL="1371600" algn="l" defTabSz="914400" rtl="0" eaLnBrk="1" latinLnBrk="0" hangingPunct="1">
+    <a:lvl4pPr marL="1371600" algn="l" defTabSz="457200" rtl="0" eaLnBrk="1" latinLnBrk="0" hangingPunct="1">
       <a:defRPr sz="1800" kern="1200">
         <a:solidFill>
           <a:schemeClr val="tx1"/>
@@ -54,7 +54,7 @@
         <a:cs typeface="+mn-cs"/>
       </a:defRPr>
     </a:lvl4pPr>
-    <a:lvl5pPr marL="1828800" algn="l" defTabSz="914400" rtl="0" eaLnBrk="1" latinLnBrk="0" hangingPunct="1">
+    <a:lvl5pPr marL="1828800" algn="l" defTabSz="457200" rtl="0" eaLnBrk="1" latinLnBrk="0" hangingPunct="1">
       <a:defRPr sz="1800" kern="1200">
         <a:solidFill>
           <a:schemeClr val="tx1"/>
@@ -64,7 +64,7 @@
         <a:cs typeface="+mn-cs"/>
       </a:defRPr>
     </a:lvl5pPr>
-    <a:lvl6pPr marL="2286000" algn="l" defTabSz="914400" rtl="0" eaLnBrk="1" latinLnBrk="0" hangingPunct="1">
+    <a:lvl6pPr marL="2286000" algn="l" defTabSz="457200" rtl="0" eaLnBrk="1" latinLnBrk="0" hangingPunct="1">
       <a:defRPr sz="1800" kern="1200">
         <a:solidFill>
           <a:schemeClr val="tx1"/>
@@ -74,7 +74,7 @@
         <a:cs typeface="+mn-cs"/>
       </a:defRPr>
     </a:lvl6pPr>
-    <a:lvl7pPr marL="2743200" algn="l" defTabSz="914400" rtl="0" eaLnBrk="1" latinLnBrk="0" hangingPunct="1">
+    <a:lvl7pPr marL="2743200" algn="l" defTabSz="457200" rtl="0" eaLnBrk="1" latinLnBrk="0" hangingPunct="1">
       <a:defRPr sz="1800" kern="1200">
         <a:solidFill>
           <a:schemeClr val="tx1"/>
@@ -84,7 +84,7 @@
         <a:cs typeface="+mn-cs"/>
       </a:defRPr>
     </a:lvl7pPr>
-    <a:lvl8pPr marL="3200400" algn="l" defTabSz="914400" rtl="0" eaLnBrk="1" latinLnBrk="0" hangingPunct="1">
+    <a:lvl8pPr marL="3200400" algn="l" defTabSz="457200" rtl="0" eaLnBrk="1" latinLnBrk="0" hangingPunct="1">
       <a:defRPr sz="1800" kern="1200">
         <a:solidFill>
           <a:schemeClr val="tx1"/>
@@ -94,7 +94,7 @@
         <a:cs typeface="+mn-cs"/>
       </a:defRPr>
     </a:lvl8pPr>
-    <a:lvl9pPr marL="3657600" algn="l" defTabSz="914400" rtl="0" eaLnBrk="1" latinLnBrk="0" hangingPunct="1">
+    <a:lvl9pPr marL="3657600" algn="l" defTabSz="457200" rtl="0" eaLnBrk="1" latinLnBrk="0" hangingPunct="1">
       <a:defRPr sz="1800" kern="1200">
         <a:solidFill>
           <a:schemeClr val="tx1"/>
@@ -105,11 +105,16 @@
       </a:defRPr>
     </a:lvl9pPr>
   </p:defaultTextStyle>
+  <p:extLst>
+    <p:ext uri="{EFAFB233-063F-42B5-8137-9DF3F51BA10A}">
+      <p15:sldGuideLst xmlns:p15="http://schemas.microsoft.com/office/powerpoint/2012/main"/>
+    </p:ext>
+  </p:extLst>
 </p:presentation>
 </file>
 
 <file path=ppt/slideLayouts/slideLayout1.xml><?xml version="1.0" encoding="utf-8"?>
-<p:sldLayout xmlns:a="http://schemas.openxmlformats.org/drawingml/2006/main" xmlns:r="http://schemas.openxmlformats.org/officeDocument/2006/relationships" xmlns:p="http://schemas.openxmlformats.org/presentationml/2006/main" type="title" preserve="1">
+<p:sldLayout xmlns:a="http://schemas.openxmlformats.org/drawingml/2006/main" xmlns:r="http://schemas.openxmlformats.org/officeDocument/2006/relationships" xmlns:p="http://schemas.openxmlformats.org/presentationml/2006/main" showMasterSp="0" type="title" preserve="1">
   <p:cSld name="Diapositiva de título">
     <p:spTree>
       <p:nvGrpSpPr>
@@ -127,13 +132,7 @@
       </p:grpSpPr>
       <p:sp>
         <p:nvSpPr>
-          <p:cNvPr id="2" name="Título 1">
-            <a:extLst>
-              <a:ext uri="{FF2B5EF4-FFF2-40B4-BE49-F238E27FC236}">
-                <a16:creationId xmlns:a16="http://schemas.microsoft.com/office/drawing/2014/main" id="{F8FE1444-57FF-4C4D-860E-E156DC94C408}"/>
-              </a:ext>
-            </a:extLst>
-          </p:cNvPr>
+          <p:cNvPr id="2" name="Title 1"/>
           <p:cNvSpPr>
             <a:spLocks noGrp="1"/>
           </p:cNvSpPr>
@@ -143,15 +142,19 @@
         </p:nvSpPr>
         <p:spPr>
           <a:xfrm>
-            <a:off x="1524000" y="1122363"/>
-            <a:ext cx="9144000" cy="2387600"/>
+            <a:off x="684212" y="685799"/>
+            <a:ext cx="8001000" cy="2971801"/>
           </a:xfrm>
         </p:spPr>
         <p:txBody>
-          <a:bodyPr anchor="b"/>
+          <a:bodyPr anchor="b">
+            <a:normAutofit/>
+          </a:bodyPr>
           <a:lstStyle>
-            <a:lvl1pPr algn="ctr">
-              <a:defRPr sz="6000"/>
+            <a:lvl1pPr algn="l">
+              <a:defRPr sz="4800">
+                <a:effectLst/>
+              </a:defRPr>
             </a:lvl1pPr>
           </a:lstStyle>
           <a:p>
@@ -159,19 +162,13 @@
               <a:rPr lang="es-ES"/>
               <a:t>Haga clic para modificar el estilo de título del patrón</a:t>
             </a:r>
-            <a:endParaRPr lang="es-PE"/>
-          </a:p>
-        </p:txBody>
-      </p:sp>
-      <p:sp>
-        <p:nvSpPr>
-          <p:cNvPr id="3" name="Subtítulo 2">
-            <a:extLst>
-              <a:ext uri="{FF2B5EF4-FFF2-40B4-BE49-F238E27FC236}">
-                <a16:creationId xmlns:a16="http://schemas.microsoft.com/office/drawing/2014/main" id="{5DB1FB9E-047B-4D1A-A4E5-E72A1EA6E7AE}"/>
-              </a:ext>
-            </a:extLst>
-          </p:cNvPr>
+            <a:endParaRPr lang="en-US" dirty="0"/>
+          </a:p>
+        </p:txBody>
+      </p:sp>
+      <p:sp>
+        <p:nvSpPr>
+          <p:cNvPr id="3" name="Subtitle 2"/>
           <p:cNvSpPr>
             <a:spLocks noGrp="1"/>
           </p:cNvSpPr>
@@ -181,48 +178,104 @@
         </p:nvSpPr>
         <p:spPr>
           <a:xfrm>
-            <a:off x="1524000" y="3602038"/>
-            <a:ext cx="9144000" cy="1655762"/>
+            <a:off x="684212" y="3843867"/>
+            <a:ext cx="6400800" cy="1947333"/>
           </a:xfrm>
         </p:spPr>
         <p:txBody>
-          <a:bodyPr/>
+          <a:bodyPr anchor="t">
+            <a:normAutofit/>
+          </a:bodyPr>
           <a:lstStyle>
-            <a:lvl1pPr marL="0" indent="0" algn="ctr">
-              <a:buNone/>
-              <a:defRPr sz="2400"/>
+            <a:lvl1pPr marL="0" indent="0" algn="l">
+              <a:buNone/>
+              <a:defRPr sz="2100">
+                <a:solidFill>
+                  <a:schemeClr val="bg2">
+                    <a:lumMod val="75000"/>
+                  </a:schemeClr>
+                </a:solidFill>
+              </a:defRPr>
             </a:lvl1pPr>
             <a:lvl2pPr marL="457200" indent="0" algn="ctr">
               <a:buNone/>
-              <a:defRPr sz="2000"/>
+              <a:defRPr>
+                <a:solidFill>
+                  <a:schemeClr val="tx1">
+                    <a:tint val="75000"/>
+                  </a:schemeClr>
+                </a:solidFill>
+              </a:defRPr>
             </a:lvl2pPr>
             <a:lvl3pPr marL="914400" indent="0" algn="ctr">
               <a:buNone/>
-              <a:defRPr sz="1800"/>
+              <a:defRPr>
+                <a:solidFill>
+                  <a:schemeClr val="tx1">
+                    <a:tint val="75000"/>
+                  </a:schemeClr>
+                </a:solidFill>
+              </a:defRPr>
             </a:lvl3pPr>
             <a:lvl4pPr marL="1371600" indent="0" algn="ctr">
               <a:buNone/>
-              <a:defRPr sz="1600"/>
+              <a:defRPr>
+                <a:solidFill>
+                  <a:schemeClr val="tx1">
+                    <a:tint val="75000"/>
+                  </a:schemeClr>
+                </a:solidFill>
+              </a:defRPr>
             </a:lvl4pPr>
             <a:lvl5pPr marL="1828800" indent="0" algn="ctr">
               <a:buNone/>
-              <a:defRPr sz="1600"/>
+              <a:defRPr>
+                <a:solidFill>
+                  <a:schemeClr val="tx1">
+                    <a:tint val="75000"/>
+                  </a:schemeClr>
+                </a:solidFill>
+              </a:defRPr>
             </a:lvl5pPr>
             <a:lvl6pPr marL="2286000" indent="0" algn="ctr">
               <a:buNone/>
-              <a:defRPr sz="1600"/>
+              <a:defRPr>
+                <a:solidFill>
+                  <a:schemeClr val="tx1">
+                    <a:tint val="75000"/>
+                  </a:schemeClr>
+                </a:solidFill>
+              </a:defRPr>
             </a:lvl6pPr>
             <a:lvl7pPr marL="2743200" indent="0" algn="ctr">
               <a:buNone/>
-              <a:defRPr sz="1600"/>
+              <a:defRPr>
+                <a:solidFill>
+                  <a:schemeClr val="tx1">
+                    <a:tint val="75000"/>
+                  </a:schemeClr>
+                </a:solidFill>
+              </a:defRPr>
             </a:lvl7pPr>
             <a:lvl8pPr marL="3200400" indent="0" algn="ctr">
               <a:buNone/>
-              <a:defRPr sz="1600"/>
+              <a:defRPr>
+                <a:solidFill>
+                  <a:schemeClr val="tx1">
+                    <a:tint val="75000"/>
+                  </a:schemeClr>
+                </a:solidFill>
+              </a:defRPr>
             </a:lvl8pPr>
             <a:lvl9pPr marL="3657600" indent="0" algn="ctr">
               <a:buNone/>
-              <a:defRPr sz="1600"/>
+              <a:defRPr>
+                <a:solidFill>
+                  <a:schemeClr val="tx1">
+                    <a:tint val="75000"/>
+                  </a:schemeClr>
+                </a:solidFill>
+              </a:defRPr>
             </a:lvl9pPr>
           </a:lstStyle>
           <a:p>
@@ -230,19 +283,13 @@
               <a:rPr lang="es-ES"/>
               <a:t>Haga clic para modificar el estilo de subtítulo del patrón</a:t>
             </a:r>
-            <a:endParaRPr lang="es-PE"/>
-          </a:p>
-        </p:txBody>
-      </p:sp>
-      <p:sp>
-        <p:nvSpPr>
-          <p:cNvPr id="4" name="Marcador de fecha 3">
-            <a:extLst>
-              <a:ext uri="{FF2B5EF4-FFF2-40B4-BE49-F238E27FC236}">
-                <a16:creationId xmlns:a16="http://schemas.microsoft.com/office/drawing/2014/main" id="{643ED6E7-651F-4115-85D6-768232B84511}"/>
-              </a:ext>
-            </a:extLst>
-          </p:cNvPr>
+            <a:endParaRPr lang="en-US" dirty="0"/>
+          </a:p>
+        </p:txBody>
+      </p:sp>
+      <p:sp>
+        <p:nvSpPr>
+          <p:cNvPr id="4" name="Date Placeholder 3"/>
           <p:cNvSpPr>
             <a:spLocks noGrp="1"/>
           </p:cNvSpPr>
@@ -265,13 +312,7 @@
       </p:sp>
       <p:sp>
         <p:nvSpPr>
-          <p:cNvPr id="5" name="Marcador de pie de página 4">
-            <a:extLst>
-              <a:ext uri="{FF2B5EF4-FFF2-40B4-BE49-F238E27FC236}">
-                <a16:creationId xmlns:a16="http://schemas.microsoft.com/office/drawing/2014/main" id="{59A61F7F-86F0-4679-8A4E-BA7A3852DC24}"/>
-              </a:ext>
-            </a:extLst>
-          </p:cNvPr>
+          <p:cNvPr id="5" name="Footer Placeholder 4"/>
           <p:cNvSpPr>
             <a:spLocks noGrp="1"/>
           </p:cNvSpPr>
@@ -290,13 +331,7 @@
       </p:sp>
       <p:sp>
         <p:nvSpPr>
-          <p:cNvPr id="6" name="Marcador de número de diapositiva 5">
-            <a:extLst>
-              <a:ext uri="{FF2B5EF4-FFF2-40B4-BE49-F238E27FC236}">
-                <a16:creationId xmlns:a16="http://schemas.microsoft.com/office/drawing/2014/main" id="{05D07867-EBCB-446B-9253-0FBB4EF3B371}"/>
-              </a:ext>
-            </a:extLst>
-          </p:cNvPr>
+          <p:cNvPr id="6" name="Slide Number Placeholder 5"/>
           <p:cNvSpPr>
             <a:spLocks noGrp="1"/>
           </p:cNvSpPr>
@@ -317,10 +352,185 @@
           </a:p>
         </p:txBody>
       </p:sp>
+      <p:cxnSp>
+        <p:nvCxnSpPr>
+          <p:cNvPr id="16" name="Straight Connector 15"/>
+          <p:cNvCxnSpPr/>
+          <p:nvPr/>
+        </p:nvCxnSpPr>
+        <p:spPr>
+          <a:xfrm flipH="1">
+            <a:off x="8228012" y="8467"/>
+            <a:ext cx="3810000" cy="3810000"/>
+          </a:xfrm>
+          <a:prstGeom prst="line">
+            <a:avLst/>
+          </a:prstGeom>
+          <a:ln w="12700">
+            <a:solidFill>
+              <a:schemeClr val="tx1"/>
+            </a:solidFill>
+          </a:ln>
+        </p:spPr>
+        <p:style>
+          <a:lnRef idx="2">
+            <a:schemeClr val="accent1"/>
+          </a:lnRef>
+          <a:fillRef idx="0">
+            <a:schemeClr val="accent1"/>
+          </a:fillRef>
+          <a:effectRef idx="1">
+            <a:schemeClr val="accent1"/>
+          </a:effectRef>
+          <a:fontRef idx="minor">
+            <a:schemeClr val="tx1"/>
+          </a:fontRef>
+        </p:style>
+      </p:cxnSp>
+      <p:cxnSp>
+        <p:nvCxnSpPr>
+          <p:cNvPr id="17" name="Straight Connector 16"/>
+          <p:cNvCxnSpPr/>
+          <p:nvPr/>
+        </p:nvCxnSpPr>
+        <p:spPr>
+          <a:xfrm flipH="1">
+            <a:off x="6108170" y="91545"/>
+            <a:ext cx="6080655" cy="6080655"/>
+          </a:xfrm>
+          <a:prstGeom prst="line">
+            <a:avLst/>
+          </a:prstGeom>
+          <a:ln w="12700">
+            <a:solidFill>
+              <a:schemeClr val="tx1"/>
+            </a:solidFill>
+          </a:ln>
+        </p:spPr>
+        <p:style>
+          <a:lnRef idx="2">
+            <a:schemeClr val="accent1"/>
+          </a:lnRef>
+          <a:fillRef idx="0">
+            <a:schemeClr val="accent1"/>
+          </a:fillRef>
+          <a:effectRef idx="1">
+            <a:schemeClr val="accent1"/>
+          </a:effectRef>
+          <a:fontRef idx="minor">
+            <a:schemeClr val="tx1"/>
+          </a:fontRef>
+        </p:style>
+      </p:cxnSp>
+      <p:cxnSp>
+        <p:nvCxnSpPr>
+          <p:cNvPr id="19" name="Straight Connector 18"/>
+          <p:cNvCxnSpPr/>
+          <p:nvPr/>
+        </p:nvCxnSpPr>
+        <p:spPr>
+          <a:xfrm flipH="1">
+            <a:off x="7235825" y="228600"/>
+            <a:ext cx="4953000" cy="4953000"/>
+          </a:xfrm>
+          <a:prstGeom prst="line">
+            <a:avLst/>
+          </a:prstGeom>
+          <a:ln w="12700">
+            <a:solidFill>
+              <a:schemeClr val="tx1"/>
+            </a:solidFill>
+          </a:ln>
+        </p:spPr>
+        <p:style>
+          <a:lnRef idx="2">
+            <a:schemeClr val="accent1"/>
+          </a:lnRef>
+          <a:fillRef idx="0">
+            <a:schemeClr val="accent1"/>
+          </a:fillRef>
+          <a:effectRef idx="1">
+            <a:schemeClr val="accent1"/>
+          </a:effectRef>
+          <a:fontRef idx="minor">
+            <a:schemeClr val="tx1"/>
+          </a:fontRef>
+        </p:style>
+      </p:cxnSp>
+      <p:cxnSp>
+        <p:nvCxnSpPr>
+          <p:cNvPr id="21" name="Straight Connector 20"/>
+          <p:cNvCxnSpPr/>
+          <p:nvPr/>
+        </p:nvCxnSpPr>
+        <p:spPr>
+          <a:xfrm flipH="1">
+            <a:off x="7335837" y="32278"/>
+            <a:ext cx="4852989" cy="4852989"/>
+          </a:xfrm>
+          <a:prstGeom prst="line">
+            <a:avLst/>
+          </a:prstGeom>
+          <a:ln w="31750">
+            <a:solidFill>
+              <a:schemeClr val="tx1"/>
+            </a:solidFill>
+          </a:ln>
+        </p:spPr>
+        <p:style>
+          <a:lnRef idx="2">
+            <a:schemeClr val="accent1"/>
+          </a:lnRef>
+          <a:fillRef idx="0">
+            <a:schemeClr val="accent1"/>
+          </a:fillRef>
+          <a:effectRef idx="1">
+            <a:schemeClr val="accent1"/>
+          </a:effectRef>
+          <a:fontRef idx="minor">
+            <a:schemeClr val="tx1"/>
+          </a:fontRef>
+        </p:style>
+      </p:cxnSp>
+      <p:cxnSp>
+        <p:nvCxnSpPr>
+          <p:cNvPr id="23" name="Straight Connector 22"/>
+          <p:cNvCxnSpPr/>
+          <p:nvPr/>
+        </p:nvCxnSpPr>
+        <p:spPr>
+          <a:xfrm flipH="1">
+            <a:off x="7845426" y="609601"/>
+            <a:ext cx="4343399" cy="4343399"/>
+          </a:xfrm>
+          <a:prstGeom prst="line">
+            <a:avLst/>
+          </a:prstGeom>
+          <a:ln w="31750">
+            <a:solidFill>
+              <a:schemeClr val="tx1"/>
+            </a:solidFill>
+          </a:ln>
+        </p:spPr>
+        <p:style>
+          <a:lnRef idx="2">
+            <a:schemeClr val="accent1"/>
+          </a:lnRef>
+          <a:fillRef idx="0">
+            <a:schemeClr val="accent1"/>
+          </a:fillRef>
+          <a:effectRef idx="1">
+            <a:schemeClr val="accent1"/>
+          </a:effectRef>
+          <a:fontRef idx="minor">
+            <a:schemeClr val="tx1"/>
+          </a:fontRef>
+        </p:style>
+      </p:cxnSp>
     </p:spTree>
     <p:extLst>
       <p:ext uri="{BB962C8B-B14F-4D97-AF65-F5344CB8AC3E}">
-        <p14:creationId xmlns:p14="http://schemas.microsoft.com/office/powerpoint/2010/main" val="3913350246"/>
+        <p14:creationId xmlns:p14="http://schemas.microsoft.com/office/powerpoint/2010/main" val="4021203642"/>
       </p:ext>
     </p:extLst>
   </p:cSld>
@@ -331,6 +541,1812 @@
 </file>
 
 <file path=ppt/slideLayouts/slideLayout10.xml><?xml version="1.0" encoding="utf-8"?>
+<p:sldLayout xmlns:a="http://schemas.openxmlformats.org/drawingml/2006/main" xmlns:r="http://schemas.openxmlformats.org/officeDocument/2006/relationships" xmlns:p="http://schemas.openxmlformats.org/presentationml/2006/main" preserve="1">
+  <p:cSld name="Imagen panorámica con descripción">
+    <p:spTree>
+      <p:nvGrpSpPr>
+        <p:cNvPr id="1" name=""/>
+        <p:cNvGrpSpPr/>
+        <p:nvPr/>
+      </p:nvGrpSpPr>
+      <p:grpSpPr>
+        <a:xfrm>
+          <a:off x="0" y="0"/>
+          <a:ext cx="0" cy="0"/>
+          <a:chOff x="0" y="0"/>
+          <a:chExt cx="0" cy="0"/>
+        </a:xfrm>
+      </p:grpSpPr>
+      <p:sp>
+        <p:nvSpPr>
+          <p:cNvPr id="2" name="Title 1"/>
+          <p:cNvSpPr>
+            <a:spLocks noGrp="1"/>
+          </p:cNvSpPr>
+          <p:nvPr>
+            <p:ph type="title"/>
+          </p:nvPr>
+        </p:nvSpPr>
+        <p:spPr/>
+        <p:txBody>
+          <a:bodyPr/>
+          <a:lstStyle/>
+          <a:p>
+            <a:r>
+              <a:rPr lang="es-ES"/>
+              <a:t>Haga clic para modificar el estilo de título del patrón</a:t>
+            </a:r>
+            <a:endParaRPr lang="en-US" dirty="0"/>
+          </a:p>
+        </p:txBody>
+      </p:sp>
+      <p:sp>
+        <p:nvSpPr>
+          <p:cNvPr id="17" name="Picture Placeholder 2"/>
+          <p:cNvSpPr>
+            <a:spLocks noGrp="1" noChangeAspect="1"/>
+          </p:cNvSpPr>
+          <p:nvPr>
+            <p:ph type="pic" idx="13"/>
+          </p:nvPr>
+        </p:nvSpPr>
+        <p:spPr>
+          <a:xfrm>
+            <a:off x="685800" y="533400"/>
+            <a:ext cx="10818812" cy="3124200"/>
+          </a:xfrm>
+          <a:prstGeom prst="snip2DiagRect">
+            <a:avLst>
+              <a:gd name="adj1" fmla="val 10815"/>
+              <a:gd name="adj2" fmla="val 0"/>
+            </a:avLst>
+          </a:prstGeom>
+          <a:ln w="15875">
+            <a:solidFill>
+              <a:schemeClr val="tx1">
+                <a:alpha val="40000"/>
+              </a:schemeClr>
+            </a:solidFill>
+          </a:ln>
+          <a:effectLst>
+            <a:innerShdw blurRad="57150" dist="38100" dir="14460000">
+              <a:srgbClr val="000000">
+                <a:alpha val="70000"/>
+              </a:srgbClr>
+            </a:innerShdw>
+          </a:effectLst>
+        </p:spPr>
+        <p:txBody>
+          <a:bodyPr anchor="t">
+            <a:normAutofit/>
+          </a:bodyPr>
+          <a:lstStyle>
+            <a:lvl1pPr marL="0" indent="0" algn="ctr">
+              <a:buNone/>
+              <a:defRPr sz="1600"/>
+            </a:lvl1pPr>
+            <a:lvl2pPr marL="457200" indent="0">
+              <a:buNone/>
+              <a:defRPr sz="1600"/>
+            </a:lvl2pPr>
+            <a:lvl3pPr marL="914400" indent="0">
+              <a:buNone/>
+              <a:defRPr sz="1600"/>
+            </a:lvl3pPr>
+            <a:lvl4pPr marL="1371600" indent="0">
+              <a:buNone/>
+              <a:defRPr sz="1600"/>
+            </a:lvl4pPr>
+            <a:lvl5pPr marL="1828800" indent="0">
+              <a:buNone/>
+              <a:defRPr sz="1600"/>
+            </a:lvl5pPr>
+            <a:lvl6pPr marL="2286000" indent="0">
+              <a:buNone/>
+              <a:defRPr sz="1600"/>
+            </a:lvl6pPr>
+            <a:lvl7pPr marL="2743200" indent="0">
+              <a:buNone/>
+              <a:defRPr sz="1600"/>
+            </a:lvl7pPr>
+            <a:lvl8pPr marL="3200400" indent="0">
+              <a:buNone/>
+              <a:defRPr sz="1600"/>
+            </a:lvl8pPr>
+            <a:lvl9pPr marL="3657600" indent="0">
+              <a:buNone/>
+              <a:defRPr sz="1600"/>
+            </a:lvl9pPr>
+          </a:lstStyle>
+          <a:p>
+            <a:r>
+              <a:rPr lang="es-ES"/>
+              <a:t>Haga clic en el icono para agregar una imagen</a:t>
+            </a:r>
+            <a:endParaRPr lang="en-US" dirty="0"/>
+          </a:p>
+        </p:txBody>
+      </p:sp>
+      <p:sp>
+        <p:nvSpPr>
+          <p:cNvPr id="16" name="Text Placeholder 9"/>
+          <p:cNvSpPr>
+            <a:spLocks noGrp="1"/>
+          </p:cNvSpPr>
+          <p:nvPr>
+            <p:ph type="body" sz="quarter" idx="14"/>
+          </p:nvPr>
+        </p:nvSpPr>
+        <p:spPr>
+          <a:xfrm>
+            <a:off x="914402" y="3843867"/>
+            <a:ext cx="8304210" cy="457200"/>
+          </a:xfrm>
+        </p:spPr>
+        <p:txBody>
+          <a:bodyPr anchor="t">
+            <a:normAutofit/>
+          </a:bodyPr>
+          <a:lstStyle>
+            <a:lvl1pPr marL="0" indent="0">
+              <a:buFontTx/>
+              <a:buNone/>
+              <a:defRPr sz="1600"/>
+            </a:lvl1pPr>
+            <a:lvl2pPr marL="457200" indent="0">
+              <a:buFontTx/>
+              <a:buNone/>
+              <a:defRPr/>
+            </a:lvl2pPr>
+            <a:lvl3pPr marL="914400" indent="0">
+              <a:buFontTx/>
+              <a:buNone/>
+              <a:defRPr/>
+            </a:lvl3pPr>
+            <a:lvl4pPr marL="1371600" indent="0">
+              <a:buFontTx/>
+              <a:buNone/>
+              <a:defRPr/>
+            </a:lvl4pPr>
+            <a:lvl5pPr marL="1828800" indent="0">
+              <a:buFontTx/>
+              <a:buNone/>
+              <a:defRPr/>
+            </a:lvl5pPr>
+          </a:lstStyle>
+          <a:p>
+            <a:pPr lvl="0"/>
+            <a:r>
+              <a:rPr lang="es-ES"/>
+              <a:t>Haga clic para modificar los estilos de texto del patrón</a:t>
+            </a:r>
+          </a:p>
+        </p:txBody>
+      </p:sp>
+      <p:sp>
+        <p:nvSpPr>
+          <p:cNvPr id="3" name="Date Placeholder 2"/>
+          <p:cNvSpPr>
+            <a:spLocks noGrp="1"/>
+          </p:cNvSpPr>
+          <p:nvPr>
+            <p:ph type="dt" sz="half" idx="10"/>
+          </p:nvPr>
+        </p:nvSpPr>
+        <p:spPr/>
+        <p:txBody>
+          <a:bodyPr/>
+          <a:lstStyle/>
+          <a:p>
+            <a:fld id="{924F251A-5893-4BF9-8D4A-FA1EC93FA150}" type="datetimeFigureOut">
+              <a:rPr lang="es-PE" smtClean="0"/>
+              <a:t>14/02/2020</a:t>
+            </a:fld>
+            <a:endParaRPr lang="es-PE"/>
+          </a:p>
+        </p:txBody>
+      </p:sp>
+      <p:sp>
+        <p:nvSpPr>
+          <p:cNvPr id="4" name="Footer Placeholder 3"/>
+          <p:cNvSpPr>
+            <a:spLocks noGrp="1"/>
+          </p:cNvSpPr>
+          <p:nvPr>
+            <p:ph type="ftr" sz="quarter" idx="11"/>
+          </p:nvPr>
+        </p:nvSpPr>
+        <p:spPr/>
+        <p:txBody>
+          <a:bodyPr/>
+          <a:lstStyle/>
+          <a:p>
+            <a:endParaRPr lang="es-PE"/>
+          </a:p>
+        </p:txBody>
+      </p:sp>
+      <p:sp>
+        <p:nvSpPr>
+          <p:cNvPr id="5" name="Slide Number Placeholder 4"/>
+          <p:cNvSpPr>
+            <a:spLocks noGrp="1"/>
+          </p:cNvSpPr>
+          <p:nvPr>
+            <p:ph type="sldNum" sz="quarter" idx="12"/>
+          </p:nvPr>
+        </p:nvSpPr>
+        <p:spPr/>
+        <p:txBody>
+          <a:bodyPr/>
+          <a:lstStyle/>
+          <a:p>
+            <a:fld id="{4C6EE75D-CDBC-405E-A653-498C3A234C58}" type="slidenum">
+              <a:rPr lang="es-PE" smtClean="0"/>
+              <a:t>‹Nº›</a:t>
+            </a:fld>
+            <a:endParaRPr lang="es-PE"/>
+          </a:p>
+        </p:txBody>
+      </p:sp>
+    </p:spTree>
+    <p:extLst>
+      <p:ext uri="{BB962C8B-B14F-4D97-AF65-F5344CB8AC3E}">
+        <p14:creationId xmlns:p14="http://schemas.microsoft.com/office/powerpoint/2010/main" val="3285835256"/>
+      </p:ext>
+    </p:extLst>
+  </p:cSld>
+  <p:clrMapOvr>
+    <a:masterClrMapping/>
+  </p:clrMapOvr>
+</p:sldLayout>
+</file>
+
+<file path=ppt/slideLayouts/slideLayout11.xml><?xml version="1.0" encoding="utf-8"?>
+<p:sldLayout xmlns:a="http://schemas.openxmlformats.org/drawingml/2006/main" xmlns:r="http://schemas.openxmlformats.org/officeDocument/2006/relationships" xmlns:p="http://schemas.openxmlformats.org/presentationml/2006/main" preserve="1">
+  <p:cSld name="Título y descripción">
+    <p:spTree>
+      <p:nvGrpSpPr>
+        <p:cNvPr id="1" name=""/>
+        <p:cNvGrpSpPr/>
+        <p:nvPr/>
+      </p:nvGrpSpPr>
+      <p:grpSpPr>
+        <a:xfrm>
+          <a:off x="0" y="0"/>
+          <a:ext cx="0" cy="0"/>
+          <a:chOff x="0" y="0"/>
+          <a:chExt cx="0" cy="0"/>
+        </a:xfrm>
+      </p:grpSpPr>
+      <p:sp>
+        <p:nvSpPr>
+          <p:cNvPr id="2" name="Title 1"/>
+          <p:cNvSpPr>
+            <a:spLocks noGrp="1"/>
+          </p:cNvSpPr>
+          <p:nvPr>
+            <p:ph type="title"/>
+          </p:nvPr>
+        </p:nvSpPr>
+        <p:spPr>
+          <a:xfrm>
+            <a:off x="684213" y="685800"/>
+            <a:ext cx="10058400" cy="2743200"/>
+          </a:xfrm>
+        </p:spPr>
+        <p:txBody>
+          <a:bodyPr anchor="ctr">
+            <a:normAutofit/>
+          </a:bodyPr>
+          <a:lstStyle>
+            <a:lvl1pPr algn="l">
+              <a:defRPr sz="3200" b="0" cap="all"/>
+            </a:lvl1pPr>
+          </a:lstStyle>
+          <a:p>
+            <a:r>
+              <a:rPr lang="es-ES"/>
+              <a:t>Haga clic para modificar el estilo de título del patrón</a:t>
+            </a:r>
+            <a:endParaRPr lang="en-US" dirty="0"/>
+          </a:p>
+        </p:txBody>
+      </p:sp>
+      <p:sp>
+        <p:nvSpPr>
+          <p:cNvPr id="3" name="Text Placeholder 2"/>
+          <p:cNvSpPr>
+            <a:spLocks noGrp="1"/>
+          </p:cNvSpPr>
+          <p:nvPr>
+            <p:ph type="body" idx="1"/>
+          </p:nvPr>
+        </p:nvSpPr>
+        <p:spPr>
+          <a:xfrm>
+            <a:off x="684212" y="4114800"/>
+            <a:ext cx="8535988" cy="1879600"/>
+          </a:xfrm>
+        </p:spPr>
+        <p:txBody>
+          <a:bodyPr anchor="ctr">
+            <a:normAutofit/>
+          </a:bodyPr>
+          <a:lstStyle>
+            <a:lvl1pPr marL="0" indent="0" algn="l">
+              <a:buNone/>
+              <a:defRPr sz="2000">
+                <a:solidFill>
+                  <a:schemeClr val="bg2">
+                    <a:lumMod val="75000"/>
+                  </a:schemeClr>
+                </a:solidFill>
+              </a:defRPr>
+            </a:lvl1pPr>
+            <a:lvl2pPr marL="457200" indent="0">
+              <a:buNone/>
+              <a:defRPr sz="1800">
+                <a:solidFill>
+                  <a:schemeClr val="tx1">
+                    <a:tint val="75000"/>
+                  </a:schemeClr>
+                </a:solidFill>
+              </a:defRPr>
+            </a:lvl2pPr>
+            <a:lvl3pPr marL="914400" indent="0">
+              <a:buNone/>
+              <a:defRPr sz="1600">
+                <a:solidFill>
+                  <a:schemeClr val="tx1">
+                    <a:tint val="75000"/>
+                  </a:schemeClr>
+                </a:solidFill>
+              </a:defRPr>
+            </a:lvl3pPr>
+            <a:lvl4pPr marL="1371600" indent="0">
+              <a:buNone/>
+              <a:defRPr sz="1400">
+                <a:solidFill>
+                  <a:schemeClr val="tx1">
+                    <a:tint val="75000"/>
+                  </a:schemeClr>
+                </a:solidFill>
+              </a:defRPr>
+            </a:lvl4pPr>
+            <a:lvl5pPr marL="1828800" indent="0">
+              <a:buNone/>
+              <a:defRPr sz="1400">
+                <a:solidFill>
+                  <a:schemeClr val="tx1">
+                    <a:tint val="75000"/>
+                  </a:schemeClr>
+                </a:solidFill>
+              </a:defRPr>
+            </a:lvl5pPr>
+            <a:lvl6pPr marL="2286000" indent="0">
+              <a:buNone/>
+              <a:defRPr sz="1400">
+                <a:solidFill>
+                  <a:schemeClr val="tx1">
+                    <a:tint val="75000"/>
+                  </a:schemeClr>
+                </a:solidFill>
+              </a:defRPr>
+            </a:lvl6pPr>
+            <a:lvl7pPr marL="2743200" indent="0">
+              <a:buNone/>
+              <a:defRPr sz="1400">
+                <a:solidFill>
+                  <a:schemeClr val="tx1">
+                    <a:tint val="75000"/>
+                  </a:schemeClr>
+                </a:solidFill>
+              </a:defRPr>
+            </a:lvl7pPr>
+            <a:lvl8pPr marL="3200400" indent="0">
+              <a:buNone/>
+              <a:defRPr sz="1400">
+                <a:solidFill>
+                  <a:schemeClr val="tx1">
+                    <a:tint val="75000"/>
+                  </a:schemeClr>
+                </a:solidFill>
+              </a:defRPr>
+            </a:lvl8pPr>
+            <a:lvl9pPr marL="3657600" indent="0">
+              <a:buNone/>
+              <a:defRPr sz="1400">
+                <a:solidFill>
+                  <a:schemeClr val="tx1">
+                    <a:tint val="75000"/>
+                  </a:schemeClr>
+                </a:solidFill>
+              </a:defRPr>
+            </a:lvl9pPr>
+          </a:lstStyle>
+          <a:p>
+            <a:pPr lvl="0"/>
+            <a:r>
+              <a:rPr lang="es-ES"/>
+              <a:t>Haga clic para modificar los estilos de texto del patrón</a:t>
+            </a:r>
+          </a:p>
+        </p:txBody>
+      </p:sp>
+      <p:sp>
+        <p:nvSpPr>
+          <p:cNvPr id="4" name="Date Placeholder 3"/>
+          <p:cNvSpPr>
+            <a:spLocks noGrp="1"/>
+          </p:cNvSpPr>
+          <p:nvPr>
+            <p:ph type="dt" sz="half" idx="10"/>
+          </p:nvPr>
+        </p:nvSpPr>
+        <p:spPr/>
+        <p:txBody>
+          <a:bodyPr/>
+          <a:lstStyle/>
+          <a:p>
+            <a:fld id="{924F251A-5893-4BF9-8D4A-FA1EC93FA150}" type="datetimeFigureOut">
+              <a:rPr lang="es-PE" smtClean="0"/>
+              <a:t>14/02/2020</a:t>
+            </a:fld>
+            <a:endParaRPr lang="es-PE"/>
+          </a:p>
+        </p:txBody>
+      </p:sp>
+      <p:sp>
+        <p:nvSpPr>
+          <p:cNvPr id="5" name="Footer Placeholder 4"/>
+          <p:cNvSpPr>
+            <a:spLocks noGrp="1"/>
+          </p:cNvSpPr>
+          <p:nvPr>
+            <p:ph type="ftr" sz="quarter" idx="11"/>
+          </p:nvPr>
+        </p:nvSpPr>
+        <p:spPr/>
+        <p:txBody>
+          <a:bodyPr/>
+          <a:lstStyle/>
+          <a:p>
+            <a:endParaRPr lang="es-PE"/>
+          </a:p>
+        </p:txBody>
+      </p:sp>
+      <p:sp>
+        <p:nvSpPr>
+          <p:cNvPr id="6" name="Slide Number Placeholder 5"/>
+          <p:cNvSpPr>
+            <a:spLocks noGrp="1"/>
+          </p:cNvSpPr>
+          <p:nvPr>
+            <p:ph type="sldNum" sz="quarter" idx="12"/>
+          </p:nvPr>
+        </p:nvSpPr>
+        <p:spPr/>
+        <p:txBody>
+          <a:bodyPr/>
+          <a:lstStyle/>
+          <a:p>
+            <a:fld id="{4C6EE75D-CDBC-405E-A653-498C3A234C58}" type="slidenum">
+              <a:rPr lang="es-PE" smtClean="0"/>
+              <a:t>‹Nº›</a:t>
+            </a:fld>
+            <a:endParaRPr lang="es-PE"/>
+          </a:p>
+        </p:txBody>
+      </p:sp>
+    </p:spTree>
+    <p:extLst>
+      <p:ext uri="{BB962C8B-B14F-4D97-AF65-F5344CB8AC3E}">
+        <p14:creationId xmlns:p14="http://schemas.microsoft.com/office/powerpoint/2010/main" val="4110100073"/>
+      </p:ext>
+    </p:extLst>
+  </p:cSld>
+  <p:clrMapOvr>
+    <a:masterClrMapping/>
+  </p:clrMapOvr>
+</p:sldLayout>
+</file>
+
+<file path=ppt/slideLayouts/slideLayout12.xml><?xml version="1.0" encoding="utf-8"?>
+<p:sldLayout xmlns:a="http://schemas.openxmlformats.org/drawingml/2006/main" xmlns:r="http://schemas.openxmlformats.org/officeDocument/2006/relationships" xmlns:p="http://schemas.openxmlformats.org/presentationml/2006/main" preserve="1">
+  <p:cSld name="Cita con descripción">
+    <p:spTree>
+      <p:nvGrpSpPr>
+        <p:cNvPr id="1" name=""/>
+        <p:cNvGrpSpPr/>
+        <p:nvPr/>
+      </p:nvGrpSpPr>
+      <p:grpSpPr>
+        <a:xfrm>
+          <a:off x="0" y="0"/>
+          <a:ext cx="0" cy="0"/>
+          <a:chOff x="0" y="0"/>
+          <a:chExt cx="0" cy="0"/>
+        </a:xfrm>
+      </p:grpSpPr>
+      <p:sp>
+        <p:nvSpPr>
+          <p:cNvPr id="2" name="Title 1"/>
+          <p:cNvSpPr>
+            <a:spLocks noGrp="1"/>
+          </p:cNvSpPr>
+          <p:nvPr>
+            <p:ph type="title"/>
+          </p:nvPr>
+        </p:nvSpPr>
+        <p:spPr>
+          <a:xfrm>
+            <a:off x="1141411" y="685800"/>
+            <a:ext cx="9144001" cy="2743200"/>
+          </a:xfrm>
+        </p:spPr>
+        <p:txBody>
+          <a:bodyPr anchor="ctr">
+            <a:normAutofit/>
+          </a:bodyPr>
+          <a:lstStyle>
+            <a:lvl1pPr algn="l">
+              <a:defRPr sz="3200" b="0" cap="all">
+                <a:solidFill>
+                  <a:schemeClr val="tx1"/>
+                </a:solidFill>
+              </a:defRPr>
+            </a:lvl1pPr>
+          </a:lstStyle>
+          <a:p>
+            <a:r>
+              <a:rPr lang="es-ES"/>
+              <a:t>Haga clic para modificar el estilo de título del patrón</a:t>
+            </a:r>
+            <a:endParaRPr lang="en-US" dirty="0"/>
+          </a:p>
+        </p:txBody>
+      </p:sp>
+      <p:sp>
+        <p:nvSpPr>
+          <p:cNvPr id="10" name="Text Placeholder 9"/>
+          <p:cNvSpPr>
+            <a:spLocks noGrp="1"/>
+          </p:cNvSpPr>
+          <p:nvPr>
+            <p:ph type="body" sz="quarter" idx="13"/>
+          </p:nvPr>
+        </p:nvSpPr>
+        <p:spPr>
+          <a:xfrm>
+            <a:off x="1446212" y="3429000"/>
+            <a:ext cx="8534400" cy="381000"/>
+          </a:xfrm>
+        </p:spPr>
+        <p:txBody>
+          <a:bodyPr anchor="ctr"/>
+          <a:lstStyle>
+            <a:lvl1pPr marL="0" indent="0">
+              <a:buFontTx/>
+              <a:buNone/>
+              <a:defRPr/>
+            </a:lvl1pPr>
+            <a:lvl2pPr marL="457200" indent="0">
+              <a:buFontTx/>
+              <a:buNone/>
+              <a:defRPr/>
+            </a:lvl2pPr>
+            <a:lvl3pPr marL="914400" indent="0">
+              <a:buFontTx/>
+              <a:buNone/>
+              <a:defRPr/>
+            </a:lvl3pPr>
+            <a:lvl4pPr marL="1371600" indent="0">
+              <a:buFontTx/>
+              <a:buNone/>
+              <a:defRPr/>
+            </a:lvl4pPr>
+            <a:lvl5pPr marL="1828800" indent="0">
+              <a:buFontTx/>
+              <a:buNone/>
+              <a:defRPr/>
+            </a:lvl5pPr>
+          </a:lstStyle>
+          <a:p>
+            <a:pPr lvl="0"/>
+            <a:r>
+              <a:rPr lang="es-ES"/>
+              <a:t>Haga clic para modificar los estilos de texto del patrón</a:t>
+            </a:r>
+          </a:p>
+        </p:txBody>
+      </p:sp>
+      <p:sp>
+        <p:nvSpPr>
+          <p:cNvPr id="3" name="Text Placeholder 2"/>
+          <p:cNvSpPr>
+            <a:spLocks noGrp="1"/>
+          </p:cNvSpPr>
+          <p:nvPr>
+            <p:ph type="body" idx="1"/>
+          </p:nvPr>
+        </p:nvSpPr>
+        <p:spPr>
+          <a:xfrm>
+            <a:off x="684213" y="4301067"/>
+            <a:ext cx="8534400" cy="1684865"/>
+          </a:xfrm>
+        </p:spPr>
+        <p:txBody>
+          <a:bodyPr anchor="ctr">
+            <a:normAutofit/>
+          </a:bodyPr>
+          <a:lstStyle>
+            <a:lvl1pPr marL="0" indent="0" algn="l">
+              <a:buNone/>
+              <a:defRPr sz="2000">
+                <a:solidFill>
+                  <a:schemeClr val="bg2">
+                    <a:lumMod val="75000"/>
+                  </a:schemeClr>
+                </a:solidFill>
+              </a:defRPr>
+            </a:lvl1pPr>
+            <a:lvl2pPr marL="457200" indent="0">
+              <a:buNone/>
+              <a:defRPr sz="1800">
+                <a:solidFill>
+                  <a:schemeClr val="tx1">
+                    <a:tint val="75000"/>
+                  </a:schemeClr>
+                </a:solidFill>
+              </a:defRPr>
+            </a:lvl2pPr>
+            <a:lvl3pPr marL="914400" indent="0">
+              <a:buNone/>
+              <a:defRPr sz="1600">
+                <a:solidFill>
+                  <a:schemeClr val="tx1">
+                    <a:tint val="75000"/>
+                  </a:schemeClr>
+                </a:solidFill>
+              </a:defRPr>
+            </a:lvl3pPr>
+            <a:lvl4pPr marL="1371600" indent="0">
+              <a:buNone/>
+              <a:defRPr sz="1400">
+                <a:solidFill>
+                  <a:schemeClr val="tx1">
+                    <a:tint val="75000"/>
+                  </a:schemeClr>
+                </a:solidFill>
+              </a:defRPr>
+            </a:lvl4pPr>
+            <a:lvl5pPr marL="1828800" indent="0">
+              <a:buNone/>
+              <a:defRPr sz="1400">
+                <a:solidFill>
+                  <a:schemeClr val="tx1">
+                    <a:tint val="75000"/>
+                  </a:schemeClr>
+                </a:solidFill>
+              </a:defRPr>
+            </a:lvl5pPr>
+            <a:lvl6pPr marL="2286000" indent="0">
+              <a:buNone/>
+              <a:defRPr sz="1400">
+                <a:solidFill>
+                  <a:schemeClr val="tx1">
+                    <a:tint val="75000"/>
+                  </a:schemeClr>
+                </a:solidFill>
+              </a:defRPr>
+            </a:lvl6pPr>
+            <a:lvl7pPr marL="2743200" indent="0">
+              <a:buNone/>
+              <a:defRPr sz="1400">
+                <a:solidFill>
+                  <a:schemeClr val="tx1">
+                    <a:tint val="75000"/>
+                  </a:schemeClr>
+                </a:solidFill>
+              </a:defRPr>
+            </a:lvl7pPr>
+            <a:lvl8pPr marL="3200400" indent="0">
+              <a:buNone/>
+              <a:defRPr sz="1400">
+                <a:solidFill>
+                  <a:schemeClr val="tx1">
+                    <a:tint val="75000"/>
+                  </a:schemeClr>
+                </a:solidFill>
+              </a:defRPr>
+            </a:lvl8pPr>
+            <a:lvl9pPr marL="3657600" indent="0">
+              <a:buNone/>
+              <a:defRPr sz="1400">
+                <a:solidFill>
+                  <a:schemeClr val="tx1">
+                    <a:tint val="75000"/>
+                  </a:schemeClr>
+                </a:solidFill>
+              </a:defRPr>
+            </a:lvl9pPr>
+          </a:lstStyle>
+          <a:p>
+            <a:pPr lvl="0"/>
+            <a:r>
+              <a:rPr lang="es-ES"/>
+              <a:t>Haga clic para modificar los estilos de texto del patrón</a:t>
+            </a:r>
+          </a:p>
+        </p:txBody>
+      </p:sp>
+      <p:sp>
+        <p:nvSpPr>
+          <p:cNvPr id="4" name="Date Placeholder 3"/>
+          <p:cNvSpPr>
+            <a:spLocks noGrp="1"/>
+          </p:cNvSpPr>
+          <p:nvPr>
+            <p:ph type="dt" sz="half" idx="10"/>
+          </p:nvPr>
+        </p:nvSpPr>
+        <p:spPr/>
+        <p:txBody>
+          <a:bodyPr/>
+          <a:lstStyle/>
+          <a:p>
+            <a:fld id="{924F251A-5893-4BF9-8D4A-FA1EC93FA150}" type="datetimeFigureOut">
+              <a:rPr lang="es-PE" smtClean="0"/>
+              <a:t>14/02/2020</a:t>
+            </a:fld>
+            <a:endParaRPr lang="es-PE"/>
+          </a:p>
+        </p:txBody>
+      </p:sp>
+      <p:sp>
+        <p:nvSpPr>
+          <p:cNvPr id="5" name="Footer Placeholder 4"/>
+          <p:cNvSpPr>
+            <a:spLocks noGrp="1"/>
+          </p:cNvSpPr>
+          <p:nvPr>
+            <p:ph type="ftr" sz="quarter" idx="11"/>
+          </p:nvPr>
+        </p:nvSpPr>
+        <p:spPr/>
+        <p:txBody>
+          <a:bodyPr/>
+          <a:lstStyle/>
+          <a:p>
+            <a:endParaRPr lang="es-PE"/>
+          </a:p>
+        </p:txBody>
+      </p:sp>
+      <p:sp>
+        <p:nvSpPr>
+          <p:cNvPr id="6" name="Slide Number Placeholder 5"/>
+          <p:cNvSpPr>
+            <a:spLocks noGrp="1"/>
+          </p:cNvSpPr>
+          <p:nvPr>
+            <p:ph type="sldNum" sz="quarter" idx="12"/>
+          </p:nvPr>
+        </p:nvSpPr>
+        <p:spPr/>
+        <p:txBody>
+          <a:bodyPr/>
+          <a:lstStyle/>
+          <a:p>
+            <a:fld id="{4C6EE75D-CDBC-405E-A653-498C3A234C58}" type="slidenum">
+              <a:rPr lang="es-PE" smtClean="0"/>
+              <a:t>‹Nº›</a:t>
+            </a:fld>
+            <a:endParaRPr lang="es-PE"/>
+          </a:p>
+        </p:txBody>
+      </p:sp>
+      <p:sp>
+        <p:nvSpPr>
+          <p:cNvPr id="14" name="TextBox 13"/>
+          <p:cNvSpPr txBox="1"/>
+          <p:nvPr/>
+        </p:nvSpPr>
+        <p:spPr>
+          <a:xfrm>
+            <a:off x="531812" y="812222"/>
+            <a:ext cx="609600" cy="584776"/>
+          </a:xfrm>
+          <a:prstGeom prst="rect">
+            <a:avLst/>
+          </a:prstGeom>
+        </p:spPr>
+        <p:txBody>
+          <a:bodyPr vert="horz" lIns="91440" tIns="45720" rIns="91440" bIns="45720" rtlCol="0" anchor="ctr">
+            <a:noAutofit/>
+          </a:bodyPr>
+          <a:lstStyle/>
+          <a:p>
+            <a:pPr lvl="0"/>
+            <a:r>
+              <a:rPr lang="en-US" sz="8000" dirty="0">
+                <a:solidFill>
+                  <a:schemeClr val="tx1"/>
+                </a:solidFill>
+                <a:effectLst/>
+              </a:rPr>
+              <a:t>“</a:t>
+            </a:r>
+          </a:p>
+        </p:txBody>
+      </p:sp>
+      <p:sp>
+        <p:nvSpPr>
+          <p:cNvPr id="15" name="TextBox 14"/>
+          <p:cNvSpPr txBox="1"/>
+          <p:nvPr/>
+        </p:nvSpPr>
+        <p:spPr>
+          <a:xfrm>
+            <a:off x="10285412" y="2768601"/>
+            <a:ext cx="609600" cy="584776"/>
+          </a:xfrm>
+          <a:prstGeom prst="rect">
+            <a:avLst/>
+          </a:prstGeom>
+        </p:spPr>
+        <p:txBody>
+          <a:bodyPr vert="horz" lIns="91440" tIns="45720" rIns="91440" bIns="45720" rtlCol="0" anchor="ctr">
+            <a:noAutofit/>
+          </a:bodyPr>
+          <a:lstStyle/>
+          <a:p>
+            <a:pPr lvl="0" algn="r"/>
+            <a:r>
+              <a:rPr lang="en-US" sz="8000" dirty="0">
+                <a:solidFill>
+                  <a:schemeClr val="tx1"/>
+                </a:solidFill>
+                <a:effectLst/>
+              </a:rPr>
+              <a:t>”</a:t>
+            </a:r>
+          </a:p>
+        </p:txBody>
+      </p:sp>
+    </p:spTree>
+    <p:extLst>
+      <p:ext uri="{BB962C8B-B14F-4D97-AF65-F5344CB8AC3E}">
+        <p14:creationId xmlns:p14="http://schemas.microsoft.com/office/powerpoint/2010/main" val="2277633855"/>
+      </p:ext>
+    </p:extLst>
+  </p:cSld>
+  <p:clrMapOvr>
+    <a:masterClrMapping/>
+  </p:clrMapOvr>
+</p:sldLayout>
+</file>
+
+<file path=ppt/slideLayouts/slideLayout13.xml><?xml version="1.0" encoding="utf-8"?>
+<p:sldLayout xmlns:a="http://schemas.openxmlformats.org/drawingml/2006/main" xmlns:r="http://schemas.openxmlformats.org/officeDocument/2006/relationships" xmlns:p="http://schemas.openxmlformats.org/presentationml/2006/main" preserve="1">
+  <p:cSld name="Tarjeta de nombre">
+    <p:spTree>
+      <p:nvGrpSpPr>
+        <p:cNvPr id="1" name=""/>
+        <p:cNvGrpSpPr/>
+        <p:nvPr/>
+      </p:nvGrpSpPr>
+      <p:grpSpPr>
+        <a:xfrm>
+          <a:off x="0" y="0"/>
+          <a:ext cx="0" cy="0"/>
+          <a:chOff x="0" y="0"/>
+          <a:chExt cx="0" cy="0"/>
+        </a:xfrm>
+      </p:grpSpPr>
+      <p:sp>
+        <p:nvSpPr>
+          <p:cNvPr id="2" name="Title 1"/>
+          <p:cNvSpPr>
+            <a:spLocks noGrp="1"/>
+          </p:cNvSpPr>
+          <p:nvPr>
+            <p:ph type="title"/>
+          </p:nvPr>
+        </p:nvSpPr>
+        <p:spPr>
+          <a:xfrm>
+            <a:off x="684212" y="3429000"/>
+            <a:ext cx="8534400" cy="1697400"/>
+          </a:xfrm>
+        </p:spPr>
+        <p:txBody>
+          <a:bodyPr anchor="b">
+            <a:normAutofit/>
+          </a:bodyPr>
+          <a:lstStyle>
+            <a:lvl1pPr algn="l">
+              <a:defRPr sz="3200" b="0" cap="all"/>
+            </a:lvl1pPr>
+          </a:lstStyle>
+          <a:p>
+            <a:r>
+              <a:rPr lang="es-ES"/>
+              <a:t>Haga clic para modificar el estilo de título del patrón</a:t>
+            </a:r>
+            <a:endParaRPr lang="en-US" dirty="0"/>
+          </a:p>
+        </p:txBody>
+      </p:sp>
+      <p:sp>
+        <p:nvSpPr>
+          <p:cNvPr id="3" name="Text Placeholder 2"/>
+          <p:cNvSpPr>
+            <a:spLocks noGrp="1"/>
+          </p:cNvSpPr>
+          <p:nvPr>
+            <p:ph type="body" idx="1"/>
+          </p:nvPr>
+        </p:nvSpPr>
+        <p:spPr>
+          <a:xfrm>
+            <a:off x="684211" y="5132981"/>
+            <a:ext cx="8535990" cy="860400"/>
+          </a:xfrm>
+        </p:spPr>
+        <p:txBody>
+          <a:bodyPr anchor="t">
+            <a:normAutofit/>
+          </a:bodyPr>
+          <a:lstStyle>
+            <a:lvl1pPr marL="0" indent="0" algn="l">
+              <a:buNone/>
+              <a:defRPr sz="2000">
+                <a:solidFill>
+                  <a:schemeClr val="bg2">
+                    <a:lumMod val="75000"/>
+                  </a:schemeClr>
+                </a:solidFill>
+              </a:defRPr>
+            </a:lvl1pPr>
+            <a:lvl2pPr marL="457200" indent="0">
+              <a:buNone/>
+              <a:defRPr sz="1800">
+                <a:solidFill>
+                  <a:schemeClr val="tx1">
+                    <a:tint val="75000"/>
+                  </a:schemeClr>
+                </a:solidFill>
+              </a:defRPr>
+            </a:lvl2pPr>
+            <a:lvl3pPr marL="914400" indent="0">
+              <a:buNone/>
+              <a:defRPr sz="1600">
+                <a:solidFill>
+                  <a:schemeClr val="tx1">
+                    <a:tint val="75000"/>
+                  </a:schemeClr>
+                </a:solidFill>
+              </a:defRPr>
+            </a:lvl3pPr>
+            <a:lvl4pPr marL="1371600" indent="0">
+              <a:buNone/>
+              <a:defRPr sz="1400">
+                <a:solidFill>
+                  <a:schemeClr val="tx1">
+                    <a:tint val="75000"/>
+                  </a:schemeClr>
+                </a:solidFill>
+              </a:defRPr>
+            </a:lvl4pPr>
+            <a:lvl5pPr marL="1828800" indent="0">
+              <a:buNone/>
+              <a:defRPr sz="1400">
+                <a:solidFill>
+                  <a:schemeClr val="tx1">
+                    <a:tint val="75000"/>
+                  </a:schemeClr>
+                </a:solidFill>
+              </a:defRPr>
+            </a:lvl5pPr>
+            <a:lvl6pPr marL="2286000" indent="0">
+              <a:buNone/>
+              <a:defRPr sz="1400">
+                <a:solidFill>
+                  <a:schemeClr val="tx1">
+                    <a:tint val="75000"/>
+                  </a:schemeClr>
+                </a:solidFill>
+              </a:defRPr>
+            </a:lvl6pPr>
+            <a:lvl7pPr marL="2743200" indent="0">
+              <a:buNone/>
+              <a:defRPr sz="1400">
+                <a:solidFill>
+                  <a:schemeClr val="tx1">
+                    <a:tint val="75000"/>
+                  </a:schemeClr>
+                </a:solidFill>
+              </a:defRPr>
+            </a:lvl7pPr>
+            <a:lvl8pPr marL="3200400" indent="0">
+              <a:buNone/>
+              <a:defRPr sz="1400">
+                <a:solidFill>
+                  <a:schemeClr val="tx1">
+                    <a:tint val="75000"/>
+                  </a:schemeClr>
+                </a:solidFill>
+              </a:defRPr>
+            </a:lvl8pPr>
+            <a:lvl9pPr marL="3657600" indent="0">
+              <a:buNone/>
+              <a:defRPr sz="1400">
+                <a:solidFill>
+                  <a:schemeClr val="tx1">
+                    <a:tint val="75000"/>
+                  </a:schemeClr>
+                </a:solidFill>
+              </a:defRPr>
+            </a:lvl9pPr>
+          </a:lstStyle>
+          <a:p>
+            <a:pPr lvl="0"/>
+            <a:r>
+              <a:rPr lang="es-ES"/>
+              <a:t>Haga clic para modificar los estilos de texto del patrón</a:t>
+            </a:r>
+          </a:p>
+        </p:txBody>
+      </p:sp>
+      <p:sp>
+        <p:nvSpPr>
+          <p:cNvPr id="4" name="Date Placeholder 3"/>
+          <p:cNvSpPr>
+            <a:spLocks noGrp="1"/>
+          </p:cNvSpPr>
+          <p:nvPr>
+            <p:ph type="dt" sz="half" idx="10"/>
+          </p:nvPr>
+        </p:nvSpPr>
+        <p:spPr/>
+        <p:txBody>
+          <a:bodyPr/>
+          <a:lstStyle/>
+          <a:p>
+            <a:fld id="{924F251A-5893-4BF9-8D4A-FA1EC93FA150}" type="datetimeFigureOut">
+              <a:rPr lang="es-PE" smtClean="0"/>
+              <a:t>14/02/2020</a:t>
+            </a:fld>
+            <a:endParaRPr lang="es-PE"/>
+          </a:p>
+        </p:txBody>
+      </p:sp>
+      <p:sp>
+        <p:nvSpPr>
+          <p:cNvPr id="5" name="Footer Placeholder 4"/>
+          <p:cNvSpPr>
+            <a:spLocks noGrp="1"/>
+          </p:cNvSpPr>
+          <p:nvPr>
+            <p:ph type="ftr" sz="quarter" idx="11"/>
+          </p:nvPr>
+        </p:nvSpPr>
+        <p:spPr/>
+        <p:txBody>
+          <a:bodyPr/>
+          <a:lstStyle/>
+          <a:p>
+            <a:endParaRPr lang="es-PE"/>
+          </a:p>
+        </p:txBody>
+      </p:sp>
+      <p:sp>
+        <p:nvSpPr>
+          <p:cNvPr id="6" name="Slide Number Placeholder 5"/>
+          <p:cNvSpPr>
+            <a:spLocks noGrp="1"/>
+          </p:cNvSpPr>
+          <p:nvPr>
+            <p:ph type="sldNum" sz="quarter" idx="12"/>
+          </p:nvPr>
+        </p:nvSpPr>
+        <p:spPr/>
+        <p:txBody>
+          <a:bodyPr/>
+          <a:lstStyle/>
+          <a:p>
+            <a:fld id="{4C6EE75D-CDBC-405E-A653-498C3A234C58}" type="slidenum">
+              <a:rPr lang="es-PE" smtClean="0"/>
+              <a:t>‹Nº›</a:t>
+            </a:fld>
+            <a:endParaRPr lang="es-PE"/>
+          </a:p>
+        </p:txBody>
+      </p:sp>
+    </p:spTree>
+    <p:extLst>
+      <p:ext uri="{BB962C8B-B14F-4D97-AF65-F5344CB8AC3E}">
+        <p14:creationId xmlns:p14="http://schemas.microsoft.com/office/powerpoint/2010/main" val="4024768187"/>
+      </p:ext>
+    </p:extLst>
+  </p:cSld>
+  <p:clrMapOvr>
+    <a:masterClrMapping/>
+  </p:clrMapOvr>
+</p:sldLayout>
+</file>
+
+<file path=ppt/slideLayouts/slideLayout14.xml><?xml version="1.0" encoding="utf-8"?>
+<p:sldLayout xmlns:a="http://schemas.openxmlformats.org/drawingml/2006/main" xmlns:r="http://schemas.openxmlformats.org/officeDocument/2006/relationships" xmlns:p="http://schemas.openxmlformats.org/presentationml/2006/main" preserve="1">
+  <p:cSld name="Citar la tarjeta de nombre">
+    <p:spTree>
+      <p:nvGrpSpPr>
+        <p:cNvPr id="1" name=""/>
+        <p:cNvGrpSpPr/>
+        <p:nvPr/>
+      </p:nvGrpSpPr>
+      <p:grpSpPr>
+        <a:xfrm>
+          <a:off x="0" y="0"/>
+          <a:ext cx="0" cy="0"/>
+          <a:chOff x="0" y="0"/>
+          <a:chExt cx="0" cy="0"/>
+        </a:xfrm>
+      </p:grpSpPr>
+      <p:sp>
+        <p:nvSpPr>
+          <p:cNvPr id="2" name="Title 1"/>
+          <p:cNvSpPr>
+            <a:spLocks noGrp="1"/>
+          </p:cNvSpPr>
+          <p:nvPr>
+            <p:ph type="title"/>
+          </p:nvPr>
+        </p:nvSpPr>
+        <p:spPr>
+          <a:xfrm>
+            <a:off x="1141413" y="685800"/>
+            <a:ext cx="9144000" cy="2743200"/>
+          </a:xfrm>
+        </p:spPr>
+        <p:txBody>
+          <a:bodyPr anchor="ctr">
+            <a:normAutofit/>
+          </a:bodyPr>
+          <a:lstStyle>
+            <a:lvl1pPr algn="l">
+              <a:defRPr sz="3200" b="0" cap="all">
+                <a:solidFill>
+                  <a:schemeClr val="tx1"/>
+                </a:solidFill>
+              </a:defRPr>
+            </a:lvl1pPr>
+          </a:lstStyle>
+          <a:p>
+            <a:r>
+              <a:rPr lang="es-ES"/>
+              <a:t>Haga clic para modificar el estilo de título del patrón</a:t>
+            </a:r>
+            <a:endParaRPr lang="en-US" dirty="0"/>
+          </a:p>
+        </p:txBody>
+      </p:sp>
+      <p:sp>
+        <p:nvSpPr>
+          <p:cNvPr id="10" name="Text Placeholder 9"/>
+          <p:cNvSpPr>
+            <a:spLocks noGrp="1"/>
+          </p:cNvSpPr>
+          <p:nvPr>
+            <p:ph type="body" sz="quarter" idx="13"/>
+          </p:nvPr>
+        </p:nvSpPr>
+        <p:spPr>
+          <a:xfrm>
+            <a:off x="684212" y="3928534"/>
+            <a:ext cx="8534401" cy="1049866"/>
+          </a:xfrm>
+        </p:spPr>
+        <p:txBody>
+          <a:bodyPr vert="horz" lIns="91440" tIns="45720" rIns="91440" bIns="45720" rtlCol="0" anchor="b">
+            <a:normAutofit/>
+          </a:bodyPr>
+          <a:lstStyle>
+            <a:lvl1pPr>
+              <a:buNone/>
+              <a:defRPr lang="en-US" sz="2400" b="0" cap="all" dirty="0">
+                <a:ln w="3175" cmpd="sng">
+                  <a:noFill/>
+                </a:ln>
+                <a:solidFill>
+                  <a:schemeClr val="tx1"/>
+                </a:solidFill>
+                <a:effectLst/>
+              </a:defRPr>
+            </a:lvl1pPr>
+          </a:lstStyle>
+          <a:p>
+            <a:pPr marL="0" lvl="0">
+              <a:spcBef>
+                <a:spcPct val="0"/>
+              </a:spcBef>
+              <a:buNone/>
+            </a:pPr>
+            <a:r>
+              <a:rPr lang="es-ES"/>
+              <a:t>Haga clic para modificar los estilos de texto del patrón</a:t>
+            </a:r>
+          </a:p>
+        </p:txBody>
+      </p:sp>
+      <p:sp>
+        <p:nvSpPr>
+          <p:cNvPr id="3" name="Text Placeholder 2"/>
+          <p:cNvSpPr>
+            <a:spLocks noGrp="1"/>
+          </p:cNvSpPr>
+          <p:nvPr>
+            <p:ph type="body" idx="1"/>
+          </p:nvPr>
+        </p:nvSpPr>
+        <p:spPr>
+          <a:xfrm>
+            <a:off x="684211" y="4978400"/>
+            <a:ext cx="8534401" cy="1016000"/>
+          </a:xfrm>
+        </p:spPr>
+        <p:txBody>
+          <a:bodyPr anchor="t">
+            <a:normAutofit/>
+          </a:bodyPr>
+          <a:lstStyle>
+            <a:lvl1pPr marL="0" indent="0" algn="l">
+              <a:buNone/>
+              <a:defRPr sz="1800">
+                <a:solidFill>
+                  <a:schemeClr val="bg2">
+                    <a:lumMod val="75000"/>
+                  </a:schemeClr>
+                </a:solidFill>
+              </a:defRPr>
+            </a:lvl1pPr>
+            <a:lvl2pPr marL="457200" indent="0">
+              <a:buNone/>
+              <a:defRPr sz="1800">
+                <a:solidFill>
+                  <a:schemeClr val="tx1">
+                    <a:tint val="75000"/>
+                  </a:schemeClr>
+                </a:solidFill>
+              </a:defRPr>
+            </a:lvl2pPr>
+            <a:lvl3pPr marL="914400" indent="0">
+              <a:buNone/>
+              <a:defRPr sz="1600">
+                <a:solidFill>
+                  <a:schemeClr val="tx1">
+                    <a:tint val="75000"/>
+                  </a:schemeClr>
+                </a:solidFill>
+              </a:defRPr>
+            </a:lvl3pPr>
+            <a:lvl4pPr marL="1371600" indent="0">
+              <a:buNone/>
+              <a:defRPr sz="1400">
+                <a:solidFill>
+                  <a:schemeClr val="tx1">
+                    <a:tint val="75000"/>
+                  </a:schemeClr>
+                </a:solidFill>
+              </a:defRPr>
+            </a:lvl4pPr>
+            <a:lvl5pPr marL="1828800" indent="0">
+              <a:buNone/>
+              <a:defRPr sz="1400">
+                <a:solidFill>
+                  <a:schemeClr val="tx1">
+                    <a:tint val="75000"/>
+                  </a:schemeClr>
+                </a:solidFill>
+              </a:defRPr>
+            </a:lvl5pPr>
+            <a:lvl6pPr marL="2286000" indent="0">
+              <a:buNone/>
+              <a:defRPr sz="1400">
+                <a:solidFill>
+                  <a:schemeClr val="tx1">
+                    <a:tint val="75000"/>
+                  </a:schemeClr>
+                </a:solidFill>
+              </a:defRPr>
+            </a:lvl6pPr>
+            <a:lvl7pPr marL="2743200" indent="0">
+              <a:buNone/>
+              <a:defRPr sz="1400">
+                <a:solidFill>
+                  <a:schemeClr val="tx1">
+                    <a:tint val="75000"/>
+                  </a:schemeClr>
+                </a:solidFill>
+              </a:defRPr>
+            </a:lvl7pPr>
+            <a:lvl8pPr marL="3200400" indent="0">
+              <a:buNone/>
+              <a:defRPr sz="1400">
+                <a:solidFill>
+                  <a:schemeClr val="tx1">
+                    <a:tint val="75000"/>
+                  </a:schemeClr>
+                </a:solidFill>
+              </a:defRPr>
+            </a:lvl8pPr>
+            <a:lvl9pPr marL="3657600" indent="0">
+              <a:buNone/>
+              <a:defRPr sz="1400">
+                <a:solidFill>
+                  <a:schemeClr val="tx1">
+                    <a:tint val="75000"/>
+                  </a:schemeClr>
+                </a:solidFill>
+              </a:defRPr>
+            </a:lvl9pPr>
+          </a:lstStyle>
+          <a:p>
+            <a:pPr lvl="0"/>
+            <a:r>
+              <a:rPr lang="es-ES"/>
+              <a:t>Haga clic para modificar los estilos de texto del patrón</a:t>
+            </a:r>
+          </a:p>
+        </p:txBody>
+      </p:sp>
+      <p:sp>
+        <p:nvSpPr>
+          <p:cNvPr id="4" name="Date Placeholder 3"/>
+          <p:cNvSpPr>
+            <a:spLocks noGrp="1"/>
+          </p:cNvSpPr>
+          <p:nvPr>
+            <p:ph type="dt" sz="half" idx="10"/>
+          </p:nvPr>
+        </p:nvSpPr>
+        <p:spPr/>
+        <p:txBody>
+          <a:bodyPr/>
+          <a:lstStyle/>
+          <a:p>
+            <a:fld id="{924F251A-5893-4BF9-8D4A-FA1EC93FA150}" type="datetimeFigureOut">
+              <a:rPr lang="es-PE" smtClean="0"/>
+              <a:t>14/02/2020</a:t>
+            </a:fld>
+            <a:endParaRPr lang="es-PE"/>
+          </a:p>
+        </p:txBody>
+      </p:sp>
+      <p:sp>
+        <p:nvSpPr>
+          <p:cNvPr id="5" name="Footer Placeholder 4"/>
+          <p:cNvSpPr>
+            <a:spLocks noGrp="1"/>
+          </p:cNvSpPr>
+          <p:nvPr>
+            <p:ph type="ftr" sz="quarter" idx="11"/>
+          </p:nvPr>
+        </p:nvSpPr>
+        <p:spPr/>
+        <p:txBody>
+          <a:bodyPr/>
+          <a:lstStyle/>
+          <a:p>
+            <a:endParaRPr lang="es-PE"/>
+          </a:p>
+        </p:txBody>
+      </p:sp>
+      <p:sp>
+        <p:nvSpPr>
+          <p:cNvPr id="6" name="Slide Number Placeholder 5"/>
+          <p:cNvSpPr>
+            <a:spLocks noGrp="1"/>
+          </p:cNvSpPr>
+          <p:nvPr>
+            <p:ph type="sldNum" sz="quarter" idx="12"/>
+          </p:nvPr>
+        </p:nvSpPr>
+        <p:spPr/>
+        <p:txBody>
+          <a:bodyPr/>
+          <a:lstStyle/>
+          <a:p>
+            <a:fld id="{4C6EE75D-CDBC-405E-A653-498C3A234C58}" type="slidenum">
+              <a:rPr lang="es-PE" smtClean="0"/>
+              <a:t>‹Nº›</a:t>
+            </a:fld>
+            <a:endParaRPr lang="es-PE"/>
+          </a:p>
+        </p:txBody>
+      </p:sp>
+      <p:sp>
+        <p:nvSpPr>
+          <p:cNvPr id="11" name="TextBox 10"/>
+          <p:cNvSpPr txBox="1"/>
+          <p:nvPr/>
+        </p:nvSpPr>
+        <p:spPr>
+          <a:xfrm>
+            <a:off x="531812" y="812222"/>
+            <a:ext cx="609600" cy="584776"/>
+          </a:xfrm>
+          <a:prstGeom prst="rect">
+            <a:avLst/>
+          </a:prstGeom>
+        </p:spPr>
+        <p:txBody>
+          <a:bodyPr vert="horz" lIns="91440" tIns="45720" rIns="91440" bIns="45720" rtlCol="0" anchor="ctr">
+            <a:noAutofit/>
+          </a:bodyPr>
+          <a:lstStyle/>
+          <a:p>
+            <a:pPr lvl="0"/>
+            <a:r>
+              <a:rPr lang="en-US" sz="8000" dirty="0">
+                <a:solidFill>
+                  <a:schemeClr val="tx1"/>
+                </a:solidFill>
+                <a:effectLst/>
+              </a:rPr>
+              <a:t>“</a:t>
+            </a:r>
+          </a:p>
+        </p:txBody>
+      </p:sp>
+      <p:sp>
+        <p:nvSpPr>
+          <p:cNvPr id="12" name="TextBox 11"/>
+          <p:cNvSpPr txBox="1"/>
+          <p:nvPr/>
+        </p:nvSpPr>
+        <p:spPr>
+          <a:xfrm>
+            <a:off x="10285412" y="2768601"/>
+            <a:ext cx="609600" cy="584776"/>
+          </a:xfrm>
+          <a:prstGeom prst="rect">
+            <a:avLst/>
+          </a:prstGeom>
+        </p:spPr>
+        <p:txBody>
+          <a:bodyPr vert="horz" lIns="91440" tIns="45720" rIns="91440" bIns="45720" rtlCol="0" anchor="ctr">
+            <a:noAutofit/>
+          </a:bodyPr>
+          <a:lstStyle/>
+          <a:p>
+            <a:pPr lvl="0" algn="r"/>
+            <a:r>
+              <a:rPr lang="en-US" sz="8000" dirty="0">
+                <a:solidFill>
+                  <a:schemeClr val="tx1"/>
+                </a:solidFill>
+                <a:effectLst/>
+              </a:rPr>
+              <a:t>”</a:t>
+            </a:r>
+          </a:p>
+        </p:txBody>
+      </p:sp>
+    </p:spTree>
+    <p:extLst>
+      <p:ext uri="{BB962C8B-B14F-4D97-AF65-F5344CB8AC3E}">
+        <p14:creationId xmlns:p14="http://schemas.microsoft.com/office/powerpoint/2010/main" val="1862534089"/>
+      </p:ext>
+    </p:extLst>
+  </p:cSld>
+  <p:clrMapOvr>
+    <a:masterClrMapping/>
+  </p:clrMapOvr>
+</p:sldLayout>
+</file>
+
+<file path=ppt/slideLayouts/slideLayout15.xml><?xml version="1.0" encoding="utf-8"?>
+<p:sldLayout xmlns:a="http://schemas.openxmlformats.org/drawingml/2006/main" xmlns:r="http://schemas.openxmlformats.org/officeDocument/2006/relationships" xmlns:p="http://schemas.openxmlformats.org/presentationml/2006/main" preserve="1">
+  <p:cSld name="Verdadero o falso">
+    <p:spTree>
+      <p:nvGrpSpPr>
+        <p:cNvPr id="1" name=""/>
+        <p:cNvGrpSpPr/>
+        <p:nvPr/>
+      </p:nvGrpSpPr>
+      <p:grpSpPr>
+        <a:xfrm>
+          <a:off x="0" y="0"/>
+          <a:ext cx="0" cy="0"/>
+          <a:chOff x="0" y="0"/>
+          <a:chExt cx="0" cy="0"/>
+        </a:xfrm>
+      </p:grpSpPr>
+      <p:sp>
+        <p:nvSpPr>
+          <p:cNvPr id="2" name="Title 1"/>
+          <p:cNvSpPr>
+            <a:spLocks noGrp="1"/>
+          </p:cNvSpPr>
+          <p:nvPr>
+            <p:ph type="title"/>
+          </p:nvPr>
+        </p:nvSpPr>
+        <p:spPr>
+          <a:xfrm>
+            <a:off x="684213" y="685800"/>
+            <a:ext cx="10058400" cy="2743200"/>
+          </a:xfrm>
+        </p:spPr>
+        <p:txBody>
+          <a:bodyPr vert="horz" lIns="91440" tIns="45720" rIns="91440" bIns="45720" rtlCol="0" anchor="ctr">
+            <a:normAutofit/>
+          </a:bodyPr>
+          <a:lstStyle>
+            <a:lvl1pPr>
+              <a:defRPr lang="en-US" b="0" dirty="0"/>
+            </a:lvl1pPr>
+          </a:lstStyle>
+          <a:p>
+            <a:pPr marL="0" lvl="0"/>
+            <a:r>
+              <a:rPr lang="es-ES"/>
+              <a:t>Haga clic para modificar el estilo de título del patrón</a:t>
+            </a:r>
+            <a:endParaRPr lang="en-US" dirty="0"/>
+          </a:p>
+        </p:txBody>
+      </p:sp>
+      <p:sp>
+        <p:nvSpPr>
+          <p:cNvPr id="10" name="Text Placeholder 9"/>
+          <p:cNvSpPr>
+            <a:spLocks noGrp="1"/>
+          </p:cNvSpPr>
+          <p:nvPr>
+            <p:ph type="body" sz="quarter" idx="13"/>
+          </p:nvPr>
+        </p:nvSpPr>
+        <p:spPr>
+          <a:xfrm>
+            <a:off x="684212" y="3928534"/>
+            <a:ext cx="8534400" cy="838200"/>
+          </a:xfrm>
+        </p:spPr>
+        <p:txBody>
+          <a:bodyPr vert="horz" lIns="91440" tIns="45720" rIns="91440" bIns="45720" rtlCol="0" anchor="b">
+            <a:normAutofit/>
+          </a:bodyPr>
+          <a:lstStyle>
+            <a:lvl1pPr>
+              <a:buNone/>
+              <a:defRPr lang="en-US" sz="2400" b="0" cap="all" dirty="0">
+                <a:ln w="3175" cmpd="sng">
+                  <a:noFill/>
+                </a:ln>
+                <a:solidFill>
+                  <a:schemeClr val="tx1"/>
+                </a:solidFill>
+                <a:effectLst/>
+              </a:defRPr>
+            </a:lvl1pPr>
+          </a:lstStyle>
+          <a:p>
+            <a:pPr marL="0" lvl="0">
+              <a:spcBef>
+                <a:spcPct val="0"/>
+              </a:spcBef>
+              <a:buNone/>
+            </a:pPr>
+            <a:r>
+              <a:rPr lang="es-ES"/>
+              <a:t>Haga clic para modificar los estilos de texto del patrón</a:t>
+            </a:r>
+          </a:p>
+        </p:txBody>
+      </p:sp>
+      <p:sp>
+        <p:nvSpPr>
+          <p:cNvPr id="3" name="Text Placeholder 2"/>
+          <p:cNvSpPr>
+            <a:spLocks noGrp="1"/>
+          </p:cNvSpPr>
+          <p:nvPr>
+            <p:ph type="body" idx="1"/>
+          </p:nvPr>
+        </p:nvSpPr>
+        <p:spPr>
+          <a:xfrm>
+            <a:off x="684211" y="4766732"/>
+            <a:ext cx="8534401" cy="1227667"/>
+          </a:xfrm>
+        </p:spPr>
+        <p:txBody>
+          <a:bodyPr anchor="t">
+            <a:normAutofit/>
+          </a:bodyPr>
+          <a:lstStyle>
+            <a:lvl1pPr marL="0" indent="0" algn="l">
+              <a:buNone/>
+              <a:defRPr sz="1800">
+                <a:solidFill>
+                  <a:schemeClr val="bg2">
+                    <a:lumMod val="75000"/>
+                  </a:schemeClr>
+                </a:solidFill>
+              </a:defRPr>
+            </a:lvl1pPr>
+            <a:lvl2pPr marL="457200" indent="0">
+              <a:buNone/>
+              <a:defRPr sz="1800">
+                <a:solidFill>
+                  <a:schemeClr val="tx1">
+                    <a:tint val="75000"/>
+                  </a:schemeClr>
+                </a:solidFill>
+              </a:defRPr>
+            </a:lvl2pPr>
+            <a:lvl3pPr marL="914400" indent="0">
+              <a:buNone/>
+              <a:defRPr sz="1600">
+                <a:solidFill>
+                  <a:schemeClr val="tx1">
+                    <a:tint val="75000"/>
+                  </a:schemeClr>
+                </a:solidFill>
+              </a:defRPr>
+            </a:lvl3pPr>
+            <a:lvl4pPr marL="1371600" indent="0">
+              <a:buNone/>
+              <a:defRPr sz="1400">
+                <a:solidFill>
+                  <a:schemeClr val="tx1">
+                    <a:tint val="75000"/>
+                  </a:schemeClr>
+                </a:solidFill>
+              </a:defRPr>
+            </a:lvl4pPr>
+            <a:lvl5pPr marL="1828800" indent="0">
+              <a:buNone/>
+              <a:defRPr sz="1400">
+                <a:solidFill>
+                  <a:schemeClr val="tx1">
+                    <a:tint val="75000"/>
+                  </a:schemeClr>
+                </a:solidFill>
+              </a:defRPr>
+            </a:lvl5pPr>
+            <a:lvl6pPr marL="2286000" indent="0">
+              <a:buNone/>
+              <a:defRPr sz="1400">
+                <a:solidFill>
+                  <a:schemeClr val="tx1">
+                    <a:tint val="75000"/>
+                  </a:schemeClr>
+                </a:solidFill>
+              </a:defRPr>
+            </a:lvl6pPr>
+            <a:lvl7pPr marL="2743200" indent="0">
+              <a:buNone/>
+              <a:defRPr sz="1400">
+                <a:solidFill>
+                  <a:schemeClr val="tx1">
+                    <a:tint val="75000"/>
+                  </a:schemeClr>
+                </a:solidFill>
+              </a:defRPr>
+            </a:lvl7pPr>
+            <a:lvl8pPr marL="3200400" indent="0">
+              <a:buNone/>
+              <a:defRPr sz="1400">
+                <a:solidFill>
+                  <a:schemeClr val="tx1">
+                    <a:tint val="75000"/>
+                  </a:schemeClr>
+                </a:solidFill>
+              </a:defRPr>
+            </a:lvl8pPr>
+            <a:lvl9pPr marL="3657600" indent="0">
+              <a:buNone/>
+              <a:defRPr sz="1400">
+                <a:solidFill>
+                  <a:schemeClr val="tx1">
+                    <a:tint val="75000"/>
+                  </a:schemeClr>
+                </a:solidFill>
+              </a:defRPr>
+            </a:lvl9pPr>
+          </a:lstStyle>
+          <a:p>
+            <a:pPr lvl="0"/>
+            <a:r>
+              <a:rPr lang="es-ES"/>
+              <a:t>Haga clic para modificar los estilos de texto del patrón</a:t>
+            </a:r>
+          </a:p>
+        </p:txBody>
+      </p:sp>
+      <p:sp>
+        <p:nvSpPr>
+          <p:cNvPr id="4" name="Date Placeholder 3"/>
+          <p:cNvSpPr>
+            <a:spLocks noGrp="1"/>
+          </p:cNvSpPr>
+          <p:nvPr>
+            <p:ph type="dt" sz="half" idx="10"/>
+          </p:nvPr>
+        </p:nvSpPr>
+        <p:spPr/>
+        <p:txBody>
+          <a:bodyPr/>
+          <a:lstStyle/>
+          <a:p>
+            <a:fld id="{924F251A-5893-4BF9-8D4A-FA1EC93FA150}" type="datetimeFigureOut">
+              <a:rPr lang="es-PE" smtClean="0"/>
+              <a:t>14/02/2020</a:t>
+            </a:fld>
+            <a:endParaRPr lang="es-PE"/>
+          </a:p>
+        </p:txBody>
+      </p:sp>
+      <p:sp>
+        <p:nvSpPr>
+          <p:cNvPr id="5" name="Footer Placeholder 4"/>
+          <p:cNvSpPr>
+            <a:spLocks noGrp="1"/>
+          </p:cNvSpPr>
+          <p:nvPr>
+            <p:ph type="ftr" sz="quarter" idx="11"/>
+          </p:nvPr>
+        </p:nvSpPr>
+        <p:spPr/>
+        <p:txBody>
+          <a:bodyPr/>
+          <a:lstStyle/>
+          <a:p>
+            <a:endParaRPr lang="es-PE"/>
+          </a:p>
+        </p:txBody>
+      </p:sp>
+      <p:sp>
+        <p:nvSpPr>
+          <p:cNvPr id="6" name="Slide Number Placeholder 5"/>
+          <p:cNvSpPr>
+            <a:spLocks noGrp="1"/>
+          </p:cNvSpPr>
+          <p:nvPr>
+            <p:ph type="sldNum" sz="quarter" idx="12"/>
+          </p:nvPr>
+        </p:nvSpPr>
+        <p:spPr/>
+        <p:txBody>
+          <a:bodyPr/>
+          <a:lstStyle/>
+          <a:p>
+            <a:fld id="{4C6EE75D-CDBC-405E-A653-498C3A234C58}" type="slidenum">
+              <a:rPr lang="es-PE" smtClean="0"/>
+              <a:t>‹Nº›</a:t>
+            </a:fld>
+            <a:endParaRPr lang="es-PE"/>
+          </a:p>
+        </p:txBody>
+      </p:sp>
+    </p:spTree>
+    <p:extLst>
+      <p:ext uri="{BB962C8B-B14F-4D97-AF65-F5344CB8AC3E}">
+        <p14:creationId xmlns:p14="http://schemas.microsoft.com/office/powerpoint/2010/main" val="2245593286"/>
+      </p:ext>
+    </p:extLst>
+  </p:cSld>
+  <p:clrMapOvr>
+    <a:masterClrMapping/>
+  </p:clrMapOvr>
+</p:sldLayout>
+</file>
+
+<file path=ppt/slideLayouts/slideLayout16.xml><?xml version="1.0" encoding="utf-8"?>
 <p:sldLayout xmlns:a="http://schemas.openxmlformats.org/drawingml/2006/main" xmlns:r="http://schemas.openxmlformats.org/officeDocument/2006/relationships" xmlns:p="http://schemas.openxmlformats.org/presentationml/2006/main" type="vertTx" preserve="1">
   <p:cSld name="Título y texto vertical">
     <p:spTree>
@@ -349,13 +2365,7 @@
       </p:grpSpPr>
       <p:sp>
         <p:nvSpPr>
-          <p:cNvPr id="2" name="Título 1">
-            <a:extLst>
-              <a:ext uri="{FF2B5EF4-FFF2-40B4-BE49-F238E27FC236}">
-                <a16:creationId xmlns:a16="http://schemas.microsoft.com/office/drawing/2014/main" id="{E728CB02-7E28-46E5-9CA9-197FCBFAB333}"/>
-              </a:ext>
-            </a:extLst>
-          </p:cNvPr>
+          <p:cNvPr id="2" name="Title 1"/>
           <p:cNvSpPr>
             <a:spLocks noGrp="1"/>
           </p:cNvSpPr>
@@ -366,25 +2376,23 @@
         <p:spPr/>
         <p:txBody>
           <a:bodyPr/>
-          <a:lstStyle/>
+          <a:lstStyle>
+            <a:lvl1pPr algn="l">
+              <a:defRPr/>
+            </a:lvl1pPr>
+          </a:lstStyle>
           <a:p>
             <a:r>
               <a:rPr lang="es-ES"/>
               <a:t>Haga clic para modificar el estilo de título del patrón</a:t>
             </a:r>
-            <a:endParaRPr lang="es-PE"/>
-          </a:p>
-        </p:txBody>
-      </p:sp>
-      <p:sp>
-        <p:nvSpPr>
-          <p:cNvPr id="3" name="Marcador de texto vertical 2">
-            <a:extLst>
-              <a:ext uri="{FF2B5EF4-FFF2-40B4-BE49-F238E27FC236}">
-                <a16:creationId xmlns:a16="http://schemas.microsoft.com/office/drawing/2014/main" id="{A7AF3EF7-83DA-47F0-9EB5-18A9669A44B7}"/>
-              </a:ext>
-            </a:extLst>
-          </p:cNvPr>
+            <a:endParaRPr lang="en-US" dirty="0"/>
+          </a:p>
+        </p:txBody>
+      </p:sp>
+      <p:sp>
+        <p:nvSpPr>
+          <p:cNvPr id="3" name="Vertical Text Placeholder 2"/>
           <p:cNvSpPr>
             <a:spLocks noGrp="1"/>
           </p:cNvSpPr>
@@ -394,7 +2402,7 @@
         </p:nvSpPr>
         <p:spPr/>
         <p:txBody>
-          <a:bodyPr vert="eaVert"/>
+          <a:bodyPr vert="eaVert" anchor="t"/>
           <a:lstStyle/>
           <a:p>
             <a:pPr lvl="0"/>
@@ -430,19 +2438,13 @@
               <a:rPr lang="es-ES"/>
               <a:t>Quinto nivel</a:t>
             </a:r>
-            <a:endParaRPr lang="es-PE"/>
-          </a:p>
-        </p:txBody>
-      </p:sp>
-      <p:sp>
-        <p:nvSpPr>
-          <p:cNvPr id="4" name="Marcador de fecha 3">
-            <a:extLst>
-              <a:ext uri="{FF2B5EF4-FFF2-40B4-BE49-F238E27FC236}">
-                <a16:creationId xmlns:a16="http://schemas.microsoft.com/office/drawing/2014/main" id="{79C6836B-2464-46C1-A3FB-24202FBC668D}"/>
-              </a:ext>
-            </a:extLst>
-          </p:cNvPr>
+            <a:endParaRPr lang="en-US" dirty="0"/>
+          </a:p>
+        </p:txBody>
+      </p:sp>
+      <p:sp>
+        <p:nvSpPr>
+          <p:cNvPr id="4" name="Date Placeholder 3"/>
           <p:cNvSpPr>
             <a:spLocks noGrp="1"/>
           </p:cNvSpPr>
@@ -465,13 +2467,7 @@
       </p:sp>
       <p:sp>
         <p:nvSpPr>
-          <p:cNvPr id="5" name="Marcador de pie de página 4">
-            <a:extLst>
-              <a:ext uri="{FF2B5EF4-FFF2-40B4-BE49-F238E27FC236}">
-                <a16:creationId xmlns:a16="http://schemas.microsoft.com/office/drawing/2014/main" id="{3B2718CF-BE7A-4736-B6DF-7D7E02189966}"/>
-              </a:ext>
-            </a:extLst>
-          </p:cNvPr>
+          <p:cNvPr id="5" name="Footer Placeholder 4"/>
           <p:cNvSpPr>
             <a:spLocks noGrp="1"/>
           </p:cNvSpPr>
@@ -490,13 +2486,7 @@
       </p:sp>
       <p:sp>
         <p:nvSpPr>
-          <p:cNvPr id="6" name="Marcador de número de diapositiva 5">
-            <a:extLst>
-              <a:ext uri="{FF2B5EF4-FFF2-40B4-BE49-F238E27FC236}">
-                <a16:creationId xmlns:a16="http://schemas.microsoft.com/office/drawing/2014/main" id="{6B09B132-09A6-4902-9F21-14A4DA9C0558}"/>
-              </a:ext>
-            </a:extLst>
-          </p:cNvPr>
+          <p:cNvPr id="6" name="Slide Number Placeholder 5"/>
           <p:cNvSpPr>
             <a:spLocks noGrp="1"/>
           </p:cNvSpPr>
@@ -520,7 +2510,7 @@
     </p:spTree>
     <p:extLst>
       <p:ext uri="{BB962C8B-B14F-4D97-AF65-F5344CB8AC3E}">
-        <p14:creationId xmlns:p14="http://schemas.microsoft.com/office/powerpoint/2010/main" val="1996205185"/>
+        <p14:creationId xmlns:p14="http://schemas.microsoft.com/office/powerpoint/2010/main" val="2584084510"/>
       </p:ext>
     </p:extLst>
   </p:cSld>
@@ -530,7 +2520,7 @@
 </p:sldLayout>
 </file>
 
-<file path=ppt/slideLayouts/slideLayout11.xml><?xml version="1.0" encoding="utf-8"?>
+<file path=ppt/slideLayouts/slideLayout17.xml><?xml version="1.0" encoding="utf-8"?>
 <p:sldLayout xmlns:a="http://schemas.openxmlformats.org/drawingml/2006/main" xmlns:r="http://schemas.openxmlformats.org/officeDocument/2006/relationships" xmlns:p="http://schemas.openxmlformats.org/presentationml/2006/main" type="vertTitleAndTx" preserve="1">
   <p:cSld name="Título vertical y texto">
     <p:spTree>
@@ -549,13 +2539,7 @@
       </p:grpSpPr>
       <p:sp>
         <p:nvSpPr>
-          <p:cNvPr id="2" name="Título vertical 1">
-            <a:extLst>
-              <a:ext uri="{FF2B5EF4-FFF2-40B4-BE49-F238E27FC236}">
-                <a16:creationId xmlns:a16="http://schemas.microsoft.com/office/drawing/2014/main" id="{14973E4A-9939-4707-AFF5-71C2CCA17071}"/>
-              </a:ext>
-            </a:extLst>
-          </p:cNvPr>
+          <p:cNvPr id="2" name="Vertical Title 1"/>
           <p:cNvSpPr>
             <a:spLocks noGrp="1"/>
           </p:cNvSpPr>
@@ -565,8 +2549,8 @@
         </p:nvSpPr>
         <p:spPr>
           <a:xfrm>
-            <a:off x="8724900" y="365125"/>
-            <a:ext cx="2628900" cy="5811838"/>
+            <a:off x="8685212" y="685800"/>
+            <a:ext cx="2057400" cy="4572000"/>
           </a:xfrm>
         </p:spPr>
         <p:txBody>
@@ -577,19 +2561,13 @@
               <a:rPr lang="es-ES"/>
               <a:t>Haga clic para modificar el estilo de título del patrón</a:t>
             </a:r>
-            <a:endParaRPr lang="es-PE"/>
-          </a:p>
-        </p:txBody>
-      </p:sp>
-      <p:sp>
-        <p:nvSpPr>
-          <p:cNvPr id="3" name="Marcador de texto vertical 2">
-            <a:extLst>
-              <a:ext uri="{FF2B5EF4-FFF2-40B4-BE49-F238E27FC236}">
-                <a16:creationId xmlns:a16="http://schemas.microsoft.com/office/drawing/2014/main" id="{71E05176-1153-45EC-9FFE-53A105D2571D}"/>
-              </a:ext>
-            </a:extLst>
-          </p:cNvPr>
+            <a:endParaRPr lang="en-US" dirty="0"/>
+          </a:p>
+        </p:txBody>
+      </p:sp>
+      <p:sp>
+        <p:nvSpPr>
+          <p:cNvPr id="3" name="Vertical Text Placeholder 2"/>
           <p:cNvSpPr>
             <a:spLocks noGrp="1"/>
           </p:cNvSpPr>
@@ -599,12 +2577,12 @@
         </p:nvSpPr>
         <p:spPr>
           <a:xfrm>
-            <a:off x="838200" y="365125"/>
-            <a:ext cx="7734300" cy="5811838"/>
+            <a:off x="685800" y="685800"/>
+            <a:ext cx="7823200" cy="5308600"/>
           </a:xfrm>
         </p:spPr>
         <p:txBody>
-          <a:bodyPr vert="eaVert"/>
+          <a:bodyPr vert="eaVert" anchor="t"/>
           <a:lstStyle/>
           <a:p>
             <a:pPr lvl="0"/>
@@ -640,19 +2618,13 @@
               <a:rPr lang="es-ES"/>
               <a:t>Quinto nivel</a:t>
             </a:r>
-            <a:endParaRPr lang="es-PE"/>
-          </a:p>
-        </p:txBody>
-      </p:sp>
-      <p:sp>
-        <p:nvSpPr>
-          <p:cNvPr id="4" name="Marcador de fecha 3">
-            <a:extLst>
-              <a:ext uri="{FF2B5EF4-FFF2-40B4-BE49-F238E27FC236}">
-                <a16:creationId xmlns:a16="http://schemas.microsoft.com/office/drawing/2014/main" id="{75C72570-B103-460D-82B9-A4C58357B6B4}"/>
-              </a:ext>
-            </a:extLst>
-          </p:cNvPr>
+            <a:endParaRPr lang="en-US" dirty="0"/>
+          </a:p>
+        </p:txBody>
+      </p:sp>
+      <p:sp>
+        <p:nvSpPr>
+          <p:cNvPr id="4" name="Date Placeholder 3"/>
           <p:cNvSpPr>
             <a:spLocks noGrp="1"/>
           </p:cNvSpPr>
@@ -675,13 +2647,7 @@
       </p:sp>
       <p:sp>
         <p:nvSpPr>
-          <p:cNvPr id="5" name="Marcador de pie de página 4">
-            <a:extLst>
-              <a:ext uri="{FF2B5EF4-FFF2-40B4-BE49-F238E27FC236}">
-                <a16:creationId xmlns:a16="http://schemas.microsoft.com/office/drawing/2014/main" id="{D9417ED8-4267-44D6-882D-2DD9658861AB}"/>
-              </a:ext>
-            </a:extLst>
-          </p:cNvPr>
+          <p:cNvPr id="5" name="Footer Placeholder 4"/>
           <p:cNvSpPr>
             <a:spLocks noGrp="1"/>
           </p:cNvSpPr>
@@ -700,13 +2666,7 @@
       </p:sp>
       <p:sp>
         <p:nvSpPr>
-          <p:cNvPr id="6" name="Marcador de número de diapositiva 5">
-            <a:extLst>
-              <a:ext uri="{FF2B5EF4-FFF2-40B4-BE49-F238E27FC236}">
-                <a16:creationId xmlns:a16="http://schemas.microsoft.com/office/drawing/2014/main" id="{044A7D93-A353-44DC-8348-3F7830495801}"/>
-              </a:ext>
-            </a:extLst>
-          </p:cNvPr>
+          <p:cNvPr id="6" name="Slide Number Placeholder 5"/>
           <p:cNvSpPr>
             <a:spLocks noGrp="1"/>
           </p:cNvSpPr>
@@ -730,7 +2690,7 @@
     </p:spTree>
     <p:extLst>
       <p:ext uri="{BB962C8B-B14F-4D97-AF65-F5344CB8AC3E}">
-        <p14:creationId xmlns:p14="http://schemas.microsoft.com/office/powerpoint/2010/main" val="3955107564"/>
+        <p14:creationId xmlns:p14="http://schemas.microsoft.com/office/powerpoint/2010/main" val="493193521"/>
       </p:ext>
     </p:extLst>
   </p:cSld>
@@ -759,13 +2719,7 @@
       </p:grpSpPr>
       <p:sp>
         <p:nvSpPr>
-          <p:cNvPr id="2" name="Título 1">
-            <a:extLst>
-              <a:ext uri="{FF2B5EF4-FFF2-40B4-BE49-F238E27FC236}">
-                <a16:creationId xmlns:a16="http://schemas.microsoft.com/office/drawing/2014/main" id="{2344D03E-0F14-4358-9D73-54EA02104AF1}"/>
-              </a:ext>
-            </a:extLst>
-          </p:cNvPr>
+          <p:cNvPr id="2" name="Title 1"/>
           <p:cNvSpPr>
             <a:spLocks noGrp="1"/>
           </p:cNvSpPr>
@@ -782,19 +2736,13 @@
               <a:rPr lang="es-ES"/>
               <a:t>Haga clic para modificar el estilo de título del patrón</a:t>
             </a:r>
-            <a:endParaRPr lang="es-PE"/>
-          </a:p>
-        </p:txBody>
-      </p:sp>
-      <p:sp>
-        <p:nvSpPr>
-          <p:cNvPr id="3" name="Marcador de contenido 2">
-            <a:extLst>
-              <a:ext uri="{FF2B5EF4-FFF2-40B4-BE49-F238E27FC236}">
-                <a16:creationId xmlns:a16="http://schemas.microsoft.com/office/drawing/2014/main" id="{4C310DFC-D8E5-4AC0-813C-BBB7B1590780}"/>
-              </a:ext>
-            </a:extLst>
-          </p:cNvPr>
+            <a:endParaRPr lang="en-US" dirty="0"/>
+          </a:p>
+        </p:txBody>
+      </p:sp>
+      <p:sp>
+        <p:nvSpPr>
+          <p:cNvPr id="3" name="Content Placeholder 2"/>
           <p:cNvSpPr>
             <a:spLocks noGrp="1"/>
           </p:cNvSpPr>
@@ -804,7 +2752,7 @@
         </p:nvSpPr>
         <p:spPr/>
         <p:txBody>
-          <a:bodyPr/>
+          <a:bodyPr anchor="ctr"/>
           <a:lstStyle/>
           <a:p>
             <a:pPr lvl="0"/>
@@ -840,19 +2788,13 @@
               <a:rPr lang="es-ES"/>
               <a:t>Quinto nivel</a:t>
             </a:r>
-            <a:endParaRPr lang="es-PE"/>
-          </a:p>
-        </p:txBody>
-      </p:sp>
-      <p:sp>
-        <p:nvSpPr>
-          <p:cNvPr id="4" name="Marcador de fecha 3">
-            <a:extLst>
-              <a:ext uri="{FF2B5EF4-FFF2-40B4-BE49-F238E27FC236}">
-                <a16:creationId xmlns:a16="http://schemas.microsoft.com/office/drawing/2014/main" id="{FE7ADEC4-7DD3-4222-B0E0-72D00268AB1C}"/>
-              </a:ext>
-            </a:extLst>
-          </p:cNvPr>
+            <a:endParaRPr lang="en-US" dirty="0"/>
+          </a:p>
+        </p:txBody>
+      </p:sp>
+      <p:sp>
+        <p:nvSpPr>
+          <p:cNvPr id="4" name="Date Placeholder 3"/>
           <p:cNvSpPr>
             <a:spLocks noGrp="1"/>
           </p:cNvSpPr>
@@ -875,13 +2817,7 @@
       </p:sp>
       <p:sp>
         <p:nvSpPr>
-          <p:cNvPr id="5" name="Marcador de pie de página 4">
-            <a:extLst>
-              <a:ext uri="{FF2B5EF4-FFF2-40B4-BE49-F238E27FC236}">
-                <a16:creationId xmlns:a16="http://schemas.microsoft.com/office/drawing/2014/main" id="{FAE63D8F-D4AB-417E-98D9-F602A873CBD7}"/>
-              </a:ext>
-            </a:extLst>
-          </p:cNvPr>
+          <p:cNvPr id="5" name="Footer Placeholder 4"/>
           <p:cNvSpPr>
             <a:spLocks noGrp="1"/>
           </p:cNvSpPr>
@@ -900,13 +2836,7 @@
       </p:sp>
       <p:sp>
         <p:nvSpPr>
-          <p:cNvPr id="6" name="Marcador de número de diapositiva 5">
-            <a:extLst>
-              <a:ext uri="{FF2B5EF4-FFF2-40B4-BE49-F238E27FC236}">
-                <a16:creationId xmlns:a16="http://schemas.microsoft.com/office/drawing/2014/main" id="{072FC9FE-F5FD-42AD-8994-B6AE3AFB11F4}"/>
-              </a:ext>
-            </a:extLst>
-          </p:cNvPr>
+          <p:cNvPr id="6" name="Slide Number Placeholder 5"/>
           <p:cNvSpPr>
             <a:spLocks noGrp="1"/>
           </p:cNvSpPr>
@@ -930,7 +2860,7 @@
     </p:spTree>
     <p:extLst>
       <p:ext uri="{BB962C8B-B14F-4D97-AF65-F5344CB8AC3E}">
-        <p14:creationId xmlns:p14="http://schemas.microsoft.com/office/powerpoint/2010/main" val="948298807"/>
+        <p14:creationId xmlns:p14="http://schemas.microsoft.com/office/powerpoint/2010/main" val="1364884283"/>
       </p:ext>
     </p:extLst>
   </p:cSld>
@@ -959,13 +2889,7 @@
       </p:grpSpPr>
       <p:sp>
         <p:nvSpPr>
-          <p:cNvPr id="2" name="Título 1">
-            <a:extLst>
-              <a:ext uri="{FF2B5EF4-FFF2-40B4-BE49-F238E27FC236}">
-                <a16:creationId xmlns:a16="http://schemas.microsoft.com/office/drawing/2014/main" id="{561C4394-A43A-4086-92C7-BC48E2FFAA15}"/>
-              </a:ext>
-            </a:extLst>
-          </p:cNvPr>
+          <p:cNvPr id="2" name="Title 1"/>
           <p:cNvSpPr>
             <a:spLocks noGrp="1"/>
           </p:cNvSpPr>
@@ -975,15 +2899,17 @@
         </p:nvSpPr>
         <p:spPr>
           <a:xfrm>
-            <a:off x="831850" y="1709738"/>
-            <a:ext cx="10515600" cy="2852737"/>
+            <a:off x="684211" y="2006600"/>
+            <a:ext cx="8534401" cy="2281600"/>
           </a:xfrm>
         </p:spPr>
         <p:txBody>
-          <a:bodyPr anchor="b"/>
+          <a:bodyPr anchor="b">
+            <a:normAutofit/>
+          </a:bodyPr>
           <a:lstStyle>
-            <a:lvl1pPr>
-              <a:defRPr sz="6000"/>
+            <a:lvl1pPr algn="l">
+              <a:defRPr sz="3600" b="0" cap="all"/>
             </a:lvl1pPr>
           </a:lstStyle>
           <a:p>
@@ -991,19 +2917,13 @@
               <a:rPr lang="es-ES"/>
               <a:t>Haga clic para modificar el estilo de título del patrón</a:t>
             </a:r>
-            <a:endParaRPr lang="es-PE"/>
-          </a:p>
-        </p:txBody>
-      </p:sp>
-      <p:sp>
-        <p:nvSpPr>
-          <p:cNvPr id="3" name="Marcador de texto 2">
-            <a:extLst>
-              <a:ext uri="{FF2B5EF4-FFF2-40B4-BE49-F238E27FC236}">
-                <a16:creationId xmlns:a16="http://schemas.microsoft.com/office/drawing/2014/main" id="{15C21D79-2C28-4375-9F53-B1B83A748683}"/>
-              </a:ext>
-            </a:extLst>
-          </p:cNvPr>
+            <a:endParaRPr lang="en-US" dirty="0"/>
+          </a:p>
+        </p:txBody>
+      </p:sp>
+      <p:sp>
+        <p:nvSpPr>
+          <p:cNvPr id="3" name="Text Placeholder 2"/>
           <p:cNvSpPr>
             <a:spLocks noGrp="1"/>
           </p:cNvSpPr>
@@ -1013,102 +2933,104 @@
         </p:nvSpPr>
         <p:spPr>
           <a:xfrm>
-            <a:off x="831850" y="4589463"/>
-            <a:ext cx="10515600" cy="1500187"/>
+            <a:off x="684213" y="4495800"/>
+            <a:ext cx="8534400" cy="1498600"/>
           </a:xfrm>
         </p:spPr>
         <p:txBody>
-          <a:bodyPr/>
+          <a:bodyPr anchor="t">
+            <a:normAutofit/>
+          </a:bodyPr>
           <a:lstStyle>
-            <a:lvl1pPr marL="0" indent="0">
-              <a:buNone/>
-              <a:defRPr sz="2400">
+            <a:lvl1pPr marL="0" indent="0" algn="l">
+              <a:buNone/>
+              <a:defRPr sz="1800">
+                <a:solidFill>
+                  <a:schemeClr val="bg2">
+                    <a:lumMod val="75000"/>
+                  </a:schemeClr>
+                </a:solidFill>
+              </a:defRPr>
+            </a:lvl1pPr>
+            <a:lvl2pPr marL="457200" indent="0">
+              <a:buNone/>
+              <a:defRPr sz="1800">
                 <a:solidFill>
                   <a:schemeClr val="tx1">
                     <a:tint val="75000"/>
                   </a:schemeClr>
                 </a:solidFill>
               </a:defRPr>
-            </a:lvl1pPr>
-            <a:lvl2pPr marL="457200" indent="0">
-              <a:buNone/>
-              <a:defRPr sz="2000">
+            </a:lvl2pPr>
+            <a:lvl3pPr marL="914400" indent="0">
+              <a:buNone/>
+              <a:defRPr sz="1600">
                 <a:solidFill>
                   <a:schemeClr val="tx1">
                     <a:tint val="75000"/>
                   </a:schemeClr>
                 </a:solidFill>
               </a:defRPr>
-            </a:lvl2pPr>
-            <a:lvl3pPr marL="914400" indent="0">
-              <a:buNone/>
-              <a:defRPr sz="1800">
+            </a:lvl3pPr>
+            <a:lvl4pPr marL="1371600" indent="0">
+              <a:buNone/>
+              <a:defRPr sz="1400">
                 <a:solidFill>
                   <a:schemeClr val="tx1">
                     <a:tint val="75000"/>
                   </a:schemeClr>
                 </a:solidFill>
               </a:defRPr>
-            </a:lvl3pPr>
-            <a:lvl4pPr marL="1371600" indent="0">
-              <a:buNone/>
-              <a:defRPr sz="1600">
+            </a:lvl4pPr>
+            <a:lvl5pPr marL="1828800" indent="0">
+              <a:buNone/>
+              <a:defRPr sz="1400">
                 <a:solidFill>
                   <a:schemeClr val="tx1">
                     <a:tint val="75000"/>
                   </a:schemeClr>
                 </a:solidFill>
               </a:defRPr>
-            </a:lvl4pPr>
-            <a:lvl5pPr marL="1828800" indent="0">
-              <a:buNone/>
-              <a:defRPr sz="1600">
+            </a:lvl5pPr>
+            <a:lvl6pPr marL="2286000" indent="0">
+              <a:buNone/>
+              <a:defRPr sz="1400">
                 <a:solidFill>
                   <a:schemeClr val="tx1">
                     <a:tint val="75000"/>
                   </a:schemeClr>
                 </a:solidFill>
               </a:defRPr>
-            </a:lvl5pPr>
-            <a:lvl6pPr marL="2286000" indent="0">
-              <a:buNone/>
-              <a:defRPr sz="1600">
+            </a:lvl6pPr>
+            <a:lvl7pPr marL="2743200" indent="0">
+              <a:buNone/>
+              <a:defRPr sz="1400">
                 <a:solidFill>
                   <a:schemeClr val="tx1">
                     <a:tint val="75000"/>
                   </a:schemeClr>
                 </a:solidFill>
               </a:defRPr>
-            </a:lvl6pPr>
-            <a:lvl7pPr marL="2743200" indent="0">
-              <a:buNone/>
-              <a:defRPr sz="1600">
+            </a:lvl7pPr>
+            <a:lvl8pPr marL="3200400" indent="0">
+              <a:buNone/>
+              <a:defRPr sz="1400">
                 <a:solidFill>
                   <a:schemeClr val="tx1">
                     <a:tint val="75000"/>
                   </a:schemeClr>
                 </a:solidFill>
               </a:defRPr>
-            </a:lvl7pPr>
-            <a:lvl8pPr marL="3200400" indent="0">
-              <a:buNone/>
-              <a:defRPr sz="1600">
+            </a:lvl8pPr>
+            <a:lvl9pPr marL="3657600" indent="0">
+              <a:buNone/>
+              <a:defRPr sz="1400">
                 <a:solidFill>
                   <a:schemeClr val="tx1">
                     <a:tint val="75000"/>
                   </a:schemeClr>
                 </a:solidFill>
               </a:defRPr>
-            </a:lvl8pPr>
-            <a:lvl9pPr marL="3657600" indent="0">
-              <a:buNone/>
-              <a:defRPr sz="1600">
-                <a:solidFill>
-                  <a:schemeClr val="tx1">
-                    <a:tint val="75000"/>
-                  </a:schemeClr>
-                </a:solidFill>
-              </a:defRPr>
             </a:lvl9pPr>
           </a:lstStyle>
           <a:p>
@@ -1122,13 +3044,7 @@
       </p:sp>
       <p:sp>
         <p:nvSpPr>
-          <p:cNvPr id="4" name="Marcador de fecha 3">
-            <a:extLst>
-              <a:ext uri="{FF2B5EF4-FFF2-40B4-BE49-F238E27FC236}">
-                <a16:creationId xmlns:a16="http://schemas.microsoft.com/office/drawing/2014/main" id="{5233538C-DEBF-4C77-BF18-331CCE290204}"/>
-              </a:ext>
-            </a:extLst>
-          </p:cNvPr>
+          <p:cNvPr id="4" name="Date Placeholder 3"/>
           <p:cNvSpPr>
             <a:spLocks noGrp="1"/>
           </p:cNvSpPr>
@@ -1151,13 +3067,7 @@
       </p:sp>
       <p:sp>
         <p:nvSpPr>
-          <p:cNvPr id="5" name="Marcador de pie de página 4">
-            <a:extLst>
-              <a:ext uri="{FF2B5EF4-FFF2-40B4-BE49-F238E27FC236}">
-                <a16:creationId xmlns:a16="http://schemas.microsoft.com/office/drawing/2014/main" id="{7156E8C6-6E5C-4B6A-9038-183B184C1517}"/>
-              </a:ext>
-            </a:extLst>
-          </p:cNvPr>
+          <p:cNvPr id="5" name="Footer Placeholder 4"/>
           <p:cNvSpPr>
             <a:spLocks noGrp="1"/>
           </p:cNvSpPr>
@@ -1176,13 +3086,7 @@
       </p:sp>
       <p:sp>
         <p:nvSpPr>
-          <p:cNvPr id="6" name="Marcador de número de diapositiva 5">
-            <a:extLst>
-              <a:ext uri="{FF2B5EF4-FFF2-40B4-BE49-F238E27FC236}">
-                <a16:creationId xmlns:a16="http://schemas.microsoft.com/office/drawing/2014/main" id="{AF2AAA5D-03BE-46D4-8100-DFE61D8B2606}"/>
-              </a:ext>
-            </a:extLst>
-          </p:cNvPr>
+          <p:cNvPr id="6" name="Slide Number Placeholder 5"/>
           <p:cNvSpPr>
             <a:spLocks noGrp="1"/>
           </p:cNvSpPr>
@@ -1206,7 +3110,7 @@
     </p:spTree>
     <p:extLst>
       <p:ext uri="{BB962C8B-B14F-4D97-AF65-F5344CB8AC3E}">
-        <p14:creationId xmlns:p14="http://schemas.microsoft.com/office/powerpoint/2010/main" val="499488216"/>
+        <p14:creationId xmlns:p14="http://schemas.microsoft.com/office/powerpoint/2010/main" val="1761846208"/>
       </p:ext>
     </p:extLst>
   </p:cSld>
@@ -1235,13 +3139,7 @@
       </p:grpSpPr>
       <p:sp>
         <p:nvSpPr>
-          <p:cNvPr id="2" name="Título 1">
-            <a:extLst>
-              <a:ext uri="{FF2B5EF4-FFF2-40B4-BE49-F238E27FC236}">
-                <a16:creationId xmlns:a16="http://schemas.microsoft.com/office/drawing/2014/main" id="{57EEB2E6-4C82-4146-8C40-1C454D0DB630}"/>
-              </a:ext>
-            </a:extLst>
-          </p:cNvPr>
+          <p:cNvPr id="2" name="Title 1"/>
           <p:cNvSpPr>
             <a:spLocks noGrp="1"/>
           </p:cNvSpPr>
@@ -1258,19 +3156,13 @@
               <a:rPr lang="es-ES"/>
               <a:t>Haga clic para modificar el estilo de título del patrón</a:t>
             </a:r>
-            <a:endParaRPr lang="es-PE"/>
-          </a:p>
-        </p:txBody>
-      </p:sp>
-      <p:sp>
-        <p:nvSpPr>
-          <p:cNvPr id="3" name="Marcador de contenido 2">
-            <a:extLst>
-              <a:ext uri="{FF2B5EF4-FFF2-40B4-BE49-F238E27FC236}">
-                <a16:creationId xmlns:a16="http://schemas.microsoft.com/office/drawing/2014/main" id="{7A85A95A-EFC2-44B0-9569-E76DD082E09E}"/>
-              </a:ext>
-            </a:extLst>
-          </p:cNvPr>
+            <a:endParaRPr lang="en-US" dirty="0"/>
+          </a:p>
+        </p:txBody>
+      </p:sp>
+      <p:sp>
+        <p:nvSpPr>
+          <p:cNvPr id="3" name="Content Placeholder 2"/>
           <p:cNvSpPr>
             <a:spLocks noGrp="1"/>
           </p:cNvSpPr>
@@ -1280,12 +3172,14 @@
         </p:nvSpPr>
         <p:spPr>
           <a:xfrm>
-            <a:off x="838200" y="1825625"/>
-            <a:ext cx="5181600" cy="4351338"/>
+            <a:off x="684211" y="685800"/>
+            <a:ext cx="4937655" cy="3615267"/>
           </a:xfrm>
         </p:spPr>
         <p:txBody>
-          <a:bodyPr/>
+          <a:bodyPr>
+            <a:normAutofit/>
+          </a:bodyPr>
           <a:lstStyle/>
           <a:p>
             <a:pPr lvl="0"/>
@@ -1321,19 +3215,13 @@
               <a:rPr lang="es-ES"/>
               <a:t>Quinto nivel</a:t>
             </a:r>
-            <a:endParaRPr lang="es-PE"/>
-          </a:p>
-        </p:txBody>
-      </p:sp>
-      <p:sp>
-        <p:nvSpPr>
-          <p:cNvPr id="4" name="Marcador de contenido 3">
-            <a:extLst>
-              <a:ext uri="{FF2B5EF4-FFF2-40B4-BE49-F238E27FC236}">
-                <a16:creationId xmlns:a16="http://schemas.microsoft.com/office/drawing/2014/main" id="{B3213679-8667-4057-9617-57E65FF4B27D}"/>
-              </a:ext>
-            </a:extLst>
-          </p:cNvPr>
+            <a:endParaRPr lang="en-US" dirty="0"/>
+          </a:p>
+        </p:txBody>
+      </p:sp>
+      <p:sp>
+        <p:nvSpPr>
+          <p:cNvPr id="4" name="Content Placeholder 3"/>
           <p:cNvSpPr>
             <a:spLocks noGrp="1"/>
           </p:cNvSpPr>
@@ -1343,12 +3231,14 @@
         </p:nvSpPr>
         <p:spPr>
           <a:xfrm>
-            <a:off x="6172200" y="1825625"/>
-            <a:ext cx="5181600" cy="4351338"/>
+            <a:off x="5808133" y="685801"/>
+            <a:ext cx="4934479" cy="3615266"/>
           </a:xfrm>
         </p:spPr>
         <p:txBody>
-          <a:bodyPr/>
+          <a:bodyPr>
+            <a:normAutofit/>
+          </a:bodyPr>
           <a:lstStyle/>
           <a:p>
             <a:pPr lvl="0"/>
@@ -1384,19 +3274,13 @@
               <a:rPr lang="es-ES"/>
               <a:t>Quinto nivel</a:t>
             </a:r>
-            <a:endParaRPr lang="es-PE"/>
-          </a:p>
-        </p:txBody>
-      </p:sp>
-      <p:sp>
-        <p:nvSpPr>
-          <p:cNvPr id="5" name="Marcador de fecha 4">
-            <a:extLst>
-              <a:ext uri="{FF2B5EF4-FFF2-40B4-BE49-F238E27FC236}">
-                <a16:creationId xmlns:a16="http://schemas.microsoft.com/office/drawing/2014/main" id="{76DF37E4-41CB-459C-94A5-5F74ED73762A}"/>
-              </a:ext>
-            </a:extLst>
-          </p:cNvPr>
+            <a:endParaRPr lang="en-US" dirty="0"/>
+          </a:p>
+        </p:txBody>
+      </p:sp>
+      <p:sp>
+        <p:nvSpPr>
+          <p:cNvPr id="5" name="Date Placeholder 4"/>
           <p:cNvSpPr>
             <a:spLocks noGrp="1"/>
           </p:cNvSpPr>
@@ -1419,13 +3303,7 @@
       </p:sp>
       <p:sp>
         <p:nvSpPr>
-          <p:cNvPr id="6" name="Marcador de pie de página 5">
-            <a:extLst>
-              <a:ext uri="{FF2B5EF4-FFF2-40B4-BE49-F238E27FC236}">
-                <a16:creationId xmlns:a16="http://schemas.microsoft.com/office/drawing/2014/main" id="{8DD3DF00-24B6-46D8-868C-4B935C040627}"/>
-              </a:ext>
-            </a:extLst>
-          </p:cNvPr>
+          <p:cNvPr id="6" name="Footer Placeholder 5"/>
           <p:cNvSpPr>
             <a:spLocks noGrp="1"/>
           </p:cNvSpPr>
@@ -1444,13 +3322,7 @@
       </p:sp>
       <p:sp>
         <p:nvSpPr>
-          <p:cNvPr id="7" name="Marcador de número de diapositiva 6">
-            <a:extLst>
-              <a:ext uri="{FF2B5EF4-FFF2-40B4-BE49-F238E27FC236}">
-                <a16:creationId xmlns:a16="http://schemas.microsoft.com/office/drawing/2014/main" id="{37DE14CE-00DB-4BFA-BAD8-15A9DDC8939C}"/>
-              </a:ext>
-            </a:extLst>
-          </p:cNvPr>
+          <p:cNvPr id="7" name="Slide Number Placeholder 6"/>
           <p:cNvSpPr>
             <a:spLocks noGrp="1"/>
           </p:cNvSpPr>
@@ -1474,7 +3346,7 @@
     </p:spTree>
     <p:extLst>
       <p:ext uri="{BB962C8B-B14F-4D97-AF65-F5344CB8AC3E}">
-        <p14:creationId xmlns:p14="http://schemas.microsoft.com/office/powerpoint/2010/main" val="3416337077"/>
+        <p14:creationId xmlns:p14="http://schemas.microsoft.com/office/powerpoint/2010/main" val="3809078720"/>
       </p:ext>
     </p:extLst>
   </p:cSld>
@@ -1503,66 +3375,59 @@
       </p:grpSpPr>
       <p:sp>
         <p:nvSpPr>
-          <p:cNvPr id="2" name="Título 1">
-            <a:extLst>
-              <a:ext uri="{FF2B5EF4-FFF2-40B4-BE49-F238E27FC236}">
-                <a16:creationId xmlns:a16="http://schemas.microsoft.com/office/drawing/2014/main" id="{476A48F5-8BA1-44C2-8029-B24473B61F47}"/>
-              </a:ext>
-            </a:extLst>
-          </p:cNvPr>
+          <p:cNvPr id="2" name="Title 1"/>
           <p:cNvSpPr>
             <a:spLocks noGrp="1"/>
           </p:cNvSpPr>
           <p:nvPr>
             <p:ph type="title"/>
+          </p:nvPr>
+        </p:nvSpPr>
+        <p:spPr/>
+        <p:txBody>
+          <a:bodyPr/>
+          <a:lstStyle>
+            <a:lvl1pPr>
+              <a:defRPr/>
+            </a:lvl1pPr>
+          </a:lstStyle>
+          <a:p>
+            <a:r>
+              <a:rPr lang="es-ES"/>
+              <a:t>Haga clic para modificar el estilo de título del patrón</a:t>
+            </a:r>
+            <a:endParaRPr lang="en-US" dirty="0"/>
+          </a:p>
+        </p:txBody>
+      </p:sp>
+      <p:sp>
+        <p:nvSpPr>
+          <p:cNvPr id="3" name="Text Placeholder 2"/>
+          <p:cNvSpPr>
+            <a:spLocks noGrp="1"/>
+          </p:cNvSpPr>
+          <p:nvPr>
+            <p:ph type="body" idx="1"/>
           </p:nvPr>
         </p:nvSpPr>
         <p:spPr>
           <a:xfrm>
-            <a:off x="839788" y="365125"/>
-            <a:ext cx="10515600" cy="1325563"/>
+            <a:off x="972080" y="685800"/>
+            <a:ext cx="4649787" cy="576262"/>
           </a:xfrm>
         </p:spPr>
         <p:txBody>
-          <a:bodyPr/>
-          <a:lstStyle/>
-          <a:p>
-            <a:r>
-              <a:rPr lang="es-ES"/>
-              <a:t>Haga clic para modificar el estilo de título del patrón</a:t>
-            </a:r>
-            <a:endParaRPr lang="es-PE"/>
-          </a:p>
-        </p:txBody>
-      </p:sp>
-      <p:sp>
-        <p:nvSpPr>
-          <p:cNvPr id="3" name="Marcador de texto 2">
-            <a:extLst>
-              <a:ext uri="{FF2B5EF4-FFF2-40B4-BE49-F238E27FC236}">
-                <a16:creationId xmlns:a16="http://schemas.microsoft.com/office/drawing/2014/main" id="{95861072-3749-4779-974C-1377E4B60080}"/>
-              </a:ext>
-            </a:extLst>
-          </p:cNvPr>
-          <p:cNvSpPr>
-            <a:spLocks noGrp="1"/>
-          </p:cNvSpPr>
-          <p:nvPr>
-            <p:ph type="body" idx="1"/>
-          </p:nvPr>
-        </p:nvSpPr>
-        <p:spPr>
-          <a:xfrm>
-            <a:off x="839788" y="1681163"/>
-            <a:ext cx="5157787" cy="823912"/>
-          </a:xfrm>
-        </p:spPr>
-        <p:txBody>
-          <a:bodyPr anchor="b"/>
+          <a:bodyPr anchor="b">
+            <a:noAutofit/>
+          </a:bodyPr>
           <a:lstStyle>
             <a:lvl1pPr marL="0" indent="0">
               <a:buNone/>
-              <a:defRPr sz="2400" b="1"/>
+              <a:defRPr sz="2800" b="0">
+                <a:solidFill>
+                  <a:schemeClr val="tx1"/>
+                </a:solidFill>
+              </a:defRPr>
             </a:lvl1pPr>
             <a:lvl2pPr marL="457200" indent="0">
               <a:buNone/>
@@ -1608,13 +3473,7 @@
       </p:sp>
       <p:sp>
         <p:nvSpPr>
-          <p:cNvPr id="4" name="Marcador de contenido 3">
-            <a:extLst>
-              <a:ext uri="{FF2B5EF4-FFF2-40B4-BE49-F238E27FC236}">
-                <a16:creationId xmlns:a16="http://schemas.microsoft.com/office/drawing/2014/main" id="{B5A65D04-9663-4F3D-9F03-D7B8B78D9562}"/>
-              </a:ext>
-            </a:extLst>
-          </p:cNvPr>
+          <p:cNvPr id="4" name="Content Placeholder 3"/>
           <p:cNvSpPr>
             <a:spLocks noGrp="1"/>
           </p:cNvSpPr>
@@ -1624,12 +3483,14 @@
         </p:nvSpPr>
         <p:spPr>
           <a:xfrm>
-            <a:off x="839788" y="2505075"/>
-            <a:ext cx="5157787" cy="3684588"/>
+            <a:off x="684211" y="1270529"/>
+            <a:ext cx="4937655" cy="3030538"/>
           </a:xfrm>
         </p:spPr>
         <p:txBody>
-          <a:bodyPr/>
+          <a:bodyPr anchor="t">
+            <a:normAutofit/>
+          </a:bodyPr>
           <a:lstStyle/>
           <a:p>
             <a:pPr lvl="0"/>
@@ -1665,19 +3526,13 @@
               <a:rPr lang="es-ES"/>
               <a:t>Quinto nivel</a:t>
             </a:r>
-            <a:endParaRPr lang="es-PE"/>
-          </a:p>
-        </p:txBody>
-      </p:sp>
-      <p:sp>
-        <p:nvSpPr>
-          <p:cNvPr id="5" name="Marcador de texto 4">
-            <a:extLst>
-              <a:ext uri="{FF2B5EF4-FFF2-40B4-BE49-F238E27FC236}">
-                <a16:creationId xmlns:a16="http://schemas.microsoft.com/office/drawing/2014/main" id="{F9655C43-4515-4F86-B033-5FF9D5EF922F}"/>
-              </a:ext>
-            </a:extLst>
-          </p:cNvPr>
+            <a:endParaRPr lang="en-US" dirty="0"/>
+          </a:p>
+        </p:txBody>
+      </p:sp>
+      <p:sp>
+        <p:nvSpPr>
+          <p:cNvPr id="5" name="Text Placeholder 4"/>
           <p:cNvSpPr>
             <a:spLocks noGrp="1"/>
           </p:cNvSpPr>
@@ -1687,16 +3542,22 @@
         </p:nvSpPr>
         <p:spPr>
           <a:xfrm>
-            <a:off x="6172200" y="1681163"/>
-            <a:ext cx="5183188" cy="823912"/>
+            <a:off x="6079066" y="685800"/>
+            <a:ext cx="4665134" cy="576262"/>
           </a:xfrm>
         </p:spPr>
         <p:txBody>
-          <a:bodyPr anchor="b"/>
+          <a:bodyPr anchor="b">
+            <a:noAutofit/>
+          </a:bodyPr>
           <a:lstStyle>
             <a:lvl1pPr marL="0" indent="0">
               <a:buNone/>
-              <a:defRPr sz="2400" b="1"/>
+              <a:defRPr sz="2800" b="0">
+                <a:solidFill>
+                  <a:schemeClr val="tx1"/>
+                </a:solidFill>
+              </a:defRPr>
             </a:lvl1pPr>
             <a:lvl2pPr marL="457200" indent="0">
               <a:buNone/>
@@ -1742,13 +3603,7 @@
       </p:sp>
       <p:sp>
         <p:nvSpPr>
-          <p:cNvPr id="6" name="Marcador de contenido 5">
-            <a:extLst>
-              <a:ext uri="{FF2B5EF4-FFF2-40B4-BE49-F238E27FC236}">
-                <a16:creationId xmlns:a16="http://schemas.microsoft.com/office/drawing/2014/main" id="{FF3C4FF6-8B40-47F6-BDF1-7CB729311FC7}"/>
-              </a:ext>
-            </a:extLst>
-          </p:cNvPr>
+          <p:cNvPr id="6" name="Content Placeholder 5"/>
           <p:cNvSpPr>
             <a:spLocks noGrp="1"/>
           </p:cNvSpPr>
@@ -1758,12 +3613,14 @@
         </p:nvSpPr>
         <p:spPr>
           <a:xfrm>
-            <a:off x="6172200" y="2505075"/>
-            <a:ext cx="5183188" cy="3684588"/>
+            <a:off x="5806545" y="1262062"/>
+            <a:ext cx="4929188" cy="3030538"/>
           </a:xfrm>
         </p:spPr>
         <p:txBody>
-          <a:bodyPr/>
+          <a:bodyPr anchor="t">
+            <a:normAutofit/>
+          </a:bodyPr>
           <a:lstStyle/>
           <a:p>
             <a:pPr lvl="0"/>
@@ -1799,19 +3656,13 @@
               <a:rPr lang="es-ES"/>
               <a:t>Quinto nivel</a:t>
             </a:r>
-            <a:endParaRPr lang="es-PE"/>
-          </a:p>
-        </p:txBody>
-      </p:sp>
-      <p:sp>
-        <p:nvSpPr>
-          <p:cNvPr id="7" name="Marcador de fecha 6">
-            <a:extLst>
-              <a:ext uri="{FF2B5EF4-FFF2-40B4-BE49-F238E27FC236}">
-                <a16:creationId xmlns:a16="http://schemas.microsoft.com/office/drawing/2014/main" id="{A64AC00C-EC65-41EC-98FE-AE2092312F30}"/>
-              </a:ext>
-            </a:extLst>
-          </p:cNvPr>
+            <a:endParaRPr lang="en-US" dirty="0"/>
+          </a:p>
+        </p:txBody>
+      </p:sp>
+      <p:sp>
+        <p:nvSpPr>
+          <p:cNvPr id="7" name="Date Placeholder 6"/>
           <p:cNvSpPr>
             <a:spLocks noGrp="1"/>
           </p:cNvSpPr>
@@ -1834,13 +3685,7 @@
       </p:sp>
       <p:sp>
         <p:nvSpPr>
-          <p:cNvPr id="8" name="Marcador de pie de página 7">
-            <a:extLst>
-              <a:ext uri="{FF2B5EF4-FFF2-40B4-BE49-F238E27FC236}">
-                <a16:creationId xmlns:a16="http://schemas.microsoft.com/office/drawing/2014/main" id="{CEC14B8A-5C47-483D-A6E9-12D7FDED74FD}"/>
-              </a:ext>
-            </a:extLst>
-          </p:cNvPr>
+          <p:cNvPr id="8" name="Footer Placeholder 7"/>
           <p:cNvSpPr>
             <a:spLocks noGrp="1"/>
           </p:cNvSpPr>
@@ -1859,13 +3704,7 @@
       </p:sp>
       <p:sp>
         <p:nvSpPr>
-          <p:cNvPr id="9" name="Marcador de número de diapositiva 8">
-            <a:extLst>
-              <a:ext uri="{FF2B5EF4-FFF2-40B4-BE49-F238E27FC236}">
-                <a16:creationId xmlns:a16="http://schemas.microsoft.com/office/drawing/2014/main" id="{89248F6B-DBEE-42B9-B4A9-D4F1908F24FC}"/>
-              </a:ext>
-            </a:extLst>
-          </p:cNvPr>
+          <p:cNvPr id="9" name="Slide Number Placeholder 8"/>
           <p:cNvSpPr>
             <a:spLocks noGrp="1"/>
           </p:cNvSpPr>
@@ -1889,7 +3728,7 @@
     </p:spTree>
     <p:extLst>
       <p:ext uri="{BB962C8B-B14F-4D97-AF65-F5344CB8AC3E}">
-        <p14:creationId xmlns:p14="http://schemas.microsoft.com/office/powerpoint/2010/main" val="1802998184"/>
+        <p14:creationId xmlns:p14="http://schemas.microsoft.com/office/powerpoint/2010/main" val="2437681623"/>
       </p:ext>
     </p:extLst>
   </p:cSld>
@@ -1918,13 +3757,7 @@
       </p:grpSpPr>
       <p:sp>
         <p:nvSpPr>
-          <p:cNvPr id="2" name="Título 1">
-            <a:extLst>
-              <a:ext uri="{FF2B5EF4-FFF2-40B4-BE49-F238E27FC236}">
-                <a16:creationId xmlns:a16="http://schemas.microsoft.com/office/drawing/2014/main" id="{31C754F3-C958-4853-AA30-30DBC07B6D15}"/>
-              </a:ext>
-            </a:extLst>
-          </p:cNvPr>
+          <p:cNvPr id="2" name="Title 1"/>
           <p:cNvSpPr>
             <a:spLocks noGrp="1"/>
           </p:cNvSpPr>
@@ -1941,19 +3774,13 @@
               <a:rPr lang="es-ES"/>
               <a:t>Haga clic para modificar el estilo de título del patrón</a:t>
             </a:r>
-            <a:endParaRPr lang="es-PE"/>
-          </a:p>
-        </p:txBody>
-      </p:sp>
-      <p:sp>
-        <p:nvSpPr>
-          <p:cNvPr id="3" name="Marcador de fecha 2">
-            <a:extLst>
-              <a:ext uri="{FF2B5EF4-FFF2-40B4-BE49-F238E27FC236}">
-                <a16:creationId xmlns:a16="http://schemas.microsoft.com/office/drawing/2014/main" id="{61171656-33DD-417D-8F37-F3392E0B75CA}"/>
-              </a:ext>
-            </a:extLst>
-          </p:cNvPr>
+            <a:endParaRPr lang="en-US" dirty="0"/>
+          </a:p>
+        </p:txBody>
+      </p:sp>
+      <p:sp>
+        <p:nvSpPr>
+          <p:cNvPr id="3" name="Date Placeholder 2"/>
           <p:cNvSpPr>
             <a:spLocks noGrp="1"/>
           </p:cNvSpPr>
@@ -1976,13 +3803,7 @@
       </p:sp>
       <p:sp>
         <p:nvSpPr>
-          <p:cNvPr id="4" name="Marcador de pie de página 3">
-            <a:extLst>
-              <a:ext uri="{FF2B5EF4-FFF2-40B4-BE49-F238E27FC236}">
-                <a16:creationId xmlns:a16="http://schemas.microsoft.com/office/drawing/2014/main" id="{977C4E3B-EC48-49C7-8509-C707D6B35560}"/>
-              </a:ext>
-            </a:extLst>
-          </p:cNvPr>
+          <p:cNvPr id="4" name="Footer Placeholder 3"/>
           <p:cNvSpPr>
             <a:spLocks noGrp="1"/>
           </p:cNvSpPr>
@@ -2001,13 +3822,7 @@
       </p:sp>
       <p:sp>
         <p:nvSpPr>
-          <p:cNvPr id="5" name="Marcador de número de diapositiva 4">
-            <a:extLst>
-              <a:ext uri="{FF2B5EF4-FFF2-40B4-BE49-F238E27FC236}">
-                <a16:creationId xmlns:a16="http://schemas.microsoft.com/office/drawing/2014/main" id="{BB2C97E6-C36A-434B-8C96-A2C6E6DE3F7D}"/>
-              </a:ext>
-            </a:extLst>
-          </p:cNvPr>
+          <p:cNvPr id="5" name="Slide Number Placeholder 4"/>
           <p:cNvSpPr>
             <a:spLocks noGrp="1"/>
           </p:cNvSpPr>
@@ -2031,7 +3846,7 @@
     </p:spTree>
     <p:extLst>
       <p:ext uri="{BB962C8B-B14F-4D97-AF65-F5344CB8AC3E}">
-        <p14:creationId xmlns:p14="http://schemas.microsoft.com/office/powerpoint/2010/main" val="3833991618"/>
+        <p14:creationId xmlns:p14="http://schemas.microsoft.com/office/powerpoint/2010/main" val="3697888329"/>
       </p:ext>
     </p:extLst>
   </p:cSld>
@@ -2060,13 +3875,7 @@
       </p:grpSpPr>
       <p:sp>
         <p:nvSpPr>
-          <p:cNvPr id="2" name="Marcador de fecha 1">
-            <a:extLst>
-              <a:ext uri="{FF2B5EF4-FFF2-40B4-BE49-F238E27FC236}">
-                <a16:creationId xmlns:a16="http://schemas.microsoft.com/office/drawing/2014/main" id="{416272C8-5A82-4093-8A44-FD9BEBCA4F16}"/>
-              </a:ext>
-            </a:extLst>
-          </p:cNvPr>
+          <p:cNvPr id="2" name="Date Placeholder 1"/>
           <p:cNvSpPr>
             <a:spLocks noGrp="1"/>
           </p:cNvSpPr>
@@ -2089,13 +3898,7 @@
       </p:sp>
       <p:sp>
         <p:nvSpPr>
-          <p:cNvPr id="3" name="Marcador de pie de página 2">
-            <a:extLst>
-              <a:ext uri="{FF2B5EF4-FFF2-40B4-BE49-F238E27FC236}">
-                <a16:creationId xmlns:a16="http://schemas.microsoft.com/office/drawing/2014/main" id="{E6661429-4BA0-40DC-868D-E5F0DA90A847}"/>
-              </a:ext>
-            </a:extLst>
-          </p:cNvPr>
+          <p:cNvPr id="3" name="Footer Placeholder 2"/>
           <p:cNvSpPr>
             <a:spLocks noGrp="1"/>
           </p:cNvSpPr>
@@ -2114,13 +3917,7 @@
       </p:sp>
       <p:sp>
         <p:nvSpPr>
-          <p:cNvPr id="4" name="Marcador de número de diapositiva 3">
-            <a:extLst>
-              <a:ext uri="{FF2B5EF4-FFF2-40B4-BE49-F238E27FC236}">
-                <a16:creationId xmlns:a16="http://schemas.microsoft.com/office/drawing/2014/main" id="{117C6DB3-FFD3-4723-AA57-DBD5AE8FBD95}"/>
-              </a:ext>
-            </a:extLst>
-          </p:cNvPr>
+          <p:cNvPr id="4" name="Slide Number Placeholder 3"/>
           <p:cNvSpPr>
             <a:spLocks noGrp="1"/>
           </p:cNvSpPr>
@@ -2144,7 +3941,7 @@
     </p:spTree>
     <p:extLst>
       <p:ext uri="{BB962C8B-B14F-4D97-AF65-F5344CB8AC3E}">
-        <p14:creationId xmlns:p14="http://schemas.microsoft.com/office/powerpoint/2010/main" val="386953840"/>
+        <p14:creationId xmlns:p14="http://schemas.microsoft.com/office/powerpoint/2010/main" val="571916959"/>
       </p:ext>
     </p:extLst>
   </p:cSld>
@@ -2173,13 +3970,7 @@
       </p:grpSpPr>
       <p:sp>
         <p:nvSpPr>
-          <p:cNvPr id="2" name="Título 1">
-            <a:extLst>
-              <a:ext uri="{FF2B5EF4-FFF2-40B4-BE49-F238E27FC236}">
-                <a16:creationId xmlns:a16="http://schemas.microsoft.com/office/drawing/2014/main" id="{86972E21-141E-4DD2-B9FE-FDB6862ACD90}"/>
-              </a:ext>
-            </a:extLst>
-          </p:cNvPr>
+          <p:cNvPr id="2" name="Title 1"/>
           <p:cNvSpPr>
             <a:spLocks noGrp="1"/>
           </p:cNvSpPr>
@@ -2189,15 +3980,17 @@
         </p:nvSpPr>
         <p:spPr>
           <a:xfrm>
-            <a:off x="839788" y="457200"/>
-            <a:ext cx="3932237" cy="1600200"/>
+            <a:off x="7085012" y="685800"/>
+            <a:ext cx="3657600" cy="1371600"/>
           </a:xfrm>
         </p:spPr>
         <p:txBody>
-          <a:bodyPr anchor="b"/>
+          <a:bodyPr anchor="b">
+            <a:normAutofit/>
+          </a:bodyPr>
           <a:lstStyle>
-            <a:lvl1pPr>
-              <a:defRPr sz="3200"/>
+            <a:lvl1pPr algn="l">
+              <a:defRPr sz="2400" b="0"/>
             </a:lvl1pPr>
           </a:lstStyle>
           <a:p>
@@ -2205,19 +3998,13 @@
               <a:rPr lang="es-ES"/>
               <a:t>Haga clic para modificar el estilo de título del patrón</a:t>
             </a:r>
-            <a:endParaRPr lang="es-PE"/>
-          </a:p>
-        </p:txBody>
-      </p:sp>
-      <p:sp>
-        <p:nvSpPr>
-          <p:cNvPr id="3" name="Marcador de contenido 2">
-            <a:extLst>
-              <a:ext uri="{FF2B5EF4-FFF2-40B4-BE49-F238E27FC236}">
-                <a16:creationId xmlns:a16="http://schemas.microsoft.com/office/drawing/2014/main" id="{5B621775-3396-4D03-8DEB-879E4CFBD319}"/>
-              </a:ext>
-            </a:extLst>
-          </p:cNvPr>
+            <a:endParaRPr lang="en-US" dirty="0"/>
+          </a:p>
+        </p:txBody>
+      </p:sp>
+      <p:sp>
+        <p:nvSpPr>
+          <p:cNvPr id="3" name="Content Placeholder 2"/>
           <p:cNvSpPr>
             <a:spLocks noGrp="1"/>
           </p:cNvSpPr>
@@ -2227,41 +4014,15 @@
         </p:nvSpPr>
         <p:spPr>
           <a:xfrm>
-            <a:off x="5183188" y="987425"/>
-            <a:ext cx="6172200" cy="4873625"/>
+            <a:off x="684212" y="685800"/>
+            <a:ext cx="5943601" cy="5308600"/>
           </a:xfrm>
         </p:spPr>
         <p:txBody>
-          <a:bodyPr/>
-          <a:lstStyle>
-            <a:lvl1pPr>
-              <a:defRPr sz="3200"/>
-            </a:lvl1pPr>
-            <a:lvl2pPr>
-              <a:defRPr sz="2800"/>
-            </a:lvl2pPr>
-            <a:lvl3pPr>
-              <a:defRPr sz="2400"/>
-            </a:lvl3pPr>
-            <a:lvl4pPr>
-              <a:defRPr sz="2000"/>
-            </a:lvl4pPr>
-            <a:lvl5pPr>
-              <a:defRPr sz="2000"/>
-            </a:lvl5pPr>
-            <a:lvl6pPr>
-              <a:defRPr sz="2000"/>
-            </a:lvl6pPr>
-            <a:lvl7pPr>
-              <a:defRPr sz="2000"/>
-            </a:lvl7pPr>
-            <a:lvl8pPr>
-              <a:defRPr sz="2000"/>
-            </a:lvl8pPr>
-            <a:lvl9pPr>
-              <a:defRPr sz="2000"/>
-            </a:lvl9pPr>
-          </a:lstStyle>
+          <a:bodyPr anchor="ctr">
+            <a:normAutofit/>
+          </a:bodyPr>
+          <a:lstStyle/>
           <a:p>
             <a:pPr lvl="0"/>
             <a:r>
@@ -2296,19 +4057,13 @@
               <a:rPr lang="es-ES"/>
               <a:t>Quinto nivel</a:t>
             </a:r>
-            <a:endParaRPr lang="es-PE"/>
-          </a:p>
-        </p:txBody>
-      </p:sp>
-      <p:sp>
-        <p:nvSpPr>
-          <p:cNvPr id="4" name="Marcador de texto 3">
-            <a:extLst>
-              <a:ext uri="{FF2B5EF4-FFF2-40B4-BE49-F238E27FC236}">
-                <a16:creationId xmlns:a16="http://schemas.microsoft.com/office/drawing/2014/main" id="{1572CCAC-848C-4F48-8F67-FF05CCA5DF57}"/>
-              </a:ext>
-            </a:extLst>
-          </p:cNvPr>
+            <a:endParaRPr lang="en-US" dirty="0"/>
+          </a:p>
+        </p:txBody>
+      </p:sp>
+      <p:sp>
+        <p:nvSpPr>
+          <p:cNvPr id="4" name="Text Placeholder 3"/>
           <p:cNvSpPr>
             <a:spLocks noGrp="1"/>
           </p:cNvSpPr>
@@ -2318,12 +4073,14 @@
         </p:nvSpPr>
         <p:spPr>
           <a:xfrm>
-            <a:off x="839788" y="2057400"/>
-            <a:ext cx="3932237" cy="3811588"/>
+            <a:off x="7085012" y="2209799"/>
+            <a:ext cx="3657600" cy="2091267"/>
           </a:xfrm>
         </p:spPr>
         <p:txBody>
-          <a:bodyPr/>
+          <a:bodyPr anchor="t">
+            <a:normAutofit/>
+          </a:bodyPr>
           <a:lstStyle>
             <a:lvl1pPr marL="0" indent="0">
               <a:buNone/>
@@ -2331,35 +4088,35 @@
             </a:lvl1pPr>
             <a:lvl2pPr marL="457200" indent="0">
               <a:buNone/>
-              <a:defRPr sz="1400"/>
+              <a:defRPr sz="1200"/>
             </a:lvl2pPr>
             <a:lvl3pPr marL="914400" indent="0">
               <a:buNone/>
-              <a:defRPr sz="1200"/>
+              <a:defRPr sz="1000"/>
             </a:lvl3pPr>
             <a:lvl4pPr marL="1371600" indent="0">
               <a:buNone/>
-              <a:defRPr sz="1000"/>
+              <a:defRPr sz="900"/>
             </a:lvl4pPr>
             <a:lvl5pPr marL="1828800" indent="0">
               <a:buNone/>
-              <a:defRPr sz="1000"/>
+              <a:defRPr sz="900"/>
             </a:lvl5pPr>
             <a:lvl6pPr marL="2286000" indent="0">
               <a:buNone/>
-              <a:defRPr sz="1000"/>
+              <a:defRPr sz="900"/>
             </a:lvl6pPr>
             <a:lvl7pPr marL="2743200" indent="0">
               <a:buNone/>
-              <a:defRPr sz="1000"/>
+              <a:defRPr sz="900"/>
             </a:lvl7pPr>
             <a:lvl8pPr marL="3200400" indent="0">
               <a:buNone/>
-              <a:defRPr sz="1000"/>
+              <a:defRPr sz="900"/>
             </a:lvl8pPr>
             <a:lvl9pPr marL="3657600" indent="0">
               <a:buNone/>
-              <a:defRPr sz="1000"/>
+              <a:defRPr sz="900"/>
             </a:lvl9pPr>
           </a:lstStyle>
           <a:p>
@@ -2373,13 +4130,7 @@
       </p:sp>
       <p:sp>
         <p:nvSpPr>
-          <p:cNvPr id="5" name="Marcador de fecha 4">
-            <a:extLst>
-              <a:ext uri="{FF2B5EF4-FFF2-40B4-BE49-F238E27FC236}">
-                <a16:creationId xmlns:a16="http://schemas.microsoft.com/office/drawing/2014/main" id="{FE69EFA4-4D3C-4A2A-A7FF-5CF5CC3F1E63}"/>
-              </a:ext>
-            </a:extLst>
-          </p:cNvPr>
+          <p:cNvPr id="5" name="Date Placeholder 4"/>
           <p:cNvSpPr>
             <a:spLocks noGrp="1"/>
           </p:cNvSpPr>
@@ -2402,13 +4153,7 @@
       </p:sp>
       <p:sp>
         <p:nvSpPr>
-          <p:cNvPr id="6" name="Marcador de pie de página 5">
-            <a:extLst>
-              <a:ext uri="{FF2B5EF4-FFF2-40B4-BE49-F238E27FC236}">
-                <a16:creationId xmlns:a16="http://schemas.microsoft.com/office/drawing/2014/main" id="{AAA71031-E04C-434E-9B97-44BADC7B81AB}"/>
-              </a:ext>
-            </a:extLst>
-          </p:cNvPr>
+          <p:cNvPr id="6" name="Footer Placeholder 5"/>
           <p:cNvSpPr>
             <a:spLocks noGrp="1"/>
           </p:cNvSpPr>
@@ -2427,13 +4172,7 @@
       </p:sp>
       <p:sp>
         <p:nvSpPr>
-          <p:cNvPr id="7" name="Marcador de número de diapositiva 6">
-            <a:extLst>
-              <a:ext uri="{FF2B5EF4-FFF2-40B4-BE49-F238E27FC236}">
-                <a16:creationId xmlns:a16="http://schemas.microsoft.com/office/drawing/2014/main" id="{77B4111E-C022-4D8D-97F7-4BB2A462455F}"/>
-              </a:ext>
-            </a:extLst>
-          </p:cNvPr>
+          <p:cNvPr id="7" name="Slide Number Placeholder 6"/>
           <p:cNvSpPr>
             <a:spLocks noGrp="1"/>
           </p:cNvSpPr>
@@ -2457,7 +4196,7 @@
     </p:spTree>
     <p:extLst>
       <p:ext uri="{BB962C8B-B14F-4D97-AF65-F5344CB8AC3E}">
-        <p14:creationId xmlns:p14="http://schemas.microsoft.com/office/powerpoint/2010/main" val="3894296685"/>
+        <p14:creationId xmlns:p14="http://schemas.microsoft.com/office/powerpoint/2010/main" val="1840253714"/>
       </p:ext>
     </p:extLst>
   </p:cSld>
@@ -2486,13 +4225,7 @@
       </p:grpSpPr>
       <p:sp>
         <p:nvSpPr>
-          <p:cNvPr id="2" name="Título 1">
-            <a:extLst>
-              <a:ext uri="{FF2B5EF4-FFF2-40B4-BE49-F238E27FC236}">
-                <a16:creationId xmlns:a16="http://schemas.microsoft.com/office/drawing/2014/main" id="{DC069ECD-8CB2-4121-BF6F-050DD4E41FFC}"/>
-              </a:ext>
-            </a:extLst>
-          </p:cNvPr>
+          <p:cNvPr id="2" name="Title 1"/>
           <p:cNvSpPr>
             <a:spLocks noGrp="1"/>
           </p:cNvSpPr>
@@ -2502,15 +4235,17 @@
         </p:nvSpPr>
         <p:spPr>
           <a:xfrm>
-            <a:off x="839788" y="457200"/>
-            <a:ext cx="3932237" cy="1600200"/>
+            <a:off x="4722812" y="1447800"/>
+            <a:ext cx="6019800" cy="1143000"/>
           </a:xfrm>
         </p:spPr>
         <p:txBody>
-          <a:bodyPr anchor="b"/>
+          <a:bodyPr anchor="b">
+            <a:normAutofit/>
+          </a:bodyPr>
           <a:lstStyle>
-            <a:lvl1pPr>
-              <a:defRPr sz="3200"/>
+            <a:lvl1pPr algn="l">
+              <a:defRPr sz="2800" b="0"/>
             </a:lvl1pPr>
           </a:lstStyle>
           <a:p>
@@ -2518,21 +4253,15 @@
               <a:rPr lang="es-ES"/>
               <a:t>Haga clic para modificar el estilo de título del patrón</a:t>
             </a:r>
-            <a:endParaRPr lang="es-PE"/>
-          </a:p>
-        </p:txBody>
-      </p:sp>
-      <p:sp>
-        <p:nvSpPr>
-          <p:cNvPr id="3" name="Marcador de posición de imagen 2">
-            <a:extLst>
-              <a:ext uri="{FF2B5EF4-FFF2-40B4-BE49-F238E27FC236}">
-                <a16:creationId xmlns:a16="http://schemas.microsoft.com/office/drawing/2014/main" id="{F96DA599-2E20-4877-B27B-02CB33972473}"/>
-              </a:ext>
-            </a:extLst>
-          </p:cNvPr>
-          <p:cNvSpPr>
-            <a:spLocks noGrp="1"/>
+            <a:endParaRPr lang="en-US" dirty="0"/>
+          </a:p>
+        </p:txBody>
+      </p:sp>
+      <p:sp>
+        <p:nvSpPr>
+          <p:cNvPr id="14" name="Picture Placeholder 2"/>
+          <p:cNvSpPr>
+            <a:spLocks noGrp="1" noChangeAspect="1"/>
           </p:cNvSpPr>
           <p:nvPr>
             <p:ph type="pic" idx="1"/>
@@ -2540,118 +4269,140 @@
         </p:nvSpPr>
         <p:spPr>
           <a:xfrm>
-            <a:off x="5183188" y="987425"/>
-            <a:ext cx="6172200" cy="4873625"/>
+            <a:off x="989012" y="914400"/>
+            <a:ext cx="3280974" cy="4572000"/>
           </a:xfrm>
+          <a:prstGeom prst="snip2DiagRect">
+            <a:avLst>
+              <a:gd name="adj1" fmla="val 10815"/>
+              <a:gd name="adj2" fmla="val 0"/>
+            </a:avLst>
+          </a:prstGeom>
+          <a:ln w="15875">
+            <a:solidFill>
+              <a:schemeClr val="tx1">
+                <a:alpha val="40000"/>
+              </a:schemeClr>
+            </a:solidFill>
+          </a:ln>
+          <a:effectLst>
+            <a:innerShdw blurRad="57150" dist="38100" dir="14460000">
+              <a:srgbClr val="000000">
+                <a:alpha val="70000"/>
+              </a:srgbClr>
+            </a:innerShdw>
+          </a:effectLst>
         </p:spPr>
         <p:txBody>
-          <a:bodyPr/>
+          <a:bodyPr anchor="t">
+            <a:normAutofit/>
+          </a:bodyPr>
           <a:lstStyle>
-            <a:lvl1pPr marL="0" indent="0">
-              <a:buNone/>
-              <a:defRPr sz="3200"/>
-            </a:lvl1pPr>
-            <a:lvl2pPr marL="457200" indent="0">
-              <a:buNone/>
-              <a:defRPr sz="2800"/>
-            </a:lvl2pPr>
-            <a:lvl3pPr marL="914400" indent="0">
-              <a:buNone/>
-              <a:defRPr sz="2400"/>
-            </a:lvl3pPr>
-            <a:lvl4pPr marL="1371600" indent="0">
-              <a:buNone/>
-              <a:defRPr sz="2000"/>
-            </a:lvl4pPr>
-            <a:lvl5pPr marL="1828800" indent="0">
-              <a:buNone/>
-              <a:defRPr sz="2000"/>
-            </a:lvl5pPr>
-            <a:lvl6pPr marL="2286000" indent="0">
-              <a:buNone/>
-              <a:defRPr sz="2000"/>
-            </a:lvl6pPr>
-            <a:lvl7pPr marL="2743200" indent="0">
-              <a:buNone/>
-              <a:defRPr sz="2000"/>
-            </a:lvl7pPr>
-            <a:lvl8pPr marL="3200400" indent="0">
-              <a:buNone/>
-              <a:defRPr sz="2000"/>
-            </a:lvl8pPr>
-            <a:lvl9pPr marL="3657600" indent="0">
-              <a:buNone/>
-              <a:defRPr sz="2000"/>
-            </a:lvl9pPr>
-          </a:lstStyle>
-          <a:p>
-            <a:endParaRPr lang="es-PE"/>
-          </a:p>
-        </p:txBody>
-      </p:sp>
-      <p:sp>
-        <p:nvSpPr>
-          <p:cNvPr id="4" name="Marcador de texto 3">
-            <a:extLst>
-              <a:ext uri="{FF2B5EF4-FFF2-40B4-BE49-F238E27FC236}">
-                <a16:creationId xmlns:a16="http://schemas.microsoft.com/office/drawing/2014/main" id="{24B00A91-DC41-4859-B6B6-A084FEF41C4C}"/>
-              </a:ext>
-            </a:extLst>
-          </p:cNvPr>
-          <p:cNvSpPr>
-            <a:spLocks noGrp="1"/>
-          </p:cNvSpPr>
-          <p:nvPr>
-            <p:ph type="body" sz="half" idx="2"/>
-          </p:nvPr>
-        </p:nvSpPr>
-        <p:spPr>
-          <a:xfrm>
-            <a:off x="839788" y="2057400"/>
-            <a:ext cx="3932237" cy="3811588"/>
-          </a:xfrm>
-        </p:spPr>
-        <p:txBody>
-          <a:bodyPr/>
-          <a:lstStyle>
-            <a:lvl1pPr marL="0" indent="0">
+            <a:lvl1pPr marL="0" indent="0" algn="ctr">
               <a:buNone/>
               <a:defRPr sz="1600"/>
             </a:lvl1pPr>
             <a:lvl2pPr marL="457200" indent="0">
               <a:buNone/>
-              <a:defRPr sz="1400"/>
+              <a:defRPr sz="1600"/>
             </a:lvl2pPr>
             <a:lvl3pPr marL="914400" indent="0">
               <a:buNone/>
-              <a:defRPr sz="1200"/>
+              <a:defRPr sz="1600"/>
             </a:lvl3pPr>
             <a:lvl4pPr marL="1371600" indent="0">
               <a:buNone/>
-              <a:defRPr sz="1000"/>
+              <a:defRPr sz="1600"/>
             </a:lvl4pPr>
             <a:lvl5pPr marL="1828800" indent="0">
               <a:buNone/>
-              <a:defRPr sz="1000"/>
+              <a:defRPr sz="1600"/>
             </a:lvl5pPr>
             <a:lvl6pPr marL="2286000" indent="0">
               <a:buNone/>
-              <a:defRPr sz="1000"/>
+              <a:defRPr sz="1600"/>
             </a:lvl6pPr>
             <a:lvl7pPr marL="2743200" indent="0">
               <a:buNone/>
-              <a:defRPr sz="1000"/>
+              <a:defRPr sz="1600"/>
             </a:lvl7pPr>
             <a:lvl8pPr marL="3200400" indent="0">
               <a:buNone/>
-              <a:defRPr sz="1000"/>
+              <a:defRPr sz="1600"/>
             </a:lvl8pPr>
             <a:lvl9pPr marL="3657600" indent="0">
               <a:buNone/>
-              <a:defRPr sz="1000"/>
+              <a:defRPr sz="1600"/>
             </a:lvl9pPr>
           </a:lstStyle>
           <a:p>
+            <a:r>
+              <a:rPr lang="es-ES"/>
+              <a:t>Haga clic en el icono para agregar una imagen</a:t>
+            </a:r>
+            <a:endParaRPr lang="en-US" dirty="0"/>
+          </a:p>
+        </p:txBody>
+      </p:sp>
+      <p:sp>
+        <p:nvSpPr>
+          <p:cNvPr id="4" name="Text Placeholder 3"/>
+          <p:cNvSpPr>
+            <a:spLocks noGrp="1"/>
+          </p:cNvSpPr>
+          <p:nvPr>
+            <p:ph type="body" sz="half" idx="2"/>
+          </p:nvPr>
+        </p:nvSpPr>
+        <p:spPr>
+          <a:xfrm>
+            <a:off x="4722812" y="2777066"/>
+            <a:ext cx="6021388" cy="2048933"/>
+          </a:xfrm>
+        </p:spPr>
+        <p:txBody>
+          <a:bodyPr anchor="t">
+            <a:normAutofit/>
+          </a:bodyPr>
+          <a:lstStyle>
+            <a:lvl1pPr marL="0" indent="0">
+              <a:buNone/>
+              <a:defRPr sz="1800"/>
+            </a:lvl1pPr>
+            <a:lvl2pPr marL="457200" indent="0">
+              <a:buNone/>
+              <a:defRPr sz="1200"/>
+            </a:lvl2pPr>
+            <a:lvl3pPr marL="914400" indent="0">
+              <a:buNone/>
+              <a:defRPr sz="1000"/>
+            </a:lvl3pPr>
+            <a:lvl4pPr marL="1371600" indent="0">
+              <a:buNone/>
+              <a:defRPr sz="900"/>
+            </a:lvl4pPr>
+            <a:lvl5pPr marL="1828800" indent="0">
+              <a:buNone/>
+              <a:defRPr sz="900"/>
+            </a:lvl5pPr>
+            <a:lvl6pPr marL="2286000" indent="0">
+              <a:buNone/>
+              <a:defRPr sz="900"/>
+            </a:lvl6pPr>
+            <a:lvl7pPr marL="2743200" indent="0">
+              <a:buNone/>
+              <a:defRPr sz="900"/>
+            </a:lvl7pPr>
+            <a:lvl8pPr marL="3200400" indent="0">
+              <a:buNone/>
+              <a:defRPr sz="900"/>
+            </a:lvl8pPr>
+            <a:lvl9pPr marL="3657600" indent="0">
+              <a:buNone/>
+              <a:defRPr sz="900"/>
+            </a:lvl9pPr>
+          </a:lstStyle>
+          <a:p>
             <a:pPr lvl="0"/>
             <a:r>
               <a:rPr lang="es-ES"/>
@@ -2662,13 +4413,7 @@
       </p:sp>
       <p:sp>
         <p:nvSpPr>
-          <p:cNvPr id="5" name="Marcador de fecha 4">
-            <a:extLst>
-              <a:ext uri="{FF2B5EF4-FFF2-40B4-BE49-F238E27FC236}">
-                <a16:creationId xmlns:a16="http://schemas.microsoft.com/office/drawing/2014/main" id="{2A5D0249-2C3C-4F17-99E9-4588C980C1C8}"/>
-              </a:ext>
-            </a:extLst>
-          </p:cNvPr>
+          <p:cNvPr id="5" name="Date Placeholder 4"/>
           <p:cNvSpPr>
             <a:spLocks noGrp="1"/>
           </p:cNvSpPr>
@@ -2691,13 +4436,7 @@
       </p:sp>
       <p:sp>
         <p:nvSpPr>
-          <p:cNvPr id="6" name="Marcador de pie de página 5">
-            <a:extLst>
-              <a:ext uri="{FF2B5EF4-FFF2-40B4-BE49-F238E27FC236}">
-                <a16:creationId xmlns:a16="http://schemas.microsoft.com/office/drawing/2014/main" id="{BA752EEB-9425-4F71-AB16-074C17159E9F}"/>
-              </a:ext>
-            </a:extLst>
-          </p:cNvPr>
+          <p:cNvPr id="6" name="Footer Placeholder 5"/>
           <p:cNvSpPr>
             <a:spLocks noGrp="1"/>
           </p:cNvSpPr>
@@ -2716,13 +4455,7 @@
       </p:sp>
       <p:sp>
         <p:nvSpPr>
-          <p:cNvPr id="7" name="Marcador de número de diapositiva 6">
-            <a:extLst>
-              <a:ext uri="{FF2B5EF4-FFF2-40B4-BE49-F238E27FC236}">
-                <a16:creationId xmlns:a16="http://schemas.microsoft.com/office/drawing/2014/main" id="{3508A8B5-4247-4319-AEDD-EB8981951A6F}"/>
-              </a:ext>
-            </a:extLst>
-          </p:cNvPr>
+          <p:cNvPr id="7" name="Slide Number Placeholder 6"/>
           <p:cNvSpPr>
             <a:spLocks noGrp="1"/>
           </p:cNvSpPr>
@@ -2746,7 +4479,7 @@
     </p:spTree>
     <p:extLst>
       <p:ext uri="{BB962C8B-B14F-4D97-AF65-F5344CB8AC3E}">
-        <p14:creationId xmlns:p14="http://schemas.microsoft.com/office/powerpoint/2010/main" val="3348468551"/>
+        <p14:creationId xmlns:p14="http://schemas.microsoft.com/office/powerpoint/2010/main" val="2568496648"/>
       </p:ext>
     </p:extLst>
   </p:cSld>
@@ -2760,8 +4493,8 @@
 <p:sldMaster xmlns:a="http://schemas.openxmlformats.org/drawingml/2006/main" xmlns:r="http://schemas.openxmlformats.org/officeDocument/2006/relationships" xmlns:p="http://schemas.openxmlformats.org/presentationml/2006/main">
   <p:cSld>
     <p:bg>
-      <p:bgRef idx="1001">
-        <a:schemeClr val="bg1"/>
+      <p:bgRef idx="1002">
+        <a:schemeClr val="bg2"/>
       </p:bgRef>
     </p:bg>
     <p:spTree>
@@ -2778,15 +4511,199 @@
           <a:chExt cx="0" cy="0"/>
         </a:xfrm>
       </p:grpSpPr>
-      <p:sp>
-        <p:nvSpPr>
-          <p:cNvPr id="2" name="Marcador de título 1">
-            <a:extLst>
-              <a:ext uri="{FF2B5EF4-FFF2-40B4-BE49-F238E27FC236}">
-                <a16:creationId xmlns:a16="http://schemas.microsoft.com/office/drawing/2014/main" id="{EF2D068F-79A9-4F67-82AD-5D8601E548F4}"/>
-              </a:ext>
-            </a:extLst>
-          </p:cNvPr>
+      <p:grpSp>
+        <p:nvGrpSpPr>
+          <p:cNvPr id="7" name="Group 6"/>
+          <p:cNvGrpSpPr/>
+          <p:nvPr/>
+        </p:nvGrpSpPr>
+        <p:grpSpPr>
+          <a:xfrm>
+            <a:off x="9206969" y="2963333"/>
+            <a:ext cx="2981858" cy="3208867"/>
+            <a:chOff x="9206969" y="2963333"/>
+            <a:chExt cx="2981858" cy="3208867"/>
+          </a:xfrm>
+        </p:grpSpPr>
+        <p:cxnSp>
+          <p:nvCxnSpPr>
+            <p:cNvPr id="8" name="Straight Connector 7"/>
+            <p:cNvCxnSpPr/>
+            <p:nvPr/>
+          </p:nvCxnSpPr>
+          <p:spPr>
+            <a:xfrm flipH="1">
+              <a:off x="11276012" y="2963333"/>
+              <a:ext cx="912814" cy="912812"/>
+            </a:xfrm>
+            <a:prstGeom prst="line">
+              <a:avLst/>
+            </a:prstGeom>
+            <a:ln w="9525">
+              <a:solidFill>
+                <a:schemeClr val="tx1"/>
+              </a:solidFill>
+            </a:ln>
+          </p:spPr>
+          <p:style>
+            <a:lnRef idx="2">
+              <a:schemeClr val="accent1"/>
+            </a:lnRef>
+            <a:fillRef idx="0">
+              <a:schemeClr val="accent1"/>
+            </a:fillRef>
+            <a:effectRef idx="1">
+              <a:schemeClr val="accent1"/>
+            </a:effectRef>
+            <a:fontRef idx="minor">
+              <a:schemeClr val="tx1"/>
+            </a:fontRef>
+          </p:style>
+        </p:cxnSp>
+        <p:cxnSp>
+          <p:nvCxnSpPr>
+            <p:cNvPr id="9" name="Straight Connector 8"/>
+            <p:cNvCxnSpPr/>
+            <p:nvPr/>
+          </p:nvCxnSpPr>
+          <p:spPr>
+            <a:xfrm flipH="1">
+              <a:off x="9206969" y="3190344"/>
+              <a:ext cx="2981857" cy="2981856"/>
+            </a:xfrm>
+            <a:prstGeom prst="line">
+              <a:avLst/>
+            </a:prstGeom>
+            <a:ln w="9525">
+              <a:solidFill>
+                <a:schemeClr val="tx1"/>
+              </a:solidFill>
+            </a:ln>
+          </p:spPr>
+          <p:style>
+            <a:lnRef idx="2">
+              <a:schemeClr val="accent1"/>
+            </a:lnRef>
+            <a:fillRef idx="0">
+              <a:schemeClr val="accent1"/>
+            </a:fillRef>
+            <a:effectRef idx="1">
+              <a:schemeClr val="accent1"/>
+            </a:effectRef>
+            <a:fontRef idx="minor">
+              <a:schemeClr val="tx1"/>
+            </a:fontRef>
+          </p:style>
+        </p:cxnSp>
+        <p:cxnSp>
+          <p:nvCxnSpPr>
+            <p:cNvPr id="10" name="Straight Connector 9"/>
+            <p:cNvCxnSpPr/>
+            <p:nvPr/>
+          </p:nvCxnSpPr>
+          <p:spPr>
+            <a:xfrm flipH="1">
+              <a:off x="10292292" y="3285067"/>
+              <a:ext cx="1896534" cy="1896533"/>
+            </a:xfrm>
+            <a:prstGeom prst="line">
+              <a:avLst/>
+            </a:prstGeom>
+            <a:ln w="9525">
+              <a:solidFill>
+                <a:schemeClr val="tx1"/>
+              </a:solidFill>
+            </a:ln>
+          </p:spPr>
+          <p:style>
+            <a:lnRef idx="2">
+              <a:schemeClr val="accent1"/>
+            </a:lnRef>
+            <a:fillRef idx="0">
+              <a:schemeClr val="accent1"/>
+            </a:fillRef>
+            <a:effectRef idx="1">
+              <a:schemeClr val="accent1"/>
+            </a:effectRef>
+            <a:fontRef idx="minor">
+              <a:schemeClr val="tx1"/>
+            </a:fontRef>
+          </p:style>
+        </p:cxnSp>
+        <p:cxnSp>
+          <p:nvCxnSpPr>
+            <p:cNvPr id="11" name="Straight Connector 10"/>
+            <p:cNvCxnSpPr/>
+            <p:nvPr/>
+          </p:nvCxnSpPr>
+          <p:spPr>
+            <a:xfrm flipH="1">
+              <a:off x="10443103" y="3131080"/>
+              <a:ext cx="1745722" cy="1745720"/>
+            </a:xfrm>
+            <a:prstGeom prst="line">
+              <a:avLst/>
+            </a:prstGeom>
+            <a:ln w="28575">
+              <a:solidFill>
+                <a:schemeClr val="tx1"/>
+              </a:solidFill>
+            </a:ln>
+          </p:spPr>
+          <p:style>
+            <a:lnRef idx="2">
+              <a:schemeClr val="accent1"/>
+            </a:lnRef>
+            <a:fillRef idx="0">
+              <a:schemeClr val="accent1"/>
+            </a:fillRef>
+            <a:effectRef idx="1">
+              <a:schemeClr val="accent1"/>
+            </a:effectRef>
+            <a:fontRef idx="minor">
+              <a:schemeClr val="tx1"/>
+            </a:fontRef>
+          </p:style>
+        </p:cxnSp>
+        <p:cxnSp>
+          <p:nvCxnSpPr>
+            <p:cNvPr id="12" name="Straight Connector 11"/>
+            <p:cNvCxnSpPr/>
+            <p:nvPr/>
+          </p:nvCxnSpPr>
+          <p:spPr>
+            <a:xfrm flipH="1">
+              <a:off x="10918826" y="3683001"/>
+              <a:ext cx="1270001" cy="1269999"/>
+            </a:xfrm>
+            <a:prstGeom prst="line">
+              <a:avLst/>
+            </a:prstGeom>
+            <a:ln w="28575">
+              <a:solidFill>
+                <a:schemeClr val="tx1"/>
+              </a:solidFill>
+            </a:ln>
+          </p:spPr>
+          <p:style>
+            <a:lnRef idx="2">
+              <a:schemeClr val="accent1"/>
+            </a:lnRef>
+            <a:fillRef idx="0">
+              <a:schemeClr val="accent1"/>
+            </a:fillRef>
+            <a:effectRef idx="1">
+              <a:schemeClr val="accent1"/>
+            </a:effectRef>
+            <a:fontRef idx="minor">
+              <a:schemeClr val="tx1"/>
+            </a:fontRef>
+          </p:style>
+        </p:cxnSp>
+      </p:grpSp>
+      <p:sp>
+        <p:nvSpPr>
+          <p:cNvPr id="2" name="Title Placeholder 1"/>
           <p:cNvSpPr>
             <a:spLocks noGrp="1"/>
           </p:cNvSpPr>
@@ -2796,8 +4713,42 @@
         </p:nvSpPr>
         <p:spPr>
           <a:xfrm>
-            <a:off x="838200" y="365125"/>
-            <a:ext cx="10515600" cy="1325563"/>
+            <a:off x="684212" y="4487332"/>
+            <a:ext cx="8534400" cy="1507067"/>
+          </a:xfrm>
+          <a:prstGeom prst="rect">
+            <a:avLst/>
+          </a:prstGeom>
+          <a:effectLst/>
+        </p:spPr>
+        <p:txBody>
+          <a:bodyPr vert="horz" lIns="91440" tIns="45720" rIns="91440" bIns="45720" rtlCol="0" anchor="ctr">
+            <a:normAutofit/>
+          </a:bodyPr>
+          <a:lstStyle/>
+          <a:p>
+            <a:r>
+              <a:rPr lang="es-ES"/>
+              <a:t>Haga clic para modificar el estilo de título del patrón</a:t>
+            </a:r>
+            <a:endParaRPr lang="en-US" dirty="0"/>
+          </a:p>
+        </p:txBody>
+      </p:sp>
+      <p:sp>
+        <p:nvSpPr>
+          <p:cNvPr id="3" name="Text Placeholder 2"/>
+          <p:cNvSpPr>
+            <a:spLocks noGrp="1"/>
+          </p:cNvSpPr>
+          <p:nvPr>
+            <p:ph type="body" idx="1"/>
+          </p:nvPr>
+        </p:nvSpPr>
+        <p:spPr>
+          <a:xfrm>
+            <a:off x="684212" y="685800"/>
+            <a:ext cx="8534400" cy="3615267"/>
           </a:xfrm>
           <a:prstGeom prst="rect">
             <a:avLst/>
@@ -2809,207 +4760,156 @@
           </a:bodyPr>
           <a:lstStyle/>
           <a:p>
-            <a:r>
-              <a:rPr lang="es-ES"/>
-              <a:t>Haga clic para modificar el estilo de título del patrón</a:t>
-            </a:r>
-            <a:endParaRPr lang="es-PE"/>
-          </a:p>
-        </p:txBody>
-      </p:sp>
-      <p:sp>
-        <p:nvSpPr>
-          <p:cNvPr id="3" name="Marcador de texto 2">
-            <a:extLst>
-              <a:ext uri="{FF2B5EF4-FFF2-40B4-BE49-F238E27FC236}">
-                <a16:creationId xmlns:a16="http://schemas.microsoft.com/office/drawing/2014/main" id="{983C0AC6-C342-4039-A3F5-D25CBFA074E0}"/>
-              </a:ext>
-            </a:extLst>
-          </p:cNvPr>
-          <p:cNvSpPr>
-            <a:spLocks noGrp="1"/>
-          </p:cNvSpPr>
-          <p:nvPr>
-            <p:ph type="body" idx="1"/>
+            <a:pPr lvl="0"/>
+            <a:r>
+              <a:rPr lang="es-ES"/>
+              <a:t>Haga clic para modificar los estilos de texto del patrón</a:t>
+            </a:r>
+          </a:p>
+          <a:p>
+            <a:pPr lvl="1"/>
+            <a:r>
+              <a:rPr lang="es-ES"/>
+              <a:t>Segundo nivel</a:t>
+            </a:r>
+          </a:p>
+          <a:p>
+            <a:pPr lvl="2"/>
+            <a:r>
+              <a:rPr lang="es-ES"/>
+              <a:t>Tercer nivel</a:t>
+            </a:r>
+          </a:p>
+          <a:p>
+            <a:pPr lvl="3"/>
+            <a:r>
+              <a:rPr lang="es-ES"/>
+              <a:t>Cuarto nivel</a:t>
+            </a:r>
+          </a:p>
+          <a:p>
+            <a:pPr lvl="4"/>
+            <a:r>
+              <a:rPr lang="es-ES"/>
+              <a:t>Quinto nivel</a:t>
+            </a:r>
+            <a:endParaRPr lang="en-US" dirty="0"/>
+          </a:p>
+        </p:txBody>
+      </p:sp>
+      <p:sp>
+        <p:nvSpPr>
+          <p:cNvPr id="4" name="Date Placeholder 3"/>
+          <p:cNvSpPr>
+            <a:spLocks noGrp="1"/>
+          </p:cNvSpPr>
+          <p:nvPr>
+            <p:ph type="dt" sz="half" idx="2"/>
           </p:nvPr>
         </p:nvSpPr>
         <p:spPr>
           <a:xfrm>
-            <a:off x="838200" y="1825625"/>
-            <a:ext cx="10515600" cy="4351338"/>
+            <a:off x="9904412" y="6172200"/>
+            <a:ext cx="1600200" cy="365125"/>
           </a:xfrm>
           <a:prstGeom prst="rect">
             <a:avLst/>
           </a:prstGeom>
         </p:spPr>
         <p:txBody>
-          <a:bodyPr vert="horz" lIns="91440" tIns="45720" rIns="91440" bIns="45720" rtlCol="0">
-            <a:normAutofit/>
-          </a:bodyPr>
-          <a:lstStyle/>
-          <a:p>
-            <a:pPr lvl="0"/>
-            <a:r>
-              <a:rPr lang="es-ES"/>
-              <a:t>Haga clic para modificar los estilos de texto del patrón</a:t>
-            </a:r>
-          </a:p>
-          <a:p>
-            <a:pPr lvl="1"/>
-            <a:r>
-              <a:rPr lang="es-ES"/>
-              <a:t>Segundo nivel</a:t>
-            </a:r>
-          </a:p>
-          <a:p>
-            <a:pPr lvl="2"/>
-            <a:r>
-              <a:rPr lang="es-ES"/>
-              <a:t>Tercer nivel</a:t>
-            </a:r>
-          </a:p>
-          <a:p>
-            <a:pPr lvl="3"/>
-            <a:r>
-              <a:rPr lang="es-ES"/>
-              <a:t>Cuarto nivel</a:t>
-            </a:r>
-          </a:p>
-          <a:p>
-            <a:pPr lvl="4"/>
-            <a:r>
-              <a:rPr lang="es-ES"/>
-              <a:t>Quinto nivel</a:t>
-            </a:r>
+          <a:bodyPr vert="horz" lIns="91440" tIns="45720" rIns="91440" bIns="45720" rtlCol="0" anchor="t"/>
+          <a:lstStyle>
+            <a:lvl1pPr algn="r">
+              <a:defRPr sz="1000" b="0" i="0">
+                <a:solidFill>
+                  <a:schemeClr val="bg2">
+                    <a:lumMod val="50000"/>
+                  </a:schemeClr>
+                </a:solidFill>
+                <a:effectLst/>
+                <a:latin typeface="+mn-lt"/>
+              </a:defRPr>
+            </a:lvl1pPr>
+          </a:lstStyle>
+          <a:p>
+            <a:fld id="{924F251A-5893-4BF9-8D4A-FA1EC93FA150}" type="datetimeFigureOut">
+              <a:rPr lang="es-PE" smtClean="0"/>
+              <a:t>14/02/2020</a:t>
+            </a:fld>
             <a:endParaRPr lang="es-PE"/>
           </a:p>
         </p:txBody>
       </p:sp>
       <p:sp>
         <p:nvSpPr>
-          <p:cNvPr id="4" name="Marcador de fecha 3">
-            <a:extLst>
-              <a:ext uri="{FF2B5EF4-FFF2-40B4-BE49-F238E27FC236}">
-                <a16:creationId xmlns:a16="http://schemas.microsoft.com/office/drawing/2014/main" id="{231ECBFA-0996-43AF-8881-7564749B7116}"/>
-              </a:ext>
-            </a:extLst>
-          </p:cNvPr>
-          <p:cNvSpPr>
-            <a:spLocks noGrp="1"/>
-          </p:cNvSpPr>
-          <p:nvPr>
-            <p:ph type="dt" sz="half" idx="2"/>
+          <p:cNvPr id="5" name="Footer Placeholder 4"/>
+          <p:cNvSpPr>
+            <a:spLocks noGrp="1"/>
+          </p:cNvSpPr>
+          <p:nvPr>
+            <p:ph type="ftr" sz="quarter" idx="3"/>
           </p:nvPr>
         </p:nvSpPr>
         <p:spPr>
           <a:xfrm>
-            <a:off x="838200" y="6356350"/>
-            <a:ext cx="2743200" cy="365125"/>
+            <a:off x="684212" y="6172200"/>
+            <a:ext cx="7543800" cy="365125"/>
           </a:xfrm>
           <a:prstGeom prst="rect">
             <a:avLst/>
           </a:prstGeom>
         </p:spPr>
         <p:txBody>
-          <a:bodyPr vert="horz" lIns="91440" tIns="45720" rIns="91440" bIns="45720" rtlCol="0" anchor="ctr"/>
+          <a:bodyPr vert="horz" lIns="91440" tIns="45720" rIns="91440" bIns="45720" rtlCol="0" anchor="t"/>
           <a:lstStyle>
             <a:lvl1pPr algn="l">
-              <a:defRPr sz="1200">
-                <a:solidFill>
-                  <a:schemeClr val="tx1">
-                    <a:tint val="75000"/>
-                  </a:schemeClr>
-                </a:solidFill>
+              <a:defRPr sz="1000" b="0" i="0">
+                <a:solidFill>
+                  <a:schemeClr val="bg2">
+                    <a:lumMod val="50000"/>
+                  </a:schemeClr>
+                </a:solidFill>
+                <a:effectLst/>
+                <a:latin typeface="+mn-lt"/>
               </a:defRPr>
             </a:lvl1pPr>
           </a:lstStyle>
           <a:p>
-            <a:fld id="{924F251A-5893-4BF9-8D4A-FA1EC93FA150}" type="datetimeFigureOut">
-              <a:rPr lang="es-PE" smtClean="0"/>
-              <a:t>14/02/2020</a:t>
-            </a:fld>
             <a:endParaRPr lang="es-PE"/>
           </a:p>
         </p:txBody>
       </p:sp>
       <p:sp>
         <p:nvSpPr>
-          <p:cNvPr id="5" name="Marcador de pie de página 4">
-            <a:extLst>
-              <a:ext uri="{FF2B5EF4-FFF2-40B4-BE49-F238E27FC236}">
-                <a16:creationId xmlns:a16="http://schemas.microsoft.com/office/drawing/2014/main" id="{33782EE6-200B-4F85-AA5E-03CB308BDDA1}"/>
-              </a:ext>
-            </a:extLst>
-          </p:cNvPr>
-          <p:cNvSpPr>
-            <a:spLocks noGrp="1"/>
-          </p:cNvSpPr>
-          <p:nvPr>
-            <p:ph type="ftr" sz="quarter" idx="3"/>
+          <p:cNvPr id="6" name="Slide Number Placeholder 5"/>
+          <p:cNvSpPr>
+            <a:spLocks noGrp="1"/>
+          </p:cNvSpPr>
+          <p:nvPr>
+            <p:ph type="sldNum" sz="quarter" idx="4"/>
           </p:nvPr>
         </p:nvSpPr>
         <p:spPr>
           <a:xfrm>
-            <a:off x="4038600" y="6356350"/>
-            <a:ext cx="4114800" cy="365125"/>
+            <a:off x="10363200" y="5578475"/>
+            <a:ext cx="1142245" cy="669925"/>
           </a:xfrm>
           <a:prstGeom prst="rect">
             <a:avLst/>
           </a:prstGeom>
         </p:spPr>
         <p:txBody>
-          <a:bodyPr vert="horz" lIns="91440" tIns="45720" rIns="91440" bIns="45720" rtlCol="0" anchor="ctr"/>
-          <a:lstStyle>
-            <a:lvl1pPr algn="ctr">
-              <a:defRPr sz="1200">
-                <a:solidFill>
-                  <a:schemeClr val="tx1">
-                    <a:tint val="75000"/>
-                  </a:schemeClr>
-                </a:solidFill>
-              </a:defRPr>
-            </a:lvl1pPr>
-          </a:lstStyle>
-          <a:p>
-            <a:endParaRPr lang="es-PE"/>
-          </a:p>
-        </p:txBody>
-      </p:sp>
-      <p:sp>
-        <p:nvSpPr>
-          <p:cNvPr id="6" name="Marcador de número de diapositiva 5">
-            <a:extLst>
-              <a:ext uri="{FF2B5EF4-FFF2-40B4-BE49-F238E27FC236}">
-                <a16:creationId xmlns:a16="http://schemas.microsoft.com/office/drawing/2014/main" id="{2F25260A-8556-4495-8F37-5092AA5C69AA}"/>
-              </a:ext>
-            </a:extLst>
-          </p:cNvPr>
-          <p:cNvSpPr>
-            <a:spLocks noGrp="1"/>
-          </p:cNvSpPr>
-          <p:nvPr>
-            <p:ph type="sldNum" sz="quarter" idx="4"/>
-          </p:nvPr>
-        </p:nvSpPr>
-        <p:spPr>
-          <a:xfrm>
-            <a:off x="8610600" y="6356350"/>
-            <a:ext cx="2743200" cy="365125"/>
-          </a:xfrm>
-          <a:prstGeom prst="rect">
-            <a:avLst/>
-          </a:prstGeom>
-        </p:spPr>
-        <p:txBody>
-          <a:bodyPr vert="horz" lIns="91440" tIns="45720" rIns="91440" bIns="45720" rtlCol="0" anchor="ctr"/>
+          <a:bodyPr vert="horz" lIns="91440" tIns="45720" rIns="91440" bIns="45720" rtlCol="0" anchor="b"/>
           <a:lstStyle>
             <a:lvl1pPr algn="r">
-              <a:defRPr sz="1200">
-                <a:solidFill>
-                  <a:schemeClr val="tx1">
-                    <a:tint val="75000"/>
-                  </a:schemeClr>
-                </a:solidFill>
+              <a:defRPr sz="3200" b="0" i="0">
+                <a:solidFill>
+                  <a:schemeClr val="bg2">
+                    <a:lumMod val="50000"/>
+                  </a:schemeClr>
+                </a:solidFill>
+                <a:effectLst/>
+                <a:latin typeface="+mn-lt"/>
               </a:defRPr>
             </a:lvl1pPr>
           </a:lstStyle>
@@ -3025,55 +4925,340 @@
     </p:spTree>
     <p:extLst>
       <p:ext uri="{BB962C8B-B14F-4D97-AF65-F5344CB8AC3E}">
-        <p14:creationId xmlns:p14="http://schemas.microsoft.com/office/powerpoint/2010/main" val="3712760752"/>
+        <p14:creationId xmlns:p14="http://schemas.microsoft.com/office/powerpoint/2010/main" val="2495255885"/>
       </p:ext>
     </p:extLst>
   </p:cSld>
-  <p:clrMap bg1="lt1" tx1="dk1" bg2="lt2" tx2="dk2" accent1="accent1" accent2="accent2" accent3="accent3" accent4="accent4" accent5="accent5" accent6="accent6" hlink="hlink" folHlink="folHlink"/>
+  <p:clrMap bg1="dk1" tx1="lt1" bg2="dk2" tx2="lt2" accent1="accent1" accent2="accent2" accent3="accent3" accent4="accent4" accent5="accent5" accent6="accent6" hlink="hlink" folHlink="folHlink"/>
   <p:sldLayoutIdLst>
-    <p:sldLayoutId id="2147483649" r:id="rId1"/>
-    <p:sldLayoutId id="2147483650" r:id="rId2"/>
-    <p:sldLayoutId id="2147483651" r:id="rId3"/>
-    <p:sldLayoutId id="2147483652" r:id="rId4"/>
-    <p:sldLayoutId id="2147483653" r:id="rId5"/>
-    <p:sldLayoutId id="2147483654" r:id="rId6"/>
-    <p:sldLayoutId id="2147483655" r:id="rId7"/>
-    <p:sldLayoutId id="2147483656" r:id="rId8"/>
-    <p:sldLayoutId id="2147483657" r:id="rId9"/>
-    <p:sldLayoutId id="2147483658" r:id="rId10"/>
-    <p:sldLayoutId id="2147483659" r:id="rId11"/>
+    <p:sldLayoutId id="2147483661" r:id="rId1"/>
+    <p:sldLayoutId id="2147483662" r:id="rId2"/>
+    <p:sldLayoutId id="2147483663" r:id="rId3"/>
+    <p:sldLayoutId id="2147483664" r:id="rId4"/>
+    <p:sldLayoutId id="2147483665" r:id="rId5"/>
+    <p:sldLayoutId id="2147483666" r:id="rId6"/>
+    <p:sldLayoutId id="2147483667" r:id="rId7"/>
+    <p:sldLayoutId id="2147483668" r:id="rId8"/>
+    <p:sldLayoutId id="2147483669" r:id="rId9"/>
+    <p:sldLayoutId id="2147483670" r:id="rId10"/>
+    <p:sldLayoutId id="2147483671" r:id="rId11"/>
+    <p:sldLayoutId id="2147483672" r:id="rId12"/>
+    <p:sldLayoutId id="2147483673" r:id="rId13"/>
+    <p:sldLayoutId id="2147483674" r:id="rId14"/>
+    <p:sldLayoutId id="2147483675" r:id="rId15"/>
+    <p:sldLayoutId id="2147483676" r:id="rId16"/>
+    <p:sldLayoutId id="2147483677" r:id="rId17"/>
   </p:sldLayoutIdLst>
   <p:txStyles>
     <p:titleStyle>
-      <a:lvl1pPr algn="l" defTabSz="914400" rtl="0" eaLnBrk="1" latinLnBrk="0" hangingPunct="1">
-        <a:lnSpc>
-          <a:spcPct val="90000"/>
-        </a:lnSpc>
+      <a:lvl1pPr algn="l" defTabSz="457200" rtl="0" eaLnBrk="1" latinLnBrk="0" hangingPunct="1">
         <a:spcBef>
           <a:spcPct val="0"/>
         </a:spcBef>
         <a:buNone/>
-        <a:defRPr sz="4400" kern="1200">
+        <a:defRPr sz="3600" kern="1200" cap="all">
+          <a:ln w="3175" cmpd="sng">
+            <a:noFill/>
+          </a:ln>
           <a:solidFill>
             <a:schemeClr val="tx1"/>
           </a:solidFill>
+          <a:effectLst/>
           <a:latin typeface="+mj-lt"/>
           <a:ea typeface="+mj-ea"/>
           <a:cs typeface="+mj-cs"/>
         </a:defRPr>
       </a:lvl1pPr>
+      <a:lvl2pPr eaLnBrk="1" hangingPunct="1">
+        <a:defRPr>
+          <a:solidFill>
+            <a:schemeClr val="tx2"/>
+          </a:solidFill>
+        </a:defRPr>
+      </a:lvl2pPr>
+      <a:lvl3pPr eaLnBrk="1" hangingPunct="1">
+        <a:defRPr>
+          <a:solidFill>
+            <a:schemeClr val="tx2"/>
+          </a:solidFill>
+        </a:defRPr>
+      </a:lvl3pPr>
+      <a:lvl4pPr eaLnBrk="1" hangingPunct="1">
+        <a:defRPr>
+          <a:solidFill>
+            <a:schemeClr val="tx2"/>
+          </a:solidFill>
+        </a:defRPr>
+      </a:lvl4pPr>
+      <a:lvl5pPr eaLnBrk="1" hangingPunct="1">
+        <a:defRPr>
+          <a:solidFill>
+            <a:schemeClr val="tx2"/>
+          </a:solidFill>
+        </a:defRPr>
+      </a:lvl5pPr>
+      <a:lvl6pPr eaLnBrk="1" hangingPunct="1">
+        <a:defRPr>
+          <a:solidFill>
+            <a:schemeClr val="tx2"/>
+          </a:solidFill>
+        </a:defRPr>
+      </a:lvl6pPr>
+      <a:lvl7pPr eaLnBrk="1" hangingPunct="1">
+        <a:defRPr>
+          <a:solidFill>
+            <a:schemeClr val="tx2"/>
+          </a:solidFill>
+        </a:defRPr>
+      </a:lvl7pPr>
+      <a:lvl8pPr eaLnBrk="1" hangingPunct="1">
+        <a:defRPr>
+          <a:solidFill>
+            <a:schemeClr val="tx2"/>
+          </a:solidFill>
+        </a:defRPr>
+      </a:lvl8pPr>
+      <a:lvl9pPr eaLnBrk="1" hangingPunct="1">
+        <a:defRPr>
+          <a:solidFill>
+            <a:schemeClr val="tx2"/>
+          </a:solidFill>
+        </a:defRPr>
+      </a:lvl9pPr>
     </p:titleStyle>
     <p:bodyStyle>
-      <a:lvl1pPr marL="228600" indent="-228600" algn="l" defTabSz="914400" rtl="0" eaLnBrk="1" latinLnBrk="0" hangingPunct="1">
-        <a:lnSpc>
-          <a:spcPct val="90000"/>
-        </a:lnSpc>
+      <a:lvl1pPr marL="285750" indent="-285750" algn="l" defTabSz="457200" rtl="0" eaLnBrk="1" latinLnBrk="0" hangingPunct="1">
         <a:spcBef>
-          <a:spcPts val="1000"/>
+          <a:spcPct val="20000"/>
         </a:spcBef>
-        <a:buFont typeface="Arial" panose="020B0604020202020204" pitchFamily="34" charset="0"/>
-        <a:buChar char="•"/>
-        <a:defRPr sz="2800" kern="1200">
+        <a:spcAft>
+          <a:spcPts val="600"/>
+        </a:spcAft>
+        <a:buClr>
+          <a:schemeClr val="tx1"/>
+        </a:buClr>
+        <a:buSzPct val="80000"/>
+        <a:buFont typeface="Wingdings 3" panose="05040102010807070707" pitchFamily="18" charset="2"/>
+        <a:buChar char=""/>
+        <a:defRPr sz="2000" kern="1200" cap="none">
+          <a:solidFill>
+            <a:schemeClr val="bg2">
+              <a:lumMod val="75000"/>
+            </a:schemeClr>
+          </a:solidFill>
+          <a:effectLst/>
+          <a:latin typeface="+mn-lt"/>
+          <a:ea typeface="+mn-ea"/>
+          <a:cs typeface="+mn-cs"/>
+        </a:defRPr>
+      </a:lvl1pPr>
+      <a:lvl2pPr marL="742950" indent="-285750" algn="l" defTabSz="457200" rtl="0" eaLnBrk="1" latinLnBrk="0" hangingPunct="1">
+        <a:spcBef>
+          <a:spcPct val="20000"/>
+        </a:spcBef>
+        <a:spcAft>
+          <a:spcPts val="600"/>
+        </a:spcAft>
+        <a:buClr>
+          <a:schemeClr val="tx1"/>
+        </a:buClr>
+        <a:buSzPct val="80000"/>
+        <a:buFont typeface="Wingdings 3" panose="05040102010807070707" pitchFamily="18" charset="2"/>
+        <a:buChar char=""/>
+        <a:defRPr sz="1800" kern="1200" cap="none">
+          <a:solidFill>
+            <a:schemeClr val="bg2">
+              <a:lumMod val="75000"/>
+            </a:schemeClr>
+          </a:solidFill>
+          <a:effectLst/>
+          <a:latin typeface="+mn-lt"/>
+          <a:ea typeface="+mn-ea"/>
+          <a:cs typeface="+mn-cs"/>
+        </a:defRPr>
+      </a:lvl2pPr>
+      <a:lvl3pPr marL="1200150" indent="-285750" algn="l" defTabSz="457200" rtl="0" eaLnBrk="1" latinLnBrk="0" hangingPunct="1">
+        <a:spcBef>
+          <a:spcPct val="20000"/>
+        </a:spcBef>
+        <a:spcAft>
+          <a:spcPts val="600"/>
+        </a:spcAft>
+        <a:buClr>
+          <a:schemeClr val="tx1"/>
+        </a:buClr>
+        <a:buSzPct val="80000"/>
+        <a:buFont typeface="Wingdings 3" panose="05040102010807070707" pitchFamily="18" charset="2"/>
+        <a:buChar char=""/>
+        <a:defRPr sz="1600" kern="1200" cap="none">
+          <a:solidFill>
+            <a:schemeClr val="bg2">
+              <a:lumMod val="75000"/>
+            </a:schemeClr>
+          </a:solidFill>
+          <a:effectLst/>
+          <a:latin typeface="+mn-lt"/>
+          <a:ea typeface="+mn-ea"/>
+          <a:cs typeface="+mn-cs"/>
+        </a:defRPr>
+      </a:lvl3pPr>
+      <a:lvl4pPr marL="1543050" indent="-171450" algn="l" defTabSz="457200" rtl="0" eaLnBrk="1" latinLnBrk="0" hangingPunct="1">
+        <a:spcBef>
+          <a:spcPct val="20000"/>
+        </a:spcBef>
+        <a:spcAft>
+          <a:spcPts val="600"/>
+        </a:spcAft>
+        <a:buClr>
+          <a:schemeClr val="tx1"/>
+        </a:buClr>
+        <a:buSzPct val="80000"/>
+        <a:buFont typeface="Wingdings 3" panose="05040102010807070707" pitchFamily="18" charset="2"/>
+        <a:buChar char=""/>
+        <a:defRPr sz="1400" kern="1200" cap="none">
+          <a:solidFill>
+            <a:schemeClr val="bg2">
+              <a:lumMod val="75000"/>
+            </a:schemeClr>
+          </a:solidFill>
+          <a:effectLst/>
+          <a:latin typeface="+mn-lt"/>
+          <a:ea typeface="+mn-ea"/>
+          <a:cs typeface="+mn-cs"/>
+        </a:defRPr>
+      </a:lvl4pPr>
+      <a:lvl5pPr marL="2000250" indent="-171450" algn="l" defTabSz="457200" rtl="0" eaLnBrk="1" latinLnBrk="0" hangingPunct="1">
+        <a:spcBef>
+          <a:spcPct val="20000"/>
+        </a:spcBef>
+        <a:spcAft>
+          <a:spcPts val="600"/>
+        </a:spcAft>
+        <a:buClr>
+          <a:schemeClr val="tx1"/>
+        </a:buClr>
+        <a:buSzPct val="80000"/>
+        <a:buFont typeface="Wingdings 3" panose="05040102010807070707" pitchFamily="18" charset="2"/>
+        <a:buChar char=""/>
+        <a:defRPr sz="1400" kern="1200" cap="none">
+          <a:solidFill>
+            <a:schemeClr val="bg2">
+              <a:lumMod val="75000"/>
+            </a:schemeClr>
+          </a:solidFill>
+          <a:effectLst/>
+          <a:latin typeface="+mn-lt"/>
+          <a:ea typeface="+mn-ea"/>
+          <a:cs typeface="+mn-cs"/>
+        </a:defRPr>
+      </a:lvl5pPr>
+      <a:lvl6pPr marL="2514600" indent="-228600" algn="l" defTabSz="457200" rtl="0" eaLnBrk="1" latinLnBrk="0" hangingPunct="1">
+        <a:spcBef>
+          <a:spcPct val="20000"/>
+        </a:spcBef>
+        <a:spcAft>
+          <a:spcPts val="600"/>
+        </a:spcAft>
+        <a:buClr>
+          <a:schemeClr val="tx1"/>
+        </a:buClr>
+        <a:buSzPct val="80000"/>
+        <a:buFont typeface="Wingdings 3" panose="05040102010807070707" pitchFamily="18" charset="2"/>
+        <a:buChar char=""/>
+        <a:defRPr sz="1400" kern="1200" cap="none">
+          <a:solidFill>
+            <a:schemeClr val="bg2">
+              <a:lumMod val="75000"/>
+            </a:schemeClr>
+          </a:solidFill>
+          <a:effectLst/>
+          <a:latin typeface="+mn-lt"/>
+          <a:ea typeface="+mn-ea"/>
+          <a:cs typeface="+mn-cs"/>
+        </a:defRPr>
+      </a:lvl6pPr>
+      <a:lvl7pPr marL="2971800" indent="-228600" algn="l" defTabSz="457200" rtl="0" eaLnBrk="1" latinLnBrk="0" hangingPunct="1">
+        <a:spcBef>
+          <a:spcPct val="20000"/>
+        </a:spcBef>
+        <a:spcAft>
+          <a:spcPts val="600"/>
+        </a:spcAft>
+        <a:buClr>
+          <a:schemeClr val="tx1"/>
+        </a:buClr>
+        <a:buSzPct val="80000"/>
+        <a:buFont typeface="Wingdings 3" panose="05040102010807070707" pitchFamily="18" charset="2"/>
+        <a:buChar char=""/>
+        <a:defRPr sz="1400" kern="1200" cap="none">
+          <a:solidFill>
+            <a:schemeClr val="bg2">
+              <a:lumMod val="75000"/>
+            </a:schemeClr>
+          </a:solidFill>
+          <a:effectLst/>
+          <a:latin typeface="+mn-lt"/>
+          <a:ea typeface="+mn-ea"/>
+          <a:cs typeface="+mn-cs"/>
+        </a:defRPr>
+      </a:lvl7pPr>
+      <a:lvl8pPr marL="3429000" indent="-228600" algn="l" defTabSz="457200" rtl="0" eaLnBrk="1" latinLnBrk="0" hangingPunct="1">
+        <a:spcBef>
+          <a:spcPct val="20000"/>
+        </a:spcBef>
+        <a:spcAft>
+          <a:spcPts val="600"/>
+        </a:spcAft>
+        <a:buClr>
+          <a:schemeClr val="tx1"/>
+        </a:buClr>
+        <a:buSzPct val="80000"/>
+        <a:buFont typeface="Wingdings 3" panose="05040102010807070707" pitchFamily="18" charset="2"/>
+        <a:buChar char=""/>
+        <a:defRPr sz="1400" kern="1200" cap="none">
+          <a:solidFill>
+            <a:schemeClr val="bg2">
+              <a:lumMod val="75000"/>
+            </a:schemeClr>
+          </a:solidFill>
+          <a:effectLst/>
+          <a:latin typeface="+mn-lt"/>
+          <a:ea typeface="+mn-ea"/>
+          <a:cs typeface="+mn-cs"/>
+        </a:defRPr>
+      </a:lvl8pPr>
+      <a:lvl9pPr marL="3886200" indent="-228600" algn="l" defTabSz="457200" rtl="0" eaLnBrk="1" latinLnBrk="0" hangingPunct="1">
+        <a:spcBef>
+          <a:spcPct val="20000"/>
+        </a:spcBef>
+        <a:spcAft>
+          <a:spcPts val="600"/>
+        </a:spcAft>
+        <a:buClr>
+          <a:schemeClr val="tx1"/>
+        </a:buClr>
+        <a:buSzPct val="80000"/>
+        <a:buFont typeface="Wingdings 3" panose="05040102010807070707" pitchFamily="18" charset="2"/>
+        <a:buChar char=""/>
+        <a:defRPr sz="1400" kern="1200" cap="none">
+          <a:solidFill>
+            <a:schemeClr val="bg2">
+              <a:lumMod val="75000"/>
+            </a:schemeClr>
+          </a:solidFill>
+          <a:effectLst/>
+          <a:latin typeface="+mn-lt"/>
+          <a:ea typeface="+mn-ea"/>
+          <a:cs typeface="+mn-cs"/>
+        </a:defRPr>
+      </a:lvl9pPr>
+    </p:bodyStyle>
+    <p:otherStyle>
+      <a:defPPr>
+        <a:defRPr lang="en-US"/>
+      </a:defPPr>
+      <a:lvl1pPr marL="0" algn="l" defTabSz="457200" rtl="0" eaLnBrk="1" latinLnBrk="0" hangingPunct="1">
+        <a:defRPr sz="1800" kern="1200">
           <a:solidFill>
             <a:schemeClr val="tx1"/>
           </a:solidFill>
@@ -3082,16 +5267,8 @@
           <a:cs typeface="+mn-cs"/>
         </a:defRPr>
       </a:lvl1pPr>
-      <a:lvl2pPr marL="685800" indent="-228600" algn="l" defTabSz="914400" rtl="0" eaLnBrk="1" latinLnBrk="0" hangingPunct="1">
-        <a:lnSpc>
-          <a:spcPct val="90000"/>
-        </a:lnSpc>
-        <a:spcBef>
-          <a:spcPts val="500"/>
-        </a:spcBef>
-        <a:buFont typeface="Arial" panose="020B0604020202020204" pitchFamily="34" charset="0"/>
-        <a:buChar char="•"/>
-        <a:defRPr sz="2400" kern="1200">
+      <a:lvl2pPr marL="457200" algn="l" defTabSz="457200" rtl="0" eaLnBrk="1" latinLnBrk="0" hangingPunct="1">
+        <a:defRPr sz="1800" kern="1200">
           <a:solidFill>
             <a:schemeClr val="tx1"/>
           </a:solidFill>
@@ -3100,16 +5277,8 @@
           <a:cs typeface="+mn-cs"/>
         </a:defRPr>
       </a:lvl2pPr>
-      <a:lvl3pPr marL="1143000" indent="-228600" algn="l" defTabSz="914400" rtl="0" eaLnBrk="1" latinLnBrk="0" hangingPunct="1">
-        <a:lnSpc>
-          <a:spcPct val="90000"/>
-        </a:lnSpc>
-        <a:spcBef>
-          <a:spcPts val="500"/>
-        </a:spcBef>
-        <a:buFont typeface="Arial" panose="020B0604020202020204" pitchFamily="34" charset="0"/>
-        <a:buChar char="•"/>
-        <a:defRPr sz="2000" kern="1200">
+      <a:lvl3pPr marL="914400" algn="l" defTabSz="457200" rtl="0" eaLnBrk="1" latinLnBrk="0" hangingPunct="1">
+        <a:defRPr sz="1800" kern="1200">
           <a:solidFill>
             <a:schemeClr val="tx1"/>
           </a:solidFill>
@@ -3118,15 +5287,7 @@
           <a:cs typeface="+mn-cs"/>
         </a:defRPr>
       </a:lvl3pPr>
-      <a:lvl4pPr marL="1600200" indent="-228600" algn="l" defTabSz="914400" rtl="0" eaLnBrk="1" latinLnBrk="0" hangingPunct="1">
-        <a:lnSpc>
-          <a:spcPct val="90000"/>
-        </a:lnSpc>
-        <a:spcBef>
-          <a:spcPts val="500"/>
-        </a:spcBef>
-        <a:buFont typeface="Arial" panose="020B0604020202020204" pitchFamily="34" charset="0"/>
-        <a:buChar char="•"/>
+      <a:lvl4pPr marL="1371600" algn="l" defTabSz="457200" rtl="0" eaLnBrk="1" latinLnBrk="0" hangingPunct="1">
         <a:defRPr sz="1800" kern="1200">
           <a:solidFill>
             <a:schemeClr val="tx1"/>
@@ -3136,15 +5297,7 @@
           <a:cs typeface="+mn-cs"/>
         </a:defRPr>
       </a:lvl4pPr>
-      <a:lvl5pPr marL="2057400" indent="-228600" algn="l" defTabSz="914400" rtl="0" eaLnBrk="1" latinLnBrk="0" hangingPunct="1">
-        <a:lnSpc>
-          <a:spcPct val="90000"/>
-        </a:lnSpc>
-        <a:spcBef>
-          <a:spcPts val="500"/>
-        </a:spcBef>
-        <a:buFont typeface="Arial" panose="020B0604020202020204" pitchFamily="34" charset="0"/>
-        <a:buChar char="•"/>
+      <a:lvl5pPr marL="1828800" algn="l" defTabSz="457200" rtl="0" eaLnBrk="1" latinLnBrk="0" hangingPunct="1">
         <a:defRPr sz="1800" kern="1200">
           <a:solidFill>
             <a:schemeClr val="tx1"/>
@@ -3154,15 +5307,7 @@
           <a:cs typeface="+mn-cs"/>
         </a:defRPr>
       </a:lvl5pPr>
-      <a:lvl6pPr marL="2514600" indent="-228600" algn="l" defTabSz="914400" rtl="0" eaLnBrk="1" latinLnBrk="0" hangingPunct="1">
-        <a:lnSpc>
-          <a:spcPct val="90000"/>
-        </a:lnSpc>
-        <a:spcBef>
-          <a:spcPts val="500"/>
-        </a:spcBef>
-        <a:buFont typeface="Arial" panose="020B0604020202020204" pitchFamily="34" charset="0"/>
-        <a:buChar char="•"/>
+      <a:lvl6pPr marL="2286000" algn="l" defTabSz="457200" rtl="0" eaLnBrk="1" latinLnBrk="0" hangingPunct="1">
         <a:defRPr sz="1800" kern="1200">
           <a:solidFill>
             <a:schemeClr val="tx1"/>
@@ -3172,15 +5317,7 @@
           <a:cs typeface="+mn-cs"/>
         </a:defRPr>
       </a:lvl6pPr>
-      <a:lvl7pPr marL="2971800" indent="-228600" algn="l" defTabSz="914400" rtl="0" eaLnBrk="1" latinLnBrk="0" hangingPunct="1">
-        <a:lnSpc>
-          <a:spcPct val="90000"/>
-        </a:lnSpc>
-        <a:spcBef>
-          <a:spcPts val="500"/>
-        </a:spcBef>
-        <a:buFont typeface="Arial" panose="020B0604020202020204" pitchFamily="34" charset="0"/>
-        <a:buChar char="•"/>
+      <a:lvl7pPr marL="2743200" algn="l" defTabSz="457200" rtl="0" eaLnBrk="1" latinLnBrk="0" hangingPunct="1">
         <a:defRPr sz="1800" kern="1200">
           <a:solidFill>
             <a:schemeClr val="tx1"/>
@@ -3190,15 +5327,7 @@
           <a:cs typeface="+mn-cs"/>
         </a:defRPr>
       </a:lvl7pPr>
-      <a:lvl8pPr marL="3429000" indent="-228600" algn="l" defTabSz="914400" rtl="0" eaLnBrk="1" latinLnBrk="0" hangingPunct="1">
-        <a:lnSpc>
-          <a:spcPct val="90000"/>
-        </a:lnSpc>
-        <a:spcBef>
-          <a:spcPts val="500"/>
-        </a:spcBef>
-        <a:buFont typeface="Arial" panose="020B0604020202020204" pitchFamily="34" charset="0"/>
-        <a:buChar char="•"/>
+      <a:lvl8pPr marL="3200400" algn="l" defTabSz="457200" rtl="0" eaLnBrk="1" latinLnBrk="0" hangingPunct="1">
         <a:defRPr sz="1800" kern="1200">
           <a:solidFill>
             <a:schemeClr val="tx1"/>
@@ -3208,110 +5337,7 @@
           <a:cs typeface="+mn-cs"/>
         </a:defRPr>
       </a:lvl8pPr>
-      <a:lvl9pPr marL="3886200" indent="-228600" algn="l" defTabSz="914400" rtl="0" eaLnBrk="1" latinLnBrk="0" hangingPunct="1">
-        <a:lnSpc>
-          <a:spcPct val="90000"/>
-        </a:lnSpc>
-        <a:spcBef>
-          <a:spcPts val="500"/>
-        </a:spcBef>
-        <a:buFont typeface="Arial" panose="020B0604020202020204" pitchFamily="34" charset="0"/>
-        <a:buChar char="•"/>
-        <a:defRPr sz="1800" kern="1200">
-          <a:solidFill>
-            <a:schemeClr val="tx1"/>
-          </a:solidFill>
-          <a:latin typeface="+mn-lt"/>
-          <a:ea typeface="+mn-ea"/>
-          <a:cs typeface="+mn-cs"/>
-        </a:defRPr>
-      </a:lvl9pPr>
-    </p:bodyStyle>
-    <p:otherStyle>
-      <a:defPPr>
-        <a:defRPr lang="es-PE"/>
-      </a:defPPr>
-      <a:lvl1pPr marL="0" algn="l" defTabSz="914400" rtl="0" eaLnBrk="1" latinLnBrk="0" hangingPunct="1">
-        <a:defRPr sz="1800" kern="1200">
-          <a:solidFill>
-            <a:schemeClr val="tx1"/>
-          </a:solidFill>
-          <a:latin typeface="+mn-lt"/>
-          <a:ea typeface="+mn-ea"/>
-          <a:cs typeface="+mn-cs"/>
-        </a:defRPr>
-      </a:lvl1pPr>
-      <a:lvl2pPr marL="457200" algn="l" defTabSz="914400" rtl="0" eaLnBrk="1" latinLnBrk="0" hangingPunct="1">
-        <a:defRPr sz="1800" kern="1200">
-          <a:solidFill>
-            <a:schemeClr val="tx1"/>
-          </a:solidFill>
-          <a:latin typeface="+mn-lt"/>
-          <a:ea typeface="+mn-ea"/>
-          <a:cs typeface="+mn-cs"/>
-        </a:defRPr>
-      </a:lvl2pPr>
-      <a:lvl3pPr marL="914400" algn="l" defTabSz="914400" rtl="0" eaLnBrk="1" latinLnBrk="0" hangingPunct="1">
-        <a:defRPr sz="1800" kern="1200">
-          <a:solidFill>
-            <a:schemeClr val="tx1"/>
-          </a:solidFill>
-          <a:latin typeface="+mn-lt"/>
-          <a:ea typeface="+mn-ea"/>
-          <a:cs typeface="+mn-cs"/>
-        </a:defRPr>
-      </a:lvl3pPr>
-      <a:lvl4pPr marL="1371600" algn="l" defTabSz="914400" rtl="0" eaLnBrk="1" latinLnBrk="0" hangingPunct="1">
-        <a:defRPr sz="1800" kern="1200">
-          <a:solidFill>
-            <a:schemeClr val="tx1"/>
-          </a:solidFill>
-          <a:latin typeface="+mn-lt"/>
-          <a:ea typeface="+mn-ea"/>
-          <a:cs typeface="+mn-cs"/>
-        </a:defRPr>
-      </a:lvl4pPr>
-      <a:lvl5pPr marL="1828800" algn="l" defTabSz="914400" rtl="0" eaLnBrk="1" latinLnBrk="0" hangingPunct="1">
-        <a:defRPr sz="1800" kern="1200">
-          <a:solidFill>
-            <a:schemeClr val="tx1"/>
-          </a:solidFill>
-          <a:latin typeface="+mn-lt"/>
-          <a:ea typeface="+mn-ea"/>
-          <a:cs typeface="+mn-cs"/>
-        </a:defRPr>
-      </a:lvl5pPr>
-      <a:lvl6pPr marL="2286000" algn="l" defTabSz="914400" rtl="0" eaLnBrk="1" latinLnBrk="0" hangingPunct="1">
-        <a:defRPr sz="1800" kern="1200">
-          <a:solidFill>
-            <a:schemeClr val="tx1"/>
-          </a:solidFill>
-          <a:latin typeface="+mn-lt"/>
-          <a:ea typeface="+mn-ea"/>
-          <a:cs typeface="+mn-cs"/>
-        </a:defRPr>
-      </a:lvl6pPr>
-      <a:lvl7pPr marL="2743200" algn="l" defTabSz="914400" rtl="0" eaLnBrk="1" latinLnBrk="0" hangingPunct="1">
-        <a:defRPr sz="1800" kern="1200">
-          <a:solidFill>
-            <a:schemeClr val="tx1"/>
-          </a:solidFill>
-          <a:latin typeface="+mn-lt"/>
-          <a:ea typeface="+mn-ea"/>
-          <a:cs typeface="+mn-cs"/>
-        </a:defRPr>
-      </a:lvl7pPr>
-      <a:lvl8pPr marL="3200400" algn="l" defTabSz="914400" rtl="0" eaLnBrk="1" latinLnBrk="0" hangingPunct="1">
-        <a:defRPr sz="1800" kern="1200">
-          <a:solidFill>
-            <a:schemeClr val="tx1"/>
-          </a:solidFill>
-          <a:latin typeface="+mn-lt"/>
-          <a:ea typeface="+mn-ea"/>
-          <a:cs typeface="+mn-cs"/>
-        </a:defRPr>
-      </a:lvl8pPr>
-      <a:lvl9pPr marL="3657600" algn="l" defTabSz="914400" rtl="0" eaLnBrk="1" latinLnBrk="0" hangingPunct="1">
+      <a:lvl9pPr marL="3657600" algn="l" defTabSz="457200" rtl="0" eaLnBrk="1" latinLnBrk="0" hangingPunct="1">
         <a:defRPr sz="1800" kern="1200">
           <a:solidFill>
             <a:schemeClr val="tx1"/>
@@ -3508,9 +5534,9 @@
 </file>
 
 <file path=ppt/theme/theme1.xml><?xml version="1.0" encoding="utf-8"?>
-<a:theme xmlns:a="http://schemas.openxmlformats.org/drawingml/2006/main" name="Tema de Office">
+<a:theme xmlns:a="http://schemas.openxmlformats.org/drawingml/2006/main" name="Sector">
   <a:themeElements>
-    <a:clrScheme name="Office">
+    <a:clrScheme name="Sector">
       <a:dk1>
         <a:sysClr val="windowText" lastClr="000000"/>
       </a:dk1>
@@ -3518,100 +5544,48 @@
         <a:sysClr val="window" lastClr="FFFFFF"/>
       </a:lt1>
       <a:dk2>
-        <a:srgbClr val="44546A"/>
+        <a:srgbClr val="146194"/>
       </a:dk2>
       <a:lt2>
-        <a:srgbClr val="E7E6E6"/>
+        <a:srgbClr val="76DBF4"/>
       </a:lt2>
       <a:accent1>
-        <a:srgbClr val="4472C4"/>
+        <a:srgbClr val="052F61"/>
       </a:accent1>
       <a:accent2>
-        <a:srgbClr val="ED7D31"/>
+        <a:srgbClr val="A50E82"/>
       </a:accent2>
       <a:accent3>
-        <a:srgbClr val="A5A5A5"/>
+        <a:srgbClr val="14967C"/>
       </a:accent3>
       <a:accent4>
-        <a:srgbClr val="FFC000"/>
+        <a:srgbClr val="6A9E1F"/>
       </a:accent4>
       <a:accent5>
-        <a:srgbClr val="5B9BD5"/>
+        <a:srgbClr val="E87D37"/>
       </a:accent5>
       <a:accent6>
-        <a:srgbClr val="70AD47"/>
+        <a:srgbClr val="C62324"/>
       </a:accent6>
       <a:hlink>
-        <a:srgbClr val="0563C1"/>
+        <a:srgbClr val="0D2E46"/>
       </a:hlink>
       <a:folHlink>
-        <a:srgbClr val="954F72"/>
+        <a:srgbClr val="356A95"/>
       </a:folHlink>
     </a:clrScheme>
-    <a:fontScheme name="Office">
+    <a:fontScheme name="Sector">
       <a:majorFont>
-        <a:latin typeface="Calibri Light" panose="020F0302020204030204"/>
+        <a:latin typeface="Century Gothic" panose="020B0502020202020204"/>
         <a:ea typeface=""/>
         <a:cs typeface=""/>
-        <a:font script="Jpan" typeface="游ゴシック Light"/>
-        <a:font script="Hang" typeface="맑은 고딕"/>
-        <a:font script="Hans" typeface="等线 Light"/>
-        <a:font script="Hant" typeface="新細明體"/>
-        <a:font script="Arab" typeface="Times New Roman"/>
-        <a:font script="Hebr" typeface="Times New Roman"/>
-        <a:font script="Thai" typeface="Angsana New"/>
-        <a:font script="Ethi" typeface="Nyala"/>
-        <a:font script="Beng" typeface="Vrinda"/>
-        <a:font script="Gujr" typeface="Shruti"/>
-        <a:font script="Khmr" typeface="MoolBoran"/>
-        <a:font script="Knda" typeface="Tunga"/>
-        <a:font script="Guru" typeface="Raavi"/>
-        <a:font script="Cans" typeface="Euphemia"/>
-        <a:font script="Cher" typeface="Plantagenet Cherokee"/>
-        <a:font script="Yiii" typeface="Microsoft Yi Baiti"/>
-        <a:font script="Tibt" typeface="Microsoft Himalaya"/>
-        <a:font script="Thaa" typeface="MV Boli"/>
-        <a:font script="Deva" typeface="Mangal"/>
-        <a:font script="Telu" typeface="Gautami"/>
-        <a:font script="Taml" typeface="Latha"/>
-        <a:font script="Syrc" typeface="Estrangelo Edessa"/>
-        <a:font script="Orya" typeface="Kalinga"/>
-        <a:font script="Mlym" typeface="Kartika"/>
-        <a:font script="Laoo" typeface="DokChampa"/>
-        <a:font script="Sinh" typeface="Iskoola Pota"/>
-        <a:font script="Mong" typeface="Mongolian Baiti"/>
-        <a:font script="Viet" typeface="Times New Roman"/>
-        <a:font script="Uigh" typeface="Microsoft Uighur"/>
-        <a:font script="Geor" typeface="Sylfaen"/>
-        <a:font script="Armn" typeface="Arial"/>
-        <a:font script="Bugi" typeface="Leelawadee UI"/>
-        <a:font script="Bopo" typeface="Microsoft JhengHei"/>
-        <a:font script="Java" typeface="Javanese Text"/>
-        <a:font script="Lisu" typeface="Segoe UI"/>
-        <a:font script="Mymr" typeface="Myanmar Text"/>
-        <a:font script="Nkoo" typeface="Ebrima"/>
-        <a:font script="Olck" typeface="Nirmala UI"/>
-        <a:font script="Osma" typeface="Ebrima"/>
-        <a:font script="Phag" typeface="Phagspa"/>
-        <a:font script="Syrn" typeface="Estrangelo Edessa"/>
-        <a:font script="Syrj" typeface="Estrangelo Edessa"/>
-        <a:font script="Syre" typeface="Estrangelo Edessa"/>
-        <a:font script="Sora" typeface="Nirmala UI"/>
-        <a:font script="Tale" typeface="Microsoft Tai Le"/>
-        <a:font script="Talu" typeface="Microsoft New Tai Lue"/>
-        <a:font script="Tfng" typeface="Ebrima"/>
-      </a:majorFont>
-      <a:minorFont>
-        <a:latin typeface="Calibri" panose="020F0502020204030204"/>
-        <a:ea typeface=""/>
-        <a:cs typeface=""/>
-        <a:font script="Jpan" typeface="游ゴシック"/>
-        <a:font script="Hang" typeface="맑은 고딕"/>
-        <a:font script="Hans" typeface="等线"/>
-        <a:font script="Hant" typeface="新細明體"/>
-        <a:font script="Arab" typeface="Arial"/>
-        <a:font script="Hebr" typeface="Arial"/>
-        <a:font script="Thai" typeface="Cordia New"/>
+        <a:font script="Jpan" typeface="メイリオ"/>
+        <a:font script="Hang" typeface="HY중고딕"/>
+        <a:font script="Hans" typeface="幼圆"/>
+        <a:font script="Hant" typeface="微軟正黑體"/>
+        <a:font script="Arab" typeface="Tahoma"/>
+        <a:font script="Hebr" typeface="Gisha"/>
+        <a:font script="Thai" typeface="DilleniaUPC"/>
         <a:font script="Ethi" typeface="Nyala"/>
         <a:font script="Beng" typeface="Vrinda"/>
         <a:font script="Gujr" typeface="Shruti"/>
@@ -3632,29 +5606,47 @@
         <a:font script="Laoo" typeface="DokChampa"/>
         <a:font script="Sinh" typeface="Iskoola Pota"/>
         <a:font script="Mong" typeface="Mongolian Baiti"/>
-        <a:font script="Viet" typeface="Arial"/>
+        <a:font script="Viet" typeface="Tahoma"/>
         <a:font script="Uigh" typeface="Microsoft Uighur"/>
         <a:font script="Geor" typeface="Sylfaen"/>
-        <a:font script="Armn" typeface="Arial"/>
-        <a:font script="Bugi" typeface="Leelawadee UI"/>
-        <a:font script="Bopo" typeface="Microsoft JhengHei"/>
-        <a:font script="Java" typeface="Javanese Text"/>
-        <a:font script="Lisu" typeface="Segoe UI"/>
-        <a:font script="Mymr" typeface="Myanmar Text"/>
-        <a:font script="Nkoo" typeface="Ebrima"/>
-        <a:font script="Olck" typeface="Nirmala UI"/>
-        <a:font script="Osma" typeface="Ebrima"/>
-        <a:font script="Phag" typeface="Phagspa"/>
-        <a:font script="Syrn" typeface="Estrangelo Edessa"/>
-        <a:font script="Syrj" typeface="Estrangelo Edessa"/>
-        <a:font script="Syre" typeface="Estrangelo Edessa"/>
-        <a:font script="Sora" typeface="Nirmala UI"/>
-        <a:font script="Tale" typeface="Microsoft Tai Le"/>
-        <a:font script="Talu" typeface="Microsoft New Tai Lue"/>
-        <a:font script="Tfng" typeface="Ebrima"/>
+      </a:majorFont>
+      <a:minorFont>
+        <a:latin typeface="Century Gothic" panose="020B0502020202020204"/>
+        <a:ea typeface=""/>
+        <a:cs typeface=""/>
+        <a:font script="Jpan" typeface="メイリオ"/>
+        <a:font script="Hang" typeface="HY중고딕"/>
+        <a:font script="Hans" typeface="幼圆"/>
+        <a:font script="Hant" typeface="微軟正黑體"/>
+        <a:font script="Arab" typeface="Tahoma"/>
+        <a:font script="Hebr" typeface="Gisha"/>
+        <a:font script="Thai" typeface="DilleniaUPC"/>
+        <a:font script="Ethi" typeface="Nyala"/>
+        <a:font script="Beng" typeface="Vrinda"/>
+        <a:font script="Gujr" typeface="Shruti"/>
+        <a:font script="Khmr" typeface="DaunPenh"/>
+        <a:font script="Knda" typeface="Tunga"/>
+        <a:font script="Guru" typeface="Raavi"/>
+        <a:font script="Cans" typeface="Euphemia"/>
+        <a:font script="Cher" typeface="Plantagenet Cherokee"/>
+        <a:font script="Yiii" typeface="Microsoft Yi Baiti"/>
+        <a:font script="Tibt" typeface="Microsoft Himalaya"/>
+        <a:font script="Thaa" typeface="MV Boli"/>
+        <a:font script="Deva" typeface="Mangal"/>
+        <a:font script="Telu" typeface="Gautami"/>
+        <a:font script="Taml" typeface="Latha"/>
+        <a:font script="Syrc" typeface="Estrangelo Edessa"/>
+        <a:font script="Orya" typeface="Kalinga"/>
+        <a:font script="Mlym" typeface="Kartika"/>
+        <a:font script="Laoo" typeface="DokChampa"/>
+        <a:font script="Sinh" typeface="Iskoola Pota"/>
+        <a:font script="Mong" typeface="Mongolian Baiti"/>
+        <a:font script="Viet" typeface="Tahoma"/>
+        <a:font script="Uigh" typeface="Microsoft Uighur"/>
+        <a:font script="Geor" typeface="Sylfaen"/>
       </a:minorFont>
     </a:fontScheme>
-    <a:fmtScheme name="Office">
+    <a:fmtScheme name="Sector">
       <a:fillStyleLst>
         <a:solidFill>
           <a:schemeClr val="phClr"/>
@@ -3663,23 +5655,16 @@
           <a:gsLst>
             <a:gs pos="0">
               <a:schemeClr val="phClr">
+                <a:tint val="62000"/>
+                <a:hueMod val="94000"/>
+                <a:satMod val="140000"/>
                 <a:lumMod val="110000"/>
-                <a:satMod val="105000"/>
-                <a:tint val="67000"/>
-              </a:schemeClr>
-            </a:gs>
-            <a:gs pos="50000">
-              <a:schemeClr val="phClr">
-                <a:lumMod val="105000"/>
-                <a:satMod val="103000"/>
-                <a:tint val="73000"/>
               </a:schemeClr>
             </a:gs>
             <a:gs pos="100000">
               <a:schemeClr val="phClr">
-                <a:lumMod val="105000"/>
-                <a:satMod val="109000"/>
-                <a:tint val="81000"/>
+                <a:tint val="84000"/>
+                <a:satMod val="160000"/>
               </a:schemeClr>
             </a:gs>
           </a:gsLst>
@@ -3689,23 +5674,16 @@
           <a:gsLst>
             <a:gs pos="0">
               <a:schemeClr val="phClr">
-                <a:satMod val="103000"/>
-                <a:lumMod val="102000"/>
-                <a:tint val="94000"/>
-              </a:schemeClr>
-            </a:gs>
-            <a:gs pos="50000">
-              <a:schemeClr val="phClr">
-                <a:satMod val="110000"/>
-                <a:lumMod val="100000"/>
-                <a:shade val="100000"/>
+                <a:tint val="98000"/>
+                <a:hueMod val="94000"/>
+                <a:satMod val="130000"/>
+                <a:lumMod val="128000"/>
               </a:schemeClr>
             </a:gs>
             <a:gs pos="100000">
               <a:schemeClr val="phClr">
-                <a:lumMod val="99000"/>
-                <a:satMod val="120000"/>
-                <a:shade val="78000"/>
+                <a:shade val="94000"/>
+                <a:lumMod val="88000"/>
               </a:schemeClr>
             </a:gs>
           </a:gsLst>
@@ -3713,26 +5691,29 @@
         </a:gradFill>
       </a:fillStyleLst>
       <a:lnStyleLst>
-        <a:ln w="6350" cap="flat" cmpd="sng" algn="ctr">
+        <a:ln w="9525" cap="rnd" cmpd="sng" algn="ctr">
+          <a:solidFill>
+            <a:schemeClr val="phClr">
+              <a:tint val="76000"/>
+              <a:alpha val="60000"/>
+              <a:hueMod val="94000"/>
+            </a:schemeClr>
+          </a:solidFill>
+          <a:prstDash val="solid"/>
+        </a:ln>
+        <a:ln w="15875" cap="rnd" cmpd="sng" algn="ctr">
+          <a:solidFill>
+            <a:schemeClr val="phClr">
+              <a:hueMod val="94000"/>
+            </a:schemeClr>
+          </a:solidFill>
+          <a:prstDash val="solid"/>
+        </a:ln>
+        <a:ln w="28575" cap="rnd" cmpd="sng" algn="ctr">
           <a:solidFill>
             <a:schemeClr val="phClr"/>
           </a:solidFill>
           <a:prstDash val="solid"/>
-          <a:miter lim="800000"/>
-        </a:ln>
-        <a:ln w="12700" cap="flat" cmpd="sng" algn="ctr">
-          <a:solidFill>
-            <a:schemeClr val="phClr"/>
-          </a:solidFill>
-          <a:prstDash val="solid"/>
-          <a:miter lim="800000"/>
-        </a:ln>
-        <a:ln w="19050" cap="flat" cmpd="sng" algn="ctr">
-          <a:solidFill>
-            <a:schemeClr val="phClr"/>
-          </a:solidFill>
-          <a:prstDash val="solid"/>
-          <a:miter lim="800000"/>
         </a:ln>
       </a:lnStyleLst>
       <a:effectStyleLst>
@@ -3740,54 +5721,78 @@
           <a:effectLst/>
         </a:effectStyle>
         <a:effectStyle>
-          <a:effectLst/>
+          <a:effectLst>
+            <a:innerShdw blurRad="25400" dist="12700" dir="13500000">
+              <a:srgbClr val="000000">
+                <a:alpha val="45000"/>
+              </a:srgbClr>
+            </a:innerShdw>
+          </a:effectLst>
         </a:effectStyle>
         <a:effectStyle>
           <a:effectLst>
-            <a:outerShdw blurRad="57150" dist="19050" dir="5400000" algn="ctr" rotWithShape="0">
+            <a:outerShdw blurRad="50800" dist="38100" dir="5400000" rotWithShape="0">
               <a:srgbClr val="000000">
-                <a:alpha val="63000"/>
+                <a:alpha val="46000"/>
               </a:srgbClr>
             </a:outerShdw>
           </a:effectLst>
+          <a:scene3d>
+            <a:camera prst="orthographicFront">
+              <a:rot lat="0" lon="0" rev="0"/>
+            </a:camera>
+            <a:lightRig rig="threePt" dir="t"/>
+          </a:scene3d>
+          <a:sp3d prstMaterial="plastic">
+            <a:bevelT w="25400" h="25400"/>
+          </a:sp3d>
         </a:effectStyle>
       </a:effectStyleLst>
       <a:bgFillStyleLst>
         <a:solidFill>
           <a:schemeClr val="phClr"/>
         </a:solidFill>
-        <a:solidFill>
-          <a:schemeClr val="phClr">
-            <a:tint val="95000"/>
-            <a:satMod val="170000"/>
-          </a:schemeClr>
-        </a:solidFill>
+        <a:gradFill rotWithShape="1">
+          <a:gsLst>
+            <a:gs pos="10000">
+              <a:schemeClr val="phClr">
+                <a:tint val="97000"/>
+                <a:hueMod val="92000"/>
+                <a:satMod val="169000"/>
+                <a:lumMod val="164000"/>
+              </a:schemeClr>
+            </a:gs>
+            <a:gs pos="100000">
+              <a:schemeClr val="phClr">
+                <a:shade val="96000"/>
+                <a:satMod val="120000"/>
+                <a:lumMod val="90000"/>
+              </a:schemeClr>
+            </a:gs>
+          </a:gsLst>
+          <a:lin ang="6120000" scaled="1"/>
+        </a:gradFill>
         <a:gradFill rotWithShape="1">
           <a:gsLst>
             <a:gs pos="0">
               <a:schemeClr val="phClr">
-                <a:tint val="93000"/>
-                <a:satMod val="150000"/>
-                <a:shade val="98000"/>
-                <a:lumMod val="102000"/>
-              </a:schemeClr>
-            </a:gs>
-            <a:gs pos="50000">
-              <a:schemeClr val="phClr">
-                <a:tint val="98000"/>
-                <a:satMod val="130000"/>
-                <a:shade val="90000"/>
-                <a:lumMod val="103000"/>
+                <a:tint val="97000"/>
+                <a:hueMod val="92000"/>
+                <a:satMod val="169000"/>
+                <a:lumMod val="164000"/>
               </a:schemeClr>
             </a:gs>
             <a:gs pos="100000">
               <a:schemeClr val="phClr">
-                <a:shade val="63000"/>
+                <a:shade val="96000"/>
                 <a:satMod val="120000"/>
+                <a:lumMod val="90000"/>
               </a:schemeClr>
             </a:gs>
           </a:gsLst>
-          <a:lin ang="5400000" scaled="0"/>
+          <a:path path="circle">
+            <a:fillToRect b="100000"/>
+          </a:path>
         </a:gradFill>
       </a:bgFillStyleLst>
     </a:fmtScheme>
@@ -3796,7 +5801,7 @@
   <a:extraClrSchemeLst/>
   <a:extLst>
     <a:ext uri="{05A4C25C-085E-4340-85A3-A5531E510DB2}">
-      <thm15:themeFamily xmlns:thm15="http://schemas.microsoft.com/office/thememl/2012/main" name="Office Theme" id="{62F939B6-93AF-4DB8-9C6B-D6C7DFDC589F}" vid="{4A3C46E8-61CC-4603-A589-7422A47A8E4A}"/>
+      <thm15:themeFamily xmlns:thm15="http://schemas.microsoft.com/office/thememl/2012/main" name="Slice" id="{0507925B-6AC9-4358-8E18-C330545D08F8}" vid="{13FEC7C6-62A9-40C4-99D2-581AACACAA2F}"/>
     </a:ext>
   </a:extLst>
 </a:theme>
